--- a/multiscalemodel/src/edu/usf/ratsim/model/morris_replay/logging/issues.pptx
+++ b/multiscalemodel/src/edu/usf/ratsim/model/morris_replay/logging/issues.pptx
@@ -10,6 +10,8 @@
     <p:sldId id="258" r:id="rId4"/>
     <p:sldId id="259" r:id="rId5"/>
     <p:sldId id="260" r:id="rId6"/>
+    <p:sldId id="262" r:id="rId7"/>
+    <p:sldId id="261" r:id="rId8"/>
   </p:sldIdLst>
   <p:sldSz cx="12192000" cy="6858000"/>
   <p:notesSz cx="6858000" cy="9144000"/>
@@ -263,7 +265,7 @@
           <a:p>
             <a:fld id="{2DC27D8E-51E4-4162-86B4-7AB8E00F03B0}" type="datetimeFigureOut">
               <a:rPr lang="en-US" smtClean="0"/>
-              <a:t>7/3/2018</a:t>
+              <a:t>7/10/2018</a:t>
             </a:fld>
             <a:endParaRPr lang="en-US"/>
           </a:p>
@@ -461,7 +463,7 @@
           <a:p>
             <a:fld id="{2DC27D8E-51E4-4162-86B4-7AB8E00F03B0}" type="datetimeFigureOut">
               <a:rPr lang="en-US" smtClean="0"/>
-              <a:t>7/3/2018</a:t>
+              <a:t>7/10/2018</a:t>
             </a:fld>
             <a:endParaRPr lang="en-US"/>
           </a:p>
@@ -669,7 +671,7 @@
           <a:p>
             <a:fld id="{2DC27D8E-51E4-4162-86B4-7AB8E00F03B0}" type="datetimeFigureOut">
               <a:rPr lang="en-US" smtClean="0"/>
-              <a:t>7/3/2018</a:t>
+              <a:t>7/10/2018</a:t>
             </a:fld>
             <a:endParaRPr lang="en-US"/>
           </a:p>
@@ -867,7 +869,7 @@
           <a:p>
             <a:fld id="{2DC27D8E-51E4-4162-86B4-7AB8E00F03B0}" type="datetimeFigureOut">
               <a:rPr lang="en-US" smtClean="0"/>
-              <a:t>7/3/2018</a:t>
+              <a:t>7/10/2018</a:t>
             </a:fld>
             <a:endParaRPr lang="en-US"/>
           </a:p>
@@ -1142,7 +1144,7 @@
           <a:p>
             <a:fld id="{2DC27D8E-51E4-4162-86B4-7AB8E00F03B0}" type="datetimeFigureOut">
               <a:rPr lang="en-US" smtClean="0"/>
-              <a:t>7/3/2018</a:t>
+              <a:t>7/10/2018</a:t>
             </a:fld>
             <a:endParaRPr lang="en-US"/>
           </a:p>
@@ -1407,7 +1409,7 @@
           <a:p>
             <a:fld id="{2DC27D8E-51E4-4162-86B4-7AB8E00F03B0}" type="datetimeFigureOut">
               <a:rPr lang="en-US" smtClean="0"/>
-              <a:t>7/3/2018</a:t>
+              <a:t>7/10/2018</a:t>
             </a:fld>
             <a:endParaRPr lang="en-US"/>
           </a:p>
@@ -1819,7 +1821,7 @@
           <a:p>
             <a:fld id="{2DC27D8E-51E4-4162-86B4-7AB8E00F03B0}" type="datetimeFigureOut">
               <a:rPr lang="en-US" smtClean="0"/>
-              <a:t>7/3/2018</a:t>
+              <a:t>7/10/2018</a:t>
             </a:fld>
             <a:endParaRPr lang="en-US"/>
           </a:p>
@@ -1960,7 +1962,7 @@
           <a:p>
             <a:fld id="{2DC27D8E-51E4-4162-86B4-7AB8E00F03B0}" type="datetimeFigureOut">
               <a:rPr lang="en-US" smtClean="0"/>
-              <a:t>7/3/2018</a:t>
+              <a:t>7/10/2018</a:t>
             </a:fld>
             <a:endParaRPr lang="en-US"/>
           </a:p>
@@ -2073,7 +2075,7 @@
           <a:p>
             <a:fld id="{2DC27D8E-51E4-4162-86B4-7AB8E00F03B0}" type="datetimeFigureOut">
               <a:rPr lang="en-US" smtClean="0"/>
-              <a:t>7/3/2018</a:t>
+              <a:t>7/10/2018</a:t>
             </a:fld>
             <a:endParaRPr lang="en-US"/>
           </a:p>
@@ -2384,7 +2386,7 @@
           <a:p>
             <a:fld id="{2DC27D8E-51E4-4162-86B4-7AB8E00F03B0}" type="datetimeFigureOut">
               <a:rPr lang="en-US" smtClean="0"/>
-              <a:t>7/3/2018</a:t>
+              <a:t>7/10/2018</a:t>
             </a:fld>
             <a:endParaRPr lang="en-US"/>
           </a:p>
@@ -2672,7 +2674,7 @@
           <a:p>
             <a:fld id="{2DC27D8E-51E4-4162-86B4-7AB8E00F03B0}" type="datetimeFigureOut">
               <a:rPr lang="en-US" smtClean="0"/>
-              <a:t>7/3/2018</a:t>
+              <a:t>7/10/2018</a:t>
             </a:fld>
             <a:endParaRPr lang="en-US"/>
           </a:p>
@@ -2913,7 +2915,7 @@
           <a:p>
             <a:fld id="{2DC27D8E-51E4-4162-86B4-7AB8E00F03B0}" type="datetimeFigureOut">
               <a:rPr lang="en-US" smtClean="0"/>
-              <a:t>7/3/2018</a:t>
+              <a:t>7/10/2018</a:t>
             </a:fld>
             <a:endParaRPr lang="en-US"/>
           </a:p>
@@ -6041,8 +6043,8 @@
           </a:p>
         </p:txBody>
       </p:sp>
-      <mc:AlternateContent xmlns:mc="http://schemas.openxmlformats.org/markup-compatibility/2006">
-        <mc:Choice xmlns:a14="http://schemas.microsoft.com/office/drawing/2010/main" Requires="a14">
+      <mc:AlternateContent xmlns:mc="http://schemas.openxmlformats.org/markup-compatibility/2006" xmlns:a14="http://schemas.microsoft.com/office/drawing/2010/main">
+        <mc:Choice Requires="a14">
           <p:sp>
             <p:nvSpPr>
               <p:cNvPr id="4" name="TextBox 3">
@@ -6116,7 +6118,7 @@
             </p:txBody>
           </p:sp>
         </mc:Choice>
-        <mc:Fallback>
+        <mc:Fallback xmlns="">
           <p:sp>
             <p:nvSpPr>
               <p:cNvPr id="4" name="TextBox 3">
@@ -6470,8 +6472,8 @@
           </p:sp>
         </mc:Fallback>
       </mc:AlternateContent>
-      <mc:AlternateContent xmlns:mc="http://schemas.openxmlformats.org/markup-compatibility/2006">
-        <mc:Choice xmlns:a14="http://schemas.microsoft.com/office/drawing/2010/main" Requires="a14">
+      <mc:AlternateContent xmlns:mc="http://schemas.openxmlformats.org/markup-compatibility/2006" xmlns:a14="http://schemas.microsoft.com/office/drawing/2010/main">
+        <mc:Choice Requires="a14">
           <p:sp>
             <p:nvSpPr>
               <p:cNvPr id="7" name="TextBox 6">
@@ -6566,7 +6568,7 @@
             </p:txBody>
           </p:sp>
         </mc:Choice>
-        <mc:Fallback>
+        <mc:Fallback xmlns="">
           <p:sp>
             <p:nvSpPr>
               <p:cNvPr id="7" name="TextBox 6">
@@ -7860,8 +7862,8 @@
           </a:p>
         </p:txBody>
       </p:sp>
-      <mc:AlternateContent xmlns:mc="http://schemas.openxmlformats.org/markup-compatibility/2006">
-        <mc:Choice xmlns:a14="http://schemas.microsoft.com/office/drawing/2010/main" Requires="a14">
+      <mc:AlternateContent xmlns:mc="http://schemas.openxmlformats.org/markup-compatibility/2006" xmlns:a14="http://schemas.microsoft.com/office/drawing/2010/main">
+        <mc:Choice Requires="a14">
           <p:sp>
             <p:nvSpPr>
               <p:cNvPr id="35" name="TextBox 34">
@@ -7935,7 +7937,7 @@
             </p:txBody>
           </p:sp>
         </mc:Choice>
-        <mc:Fallback>
+        <mc:Fallback xmlns="">
           <p:sp>
             <p:nvSpPr>
               <p:cNvPr id="35" name="TextBox 34">
@@ -8533,8 +8535,8 @@
           </a:fontRef>
         </p:style>
       </p:cxnSp>
-      <mc:AlternateContent xmlns:mc="http://schemas.openxmlformats.org/markup-compatibility/2006">
-        <mc:Choice xmlns:a14="http://schemas.microsoft.com/office/drawing/2010/main" Requires="a14">
+      <mc:AlternateContent xmlns:mc="http://schemas.openxmlformats.org/markup-compatibility/2006" xmlns:a14="http://schemas.microsoft.com/office/drawing/2010/main">
+        <mc:Choice Requires="a14">
           <p:sp>
             <p:nvSpPr>
               <p:cNvPr id="148" name="TextBox 147">
@@ -8629,7 +8631,7 @@
             </p:txBody>
           </p:sp>
         </mc:Choice>
-        <mc:Fallback>
+        <mc:Fallback xmlns="">
           <p:sp>
             <p:nvSpPr>
               <p:cNvPr id="148" name="TextBox 147">
@@ -8680,8 +8682,8 @@
           </p:sp>
         </mc:Fallback>
       </mc:AlternateContent>
-      <mc:AlternateContent xmlns:mc="http://schemas.openxmlformats.org/markup-compatibility/2006">
-        <mc:Choice xmlns:a14="http://schemas.microsoft.com/office/drawing/2010/main" Requires="a14">
+      <mc:AlternateContent xmlns:mc="http://schemas.openxmlformats.org/markup-compatibility/2006" xmlns:a14="http://schemas.microsoft.com/office/drawing/2010/main">
+        <mc:Choice Requires="a14">
           <p:sp>
             <p:nvSpPr>
               <p:cNvPr id="149" name="TextBox 148">
@@ -8776,7 +8778,7 @@
             </p:txBody>
           </p:sp>
         </mc:Choice>
-        <mc:Fallback>
+        <mc:Fallback xmlns="">
           <p:sp>
             <p:nvSpPr>
               <p:cNvPr id="149" name="TextBox 148">
@@ -9108,8 +9110,8 @@
           </a:fontRef>
         </p:style>
       </p:cxnSp>
-      <mc:AlternateContent xmlns:mc="http://schemas.openxmlformats.org/markup-compatibility/2006">
-        <mc:Choice xmlns:a14="http://schemas.microsoft.com/office/drawing/2010/main" Requires="a14">
+      <mc:AlternateContent xmlns:mc="http://schemas.openxmlformats.org/markup-compatibility/2006" xmlns:a14="http://schemas.microsoft.com/office/drawing/2010/main">
+        <mc:Choice Requires="a14">
           <p:sp>
             <p:nvSpPr>
               <p:cNvPr id="167" name="TextBox 166">
@@ -9391,7 +9393,7 @@
             </p:txBody>
           </p:sp>
         </mc:Choice>
-        <mc:Fallback>
+        <mc:Fallback xmlns="">
           <p:sp>
             <p:nvSpPr>
               <p:cNvPr id="167" name="TextBox 166">
@@ -9542,8 +9544,8 @@
           </a:p>
         </p:txBody>
       </p:sp>
-      <mc:AlternateContent xmlns:mc="http://schemas.openxmlformats.org/markup-compatibility/2006">
-        <mc:Choice xmlns:a14="http://schemas.microsoft.com/office/drawing/2010/main" Requires="a14">
+      <mc:AlternateContent xmlns:mc="http://schemas.openxmlformats.org/markup-compatibility/2006" xmlns:a14="http://schemas.microsoft.com/office/drawing/2010/main">
+        <mc:Choice Requires="a14">
           <p:sp>
             <p:nvSpPr>
               <p:cNvPr id="243" name="TextBox 242">
@@ -9617,7 +9619,7 @@
             </p:txBody>
           </p:sp>
         </mc:Choice>
-        <mc:Fallback>
+        <mc:Fallback xmlns="">
           <p:sp>
             <p:nvSpPr>
               <p:cNvPr id="243" name="TextBox 242">
@@ -9818,8 +9820,8 @@
           </p:sp>
         </mc:Fallback>
       </mc:AlternateContent>
-      <mc:AlternateContent xmlns:mc="http://schemas.openxmlformats.org/markup-compatibility/2006">
-        <mc:Choice xmlns:a14="http://schemas.microsoft.com/office/drawing/2010/main" Requires="a14">
+      <mc:AlternateContent xmlns:mc="http://schemas.openxmlformats.org/markup-compatibility/2006" xmlns:a14="http://schemas.microsoft.com/office/drawing/2010/main">
+        <mc:Choice Requires="a14">
           <p:sp>
             <p:nvSpPr>
               <p:cNvPr id="245" name="TextBox 244">
@@ -9876,34 +9878,46 @@
                       <m:sSubSup>
                         <m:sSubSupPr>
                           <m:ctrlPr>
-                            <a:rPr lang="en-US"/>
+                            <a:rPr lang="en-US" i="1">
+                              <a:latin typeface="Cambria Math" panose="02040503050406030204" pitchFamily="18" charset="0"/>
+                            </a:rPr>
                           </m:ctrlPr>
                         </m:sSubSupPr>
                         <m:e>
                           <m:r>
-                            <a:rPr lang="en-US"/>
+                            <a:rPr lang="en-US">
+                              <a:latin typeface="Cambria Math" panose="02040503050406030204" pitchFamily="18" charset="0"/>
+                            </a:rPr>
                             <m:t>{</m:t>
                           </m:r>
                           <m:r>
-                            <a:rPr lang="en-US"/>
+                            <a:rPr lang="en-US">
+                              <a:latin typeface="Cambria Math" panose="02040503050406030204" pitchFamily="18" charset="0"/>
+                            </a:rPr>
                             <m:t>𝑄</m:t>
                           </m:r>
                         </m:e>
                         <m:sub>
                           <m:r>
-                            <a:rPr lang="en-US"/>
+                            <a:rPr lang="en-US">
+                              <a:latin typeface="Cambria Math" panose="02040503050406030204" pitchFamily="18" charset="0"/>
+                            </a:rPr>
                             <m:t>𝑖</m:t>
                           </m:r>
                         </m:sub>
                         <m:sup>
                           <m:r>
-                            <a:rPr lang="en-US"/>
+                            <a:rPr lang="en-US">
+                              <a:latin typeface="Cambria Math" panose="02040503050406030204" pitchFamily="18" charset="0"/>
+                            </a:rPr>
                             <m:t>𝑡</m:t>
                           </m:r>
                         </m:sup>
                       </m:sSubSup>
                       <m:r>
-                        <a:rPr lang="en-US"/>
+                        <a:rPr lang="en-US">
+                          <a:latin typeface="Cambria Math" panose="02040503050406030204" pitchFamily="18" charset="0"/>
+                        </a:rPr>
                         <m:t>}</m:t>
                       </m:r>
                     </m:oMath>
@@ -9914,7 +9928,7 @@
             </p:txBody>
           </p:sp>
         </mc:Choice>
-        <mc:Fallback>
+        <mc:Fallback xmlns="">
           <p:sp>
             <p:nvSpPr>
               <p:cNvPr id="245" name="TextBox 244">
@@ -9965,8 +9979,8 @@
           </p:sp>
         </mc:Fallback>
       </mc:AlternateContent>
-      <mc:AlternateContent xmlns:mc="http://schemas.openxmlformats.org/markup-compatibility/2006">
-        <mc:Choice xmlns:a14="http://schemas.microsoft.com/office/drawing/2010/main" Requires="a14">
+      <mc:AlternateContent xmlns:mc="http://schemas.openxmlformats.org/markup-compatibility/2006" xmlns:a14="http://schemas.microsoft.com/office/drawing/2010/main">
+        <mc:Choice Requires="a14">
           <p:sp>
             <p:nvSpPr>
               <p:cNvPr id="246" name="TextBox 245">
@@ -10083,7 +10097,7 @@
             </p:txBody>
           </p:sp>
         </mc:Choice>
-        <mc:Fallback>
+        <mc:Fallback xmlns="">
           <p:sp>
             <p:nvSpPr>
               <p:cNvPr id="246" name="TextBox 245">
@@ -10286,8 +10300,8 @@
           </p:sp>
         </mc:Fallback>
       </mc:AlternateContent>
-      <mc:AlternateContent xmlns:mc="http://schemas.openxmlformats.org/markup-compatibility/2006">
-        <mc:Choice xmlns:a14="http://schemas.microsoft.com/office/drawing/2010/main" Requires="a14">
+      <mc:AlternateContent xmlns:mc="http://schemas.openxmlformats.org/markup-compatibility/2006" xmlns:a14="http://schemas.microsoft.com/office/drawing/2010/main">
+        <mc:Choice Requires="a14">
           <p:sp>
             <p:nvSpPr>
               <p:cNvPr id="248" name="TextBox 247">
@@ -10419,7 +10433,7 @@
             </p:txBody>
           </p:sp>
         </mc:Choice>
-        <mc:Fallback>
+        <mc:Fallback xmlns="">
           <p:sp>
             <p:nvSpPr>
               <p:cNvPr id="248" name="TextBox 247">
@@ -12081,8 +12095,8 @@
           </a:fontRef>
         </p:style>
       </p:cxnSp>
-      <mc:AlternateContent xmlns:mc="http://schemas.openxmlformats.org/markup-compatibility/2006">
-        <mc:Choice xmlns:a14="http://schemas.microsoft.com/office/drawing/2010/main" Requires="a14">
+      <mc:AlternateContent xmlns:mc="http://schemas.openxmlformats.org/markup-compatibility/2006" xmlns:a14="http://schemas.microsoft.com/office/drawing/2010/main">
+        <mc:Choice Requires="a14">
           <p:sp>
             <p:nvSpPr>
               <p:cNvPr id="277" name="TextBox 276">
@@ -12177,7 +12191,7 @@
             </p:txBody>
           </p:sp>
         </mc:Choice>
-        <mc:Fallback>
+        <mc:Fallback xmlns="">
           <p:sp>
             <p:nvSpPr>
               <p:cNvPr id="277" name="TextBox 276">
@@ -12228,8 +12242,8 @@
           </p:sp>
         </mc:Fallback>
       </mc:AlternateContent>
-      <mc:AlternateContent xmlns:mc="http://schemas.openxmlformats.org/markup-compatibility/2006">
-        <mc:Choice xmlns:a14="http://schemas.microsoft.com/office/drawing/2010/main" Requires="a14">
+      <mc:AlternateContent xmlns:mc="http://schemas.openxmlformats.org/markup-compatibility/2006" xmlns:a14="http://schemas.microsoft.com/office/drawing/2010/main">
+        <mc:Choice Requires="a14">
           <p:sp>
             <p:nvSpPr>
               <p:cNvPr id="278" name="TextBox 277">
@@ -12324,7 +12338,7 @@
             </p:txBody>
           </p:sp>
         </mc:Choice>
-        <mc:Fallback>
+        <mc:Fallback xmlns="">
           <p:sp>
             <p:nvSpPr>
               <p:cNvPr id="278" name="TextBox 277">
@@ -13051,8 +13065,8 @@
           </a:fontRef>
         </p:style>
       </p:cxnSp>
-      <mc:AlternateContent xmlns:mc="http://schemas.openxmlformats.org/markup-compatibility/2006">
-        <mc:Choice xmlns:a14="http://schemas.microsoft.com/office/drawing/2010/main" Requires="a14">
+      <mc:AlternateContent xmlns:mc="http://schemas.openxmlformats.org/markup-compatibility/2006" xmlns:a14="http://schemas.microsoft.com/office/drawing/2010/main">
+        <mc:Choice Requires="a14">
           <p:sp>
             <p:nvSpPr>
               <p:cNvPr id="325" name="TextBox 324">
@@ -13109,34 +13123,46 @@
                       <m:sSubSup>
                         <m:sSubSupPr>
                           <m:ctrlPr>
-                            <a:rPr lang="en-US" dirty="0"/>
+                            <a:rPr lang="en-US" i="1" dirty="0">
+                              <a:latin typeface="Cambria Math" panose="02040503050406030204" pitchFamily="18" charset="0"/>
+                            </a:rPr>
                           </m:ctrlPr>
                         </m:sSubSupPr>
                         <m:e>
                           <m:r>
-                            <a:rPr lang="en-US" dirty="0"/>
+                            <a:rPr lang="en-US" dirty="0">
+                              <a:latin typeface="Cambria Math" panose="02040503050406030204" pitchFamily="18" charset="0"/>
+                            </a:rPr>
                             <m:t>{</m:t>
                           </m:r>
                           <m:r>
-                            <a:rPr lang="en-US" dirty="0"/>
+                            <a:rPr lang="en-US" dirty="0">
+                              <a:latin typeface="Cambria Math" panose="02040503050406030204" pitchFamily="18" charset="0"/>
+                            </a:rPr>
                             <m:t>𝑉</m:t>
                           </m:r>
                         </m:e>
                         <m:sub>
                           <m:r>
-                            <a:rPr lang="en-US" dirty="0"/>
+                            <a:rPr lang="en-US" dirty="0">
+                              <a:latin typeface="Cambria Math" panose="02040503050406030204" pitchFamily="18" charset="0"/>
+                            </a:rPr>
                             <m:t>𝑖</m:t>
                           </m:r>
                         </m:sub>
                         <m:sup>
                           <m:r>
-                            <a:rPr lang="en-US" dirty="0"/>
+                            <a:rPr lang="en-US" dirty="0">
+                              <a:latin typeface="Cambria Math" panose="02040503050406030204" pitchFamily="18" charset="0"/>
+                            </a:rPr>
                             <m:t>𝑡</m:t>
                           </m:r>
                         </m:sup>
                       </m:sSubSup>
                       <m:r>
-                        <a:rPr lang="en-US" dirty="0"/>
+                        <a:rPr lang="en-US" dirty="0">
+                          <a:latin typeface="Cambria Math" panose="02040503050406030204" pitchFamily="18" charset="0"/>
+                        </a:rPr>
                         <m:t>}</m:t>
                       </m:r>
                     </m:oMath>
@@ -13147,7 +13173,7 @@
             </p:txBody>
           </p:sp>
         </mc:Choice>
-        <mc:Fallback>
+        <mc:Fallback xmlns="">
           <p:sp>
             <p:nvSpPr>
               <p:cNvPr id="325" name="TextBox 324">
@@ -13244,8 +13270,8 @@
           </a:fontRef>
         </p:style>
       </p:cxnSp>
-      <mc:AlternateContent xmlns:mc="http://schemas.openxmlformats.org/markup-compatibility/2006">
-        <mc:Choice xmlns:a14="http://schemas.microsoft.com/office/drawing/2010/main" Requires="a14">
+      <mc:AlternateContent xmlns:mc="http://schemas.openxmlformats.org/markup-compatibility/2006" xmlns:a14="http://schemas.microsoft.com/office/drawing/2010/main">
+        <mc:Choice Requires="a14">
           <p:sp>
             <p:nvSpPr>
               <p:cNvPr id="335" name="TextBox 334">
@@ -13368,7 +13394,7 @@
             </p:txBody>
           </p:sp>
         </mc:Choice>
-        <mc:Fallback>
+        <mc:Fallback xmlns="">
           <p:sp>
             <p:nvSpPr>
               <p:cNvPr id="335" name="TextBox 334">
@@ -13706,8 +13732,8 @@
           </a:p>
         </p:txBody>
       </p:sp>
-      <mc:AlternateContent xmlns:mc="http://schemas.openxmlformats.org/markup-compatibility/2006">
-        <mc:Choice xmlns:a14="http://schemas.microsoft.com/office/drawing/2010/main" Requires="a14">
+      <mc:AlternateContent xmlns:mc="http://schemas.openxmlformats.org/markup-compatibility/2006" xmlns:a14="http://schemas.microsoft.com/office/drawing/2010/main">
+        <mc:Choice Requires="a14">
           <p:sp>
             <p:nvSpPr>
               <p:cNvPr id="243" name="TextBox 242">
@@ -13781,7 +13807,7 @@
             </p:txBody>
           </p:sp>
         </mc:Choice>
-        <mc:Fallback>
+        <mc:Fallback xmlns="">
           <p:sp>
             <p:nvSpPr>
               <p:cNvPr id="243" name="TextBox 242">
@@ -13831,8 +13857,8 @@
           </p:sp>
         </mc:Fallback>
       </mc:AlternateContent>
-      <mc:AlternateContent xmlns:mc="http://schemas.openxmlformats.org/markup-compatibility/2006">
-        <mc:Choice xmlns:a14="http://schemas.microsoft.com/office/drawing/2010/main" Requires="a14">
+      <mc:AlternateContent xmlns:mc="http://schemas.openxmlformats.org/markup-compatibility/2006" xmlns:a14="http://schemas.microsoft.com/office/drawing/2010/main">
+        <mc:Choice Requires="a14">
           <p:sp>
             <p:nvSpPr>
               <p:cNvPr id="244" name="TextBox 243">
@@ -13932,7 +13958,7 @@
             </p:txBody>
           </p:sp>
         </mc:Choice>
-        <mc:Fallback>
+        <mc:Fallback xmlns="">
           <p:sp>
             <p:nvSpPr>
               <p:cNvPr id="244" name="TextBox 243">
@@ -13982,8 +14008,8 @@
           </p:sp>
         </mc:Fallback>
       </mc:AlternateContent>
-      <mc:AlternateContent xmlns:mc="http://schemas.openxmlformats.org/markup-compatibility/2006">
-        <mc:Choice xmlns:a14="http://schemas.microsoft.com/office/drawing/2010/main" Requires="a14">
+      <mc:AlternateContent xmlns:mc="http://schemas.openxmlformats.org/markup-compatibility/2006" xmlns:a14="http://schemas.microsoft.com/office/drawing/2010/main">
+        <mc:Choice Requires="a14">
           <p:sp>
             <p:nvSpPr>
               <p:cNvPr id="245" name="TextBox 244">
@@ -14100,7 +14126,7 @@
             </p:txBody>
           </p:sp>
         </mc:Choice>
-        <mc:Fallback>
+        <mc:Fallback xmlns="">
           <p:sp>
             <p:nvSpPr>
               <p:cNvPr id="245" name="TextBox 244">
@@ -14151,8 +14177,8 @@
           </p:sp>
         </mc:Fallback>
       </mc:AlternateContent>
-      <mc:AlternateContent xmlns:mc="http://schemas.openxmlformats.org/markup-compatibility/2006">
-        <mc:Choice xmlns:a14="http://schemas.microsoft.com/office/drawing/2010/main" Requires="a14">
+      <mc:AlternateContent xmlns:mc="http://schemas.openxmlformats.org/markup-compatibility/2006" xmlns:a14="http://schemas.microsoft.com/office/drawing/2010/main">
+        <mc:Choice Requires="a14">
           <p:sp>
             <p:nvSpPr>
               <p:cNvPr id="246" name="TextBox 245">
@@ -14269,7 +14295,7 @@
             </p:txBody>
           </p:sp>
         </mc:Choice>
-        <mc:Fallback>
+        <mc:Fallback xmlns="">
           <p:sp>
             <p:nvSpPr>
               <p:cNvPr id="246" name="TextBox 245">
@@ -14320,8 +14346,8 @@
           </p:sp>
         </mc:Fallback>
       </mc:AlternateContent>
-      <mc:AlternateContent xmlns:mc="http://schemas.openxmlformats.org/markup-compatibility/2006">
-        <mc:Choice xmlns:a14="http://schemas.microsoft.com/office/drawing/2010/main" Requires="a14">
+      <mc:AlternateContent xmlns:mc="http://schemas.openxmlformats.org/markup-compatibility/2006" xmlns:a14="http://schemas.microsoft.com/office/drawing/2010/main">
+        <mc:Choice Requires="a14">
           <p:sp>
             <p:nvSpPr>
               <p:cNvPr id="247" name="TextBox 246">
@@ -14422,7 +14448,7 @@
             </p:txBody>
           </p:sp>
         </mc:Choice>
-        <mc:Fallback>
+        <mc:Fallback xmlns="">
           <p:sp>
             <p:nvSpPr>
               <p:cNvPr id="247" name="TextBox 246">
@@ -14472,8 +14498,8 @@
           </p:sp>
         </mc:Fallback>
       </mc:AlternateContent>
-      <mc:AlternateContent xmlns:mc="http://schemas.openxmlformats.org/markup-compatibility/2006">
-        <mc:Choice xmlns:a14="http://schemas.microsoft.com/office/drawing/2010/main" Requires="a14">
+      <mc:AlternateContent xmlns:mc="http://schemas.openxmlformats.org/markup-compatibility/2006" xmlns:a14="http://schemas.microsoft.com/office/drawing/2010/main">
+        <mc:Choice Requires="a14">
           <p:sp>
             <p:nvSpPr>
               <p:cNvPr id="248" name="TextBox 247">
@@ -14605,7 +14631,7 @@
             </p:txBody>
           </p:sp>
         </mc:Choice>
-        <mc:Fallback>
+        <mc:Fallback xmlns="">
           <p:sp>
             <p:nvSpPr>
               <p:cNvPr id="248" name="TextBox 247">
@@ -14655,8 +14681,8 @@
           </p:sp>
         </mc:Fallback>
       </mc:AlternateContent>
-      <mc:AlternateContent xmlns:mc="http://schemas.openxmlformats.org/markup-compatibility/2006">
-        <mc:Choice xmlns:a14="http://schemas.microsoft.com/office/drawing/2010/main" Requires="a14">
+      <mc:AlternateContent xmlns:mc="http://schemas.openxmlformats.org/markup-compatibility/2006" xmlns:a14="http://schemas.microsoft.com/office/drawing/2010/main">
+        <mc:Choice Requires="a14">
           <p:sp>
             <p:nvSpPr>
               <p:cNvPr id="249" name="TextBox 248">
@@ -14742,7 +14768,7 @@
             </p:txBody>
           </p:sp>
         </mc:Choice>
-        <mc:Fallback>
+        <mc:Fallback xmlns="">
           <p:sp>
             <p:nvSpPr>
               <p:cNvPr id="249" name="TextBox 248">
@@ -14792,8 +14818,8 @@
           </p:sp>
         </mc:Fallback>
       </mc:AlternateContent>
-      <mc:AlternateContent xmlns:mc="http://schemas.openxmlformats.org/markup-compatibility/2006">
-        <mc:Choice xmlns:a14="http://schemas.microsoft.com/office/drawing/2010/main" Requires="a14">
+      <mc:AlternateContent xmlns:mc="http://schemas.openxmlformats.org/markup-compatibility/2006" xmlns:a14="http://schemas.microsoft.com/office/drawing/2010/main">
+        <mc:Choice Requires="a14">
           <p:sp>
             <p:nvSpPr>
               <p:cNvPr id="250" name="TextBox 249">
@@ -14873,7 +14899,7 @@
             </p:txBody>
           </p:sp>
         </mc:Choice>
-        <mc:Fallback>
+        <mc:Fallback xmlns="">
           <p:sp>
             <p:nvSpPr>
               <p:cNvPr id="250" name="TextBox 249">
@@ -14923,8 +14949,8 @@
           </p:sp>
         </mc:Fallback>
       </mc:AlternateContent>
-      <mc:AlternateContent xmlns:mc="http://schemas.openxmlformats.org/markup-compatibility/2006">
-        <mc:Choice xmlns:a14="http://schemas.microsoft.com/office/drawing/2010/main" Requires="a14">
+      <mc:AlternateContent xmlns:mc="http://schemas.openxmlformats.org/markup-compatibility/2006" xmlns:a14="http://schemas.microsoft.com/office/drawing/2010/main">
+        <mc:Choice Requires="a14">
           <p:sp>
             <p:nvSpPr>
               <p:cNvPr id="251" name="TextBox 250">
@@ -15004,7 +15030,7 @@
             </p:txBody>
           </p:sp>
         </mc:Choice>
-        <mc:Fallback>
+        <mc:Fallback xmlns="">
           <p:sp>
             <p:nvSpPr>
               <p:cNvPr id="251" name="TextBox 250">
@@ -15054,6 +15080,4055 @@
           </p:sp>
         </mc:Fallback>
       </mc:AlternateContent>
+      <mc:AlternateContent xmlns:mc="http://schemas.openxmlformats.org/markup-compatibility/2006" xmlns:a14="http://schemas.microsoft.com/office/drawing/2010/main">
+        <mc:Choice Requires="a14">
+          <p:sp>
+            <p:nvSpPr>
+              <p:cNvPr id="252" name="TextBox 251">
+                <a:extLst>
+                  <a:ext uri="{FF2B5EF4-FFF2-40B4-BE49-F238E27FC236}">
+                    <a16:creationId xmlns:a16="http://schemas.microsoft.com/office/drawing/2014/main" id="{47E6ACC1-152A-46C4-8E55-CAC95F35B093}"/>
+                  </a:ext>
+                </a:extLst>
+              </p:cNvPr>
+              <p:cNvSpPr txBox="1"/>
+              <p:nvPr/>
+            </p:nvSpPr>
+            <p:spPr>
+              <a:xfrm>
+                <a:off x="6466067" y="2864019"/>
+                <a:ext cx="681918" cy="369332"/>
+              </a:xfrm>
+              <a:prstGeom prst="rect">
+                <a:avLst/>
+              </a:prstGeom>
+              <a:noFill/>
+              <a:ln>
+                <a:solidFill>
+                  <a:schemeClr val="tx1"/>
+                </a:solidFill>
+              </a:ln>
+            </p:spPr>
+            <p:txBody>
+              <a:bodyPr wrap="none" rtlCol="0">
+                <a:spAutoFit/>
+              </a:bodyPr>
+              <a:lstStyle/>
+              <a:p>
+                <a:pPr/>
+                <a14:m>
+                  <m:oMathPara xmlns:m="http://schemas.openxmlformats.org/officeDocument/2006/math">
+                    <m:oMathParaPr>
+                      <m:jc m:val="centerGroup"/>
+                    </m:oMathParaPr>
+                    <m:oMath xmlns:m="http://schemas.openxmlformats.org/officeDocument/2006/math">
+                      <m:r>
+                        <m:rPr>
+                          <m:sty m:val="p"/>
+                        </m:rPr>
+                        <a:rPr lang="en-US" b="0" i="0" smtClean="0">
+                          <a:latin typeface="Cambria Math" panose="02040503050406030204" pitchFamily="18" charset="0"/>
+                        </a:rPr>
+                        <m:t>Δ</m:t>
+                      </m:r>
+                      <m:r>
+                        <a:rPr lang="en-US" b="0" i="1" smtClean="0">
+                          <a:latin typeface="Cambria Math" panose="02040503050406030204" pitchFamily="18" charset="0"/>
+                        </a:rPr>
+                        <m:t>𝑉𝑄</m:t>
+                      </m:r>
+                    </m:oMath>
+                  </m:oMathPara>
+                </a14:m>
+                <a:endParaRPr lang="en-US" dirty="0"/>
+              </a:p>
+            </p:txBody>
+          </p:sp>
+        </mc:Choice>
+        <mc:Fallback xmlns="">
+          <p:sp>
+            <p:nvSpPr>
+              <p:cNvPr id="252" name="TextBox 251">
+                <a:extLst>
+                  <a:ext uri="{FF2B5EF4-FFF2-40B4-BE49-F238E27FC236}">
+                    <a16:creationId xmlns:a16="http://schemas.microsoft.com/office/drawing/2014/main" id="{47E6ACC1-152A-46C4-8E55-CAC95F35B093}"/>
+                  </a:ext>
+                </a:extLst>
+              </p:cNvPr>
+              <p:cNvSpPr txBox="1">
+                <a:spLocks noRot="1" noChangeAspect="1" noMove="1" noResize="1" noEditPoints="1" noAdjustHandles="1" noChangeArrowheads="1" noChangeShapeType="1" noTextEdit="1"/>
+              </p:cNvSpPr>
+              <p:nvPr/>
+            </p:nvSpPr>
+            <p:spPr>
+              <a:xfrm>
+                <a:off x="6466067" y="2864019"/>
+                <a:ext cx="681918" cy="369332"/>
+              </a:xfrm>
+              <a:prstGeom prst="rect">
+                <a:avLst/>
+              </a:prstGeom>
+              <a:blipFill>
+                <a:blip r:embed="rId11"/>
+                <a:stretch>
+                  <a:fillRect b="-8065"/>
+                </a:stretch>
+              </a:blipFill>
+              <a:ln>
+                <a:solidFill>
+                  <a:schemeClr val="tx1"/>
+                </a:solidFill>
+              </a:ln>
+            </p:spPr>
+            <p:txBody>
+              <a:bodyPr/>
+              <a:lstStyle/>
+              <a:p>
+                <a:r>
+                  <a:rPr lang="en-US">
+                    <a:noFill/>
+                  </a:rPr>
+                  <a:t> </a:t>
+                </a:r>
+              </a:p>
+            </p:txBody>
+          </p:sp>
+        </mc:Fallback>
+      </mc:AlternateContent>
+      <p:cxnSp>
+        <p:nvCxnSpPr>
+          <p:cNvPr id="253" name="Straight Arrow Connector 252">
+            <a:extLst>
+              <a:ext uri="{FF2B5EF4-FFF2-40B4-BE49-F238E27FC236}">
+                <a16:creationId xmlns:a16="http://schemas.microsoft.com/office/drawing/2014/main" id="{7D50D6A0-8ECC-4CD2-AA5B-A2D7849A37F7}"/>
+              </a:ext>
+            </a:extLst>
+          </p:cNvPr>
+          <p:cNvCxnSpPr>
+            <a:stCxn id="249" idx="3"/>
+            <a:endCxn id="250" idx="1"/>
+          </p:cNvCxnSpPr>
+          <p:nvPr/>
+        </p:nvCxnSpPr>
+        <p:spPr>
+          <a:xfrm>
+            <a:off x="3634927" y="2262201"/>
+            <a:ext cx="1526428" cy="40460"/>
+          </a:xfrm>
+          <a:prstGeom prst="straightConnector1">
+            <a:avLst/>
+          </a:prstGeom>
+          <a:ln>
+            <a:tailEnd type="triangle"/>
+          </a:ln>
+        </p:spPr>
+        <p:style>
+          <a:lnRef idx="1">
+            <a:schemeClr val="accent1"/>
+          </a:lnRef>
+          <a:fillRef idx="0">
+            <a:schemeClr val="accent1"/>
+          </a:fillRef>
+          <a:effectRef idx="0">
+            <a:schemeClr val="accent1"/>
+          </a:effectRef>
+          <a:fontRef idx="minor">
+            <a:schemeClr val="tx1"/>
+          </a:fontRef>
+        </p:style>
+      </p:cxnSp>
+      <p:cxnSp>
+        <p:nvCxnSpPr>
+          <p:cNvPr id="254" name="Straight Arrow Connector 253">
+            <a:extLst>
+              <a:ext uri="{FF2B5EF4-FFF2-40B4-BE49-F238E27FC236}">
+                <a16:creationId xmlns:a16="http://schemas.microsoft.com/office/drawing/2014/main" id="{9679E2E7-860C-434A-9BEB-FE8C377DAFB5}"/>
+              </a:ext>
+            </a:extLst>
+          </p:cNvPr>
+          <p:cNvCxnSpPr>
+            <a:stCxn id="243" idx="3"/>
+            <a:endCxn id="244" idx="1"/>
+          </p:cNvCxnSpPr>
+          <p:nvPr/>
+        </p:nvCxnSpPr>
+        <p:spPr>
+          <a:xfrm>
+            <a:off x="3094371" y="3673947"/>
+            <a:ext cx="450838" cy="6540"/>
+          </a:xfrm>
+          <a:prstGeom prst="straightConnector1">
+            <a:avLst/>
+          </a:prstGeom>
+          <a:ln>
+            <a:tailEnd type="triangle"/>
+          </a:ln>
+        </p:spPr>
+        <p:style>
+          <a:lnRef idx="1">
+            <a:schemeClr val="accent1"/>
+          </a:lnRef>
+          <a:fillRef idx="0">
+            <a:schemeClr val="accent1"/>
+          </a:fillRef>
+          <a:effectRef idx="0">
+            <a:schemeClr val="accent1"/>
+          </a:effectRef>
+          <a:fontRef idx="minor">
+            <a:schemeClr val="tx1"/>
+          </a:fontRef>
+        </p:style>
+      </p:cxnSp>
+      <p:cxnSp>
+        <p:nvCxnSpPr>
+          <p:cNvPr id="255" name="Straight Arrow Connector 254">
+            <a:extLst>
+              <a:ext uri="{FF2B5EF4-FFF2-40B4-BE49-F238E27FC236}">
+                <a16:creationId xmlns:a16="http://schemas.microsoft.com/office/drawing/2014/main" id="{D361FF9C-7878-48C7-91E9-93D4399AA13E}"/>
+              </a:ext>
+            </a:extLst>
+          </p:cNvPr>
+          <p:cNvCxnSpPr>
+            <a:stCxn id="246" idx="3"/>
+            <a:endCxn id="248" idx="1"/>
+          </p:cNvCxnSpPr>
+          <p:nvPr/>
+        </p:nvCxnSpPr>
+        <p:spPr>
+          <a:xfrm>
+            <a:off x="3209131" y="3011247"/>
+            <a:ext cx="497272" cy="8528"/>
+          </a:xfrm>
+          <a:prstGeom prst="straightConnector1">
+            <a:avLst/>
+          </a:prstGeom>
+          <a:ln>
+            <a:solidFill>
+              <a:srgbClr val="FE0202"/>
+            </a:solidFill>
+            <a:prstDash val="dash"/>
+            <a:tailEnd type="triangle"/>
+          </a:ln>
+        </p:spPr>
+        <p:style>
+          <a:lnRef idx="1">
+            <a:schemeClr val="accent1"/>
+          </a:lnRef>
+          <a:fillRef idx="0">
+            <a:schemeClr val="accent1"/>
+          </a:fillRef>
+          <a:effectRef idx="0">
+            <a:schemeClr val="accent1"/>
+          </a:effectRef>
+          <a:fontRef idx="minor">
+            <a:schemeClr val="tx1"/>
+          </a:fontRef>
+        </p:style>
+      </p:cxnSp>
+      <p:cxnSp>
+        <p:nvCxnSpPr>
+          <p:cNvPr id="256" name="Straight Arrow Connector 255">
+            <a:extLst>
+              <a:ext uri="{FF2B5EF4-FFF2-40B4-BE49-F238E27FC236}">
+                <a16:creationId xmlns:a16="http://schemas.microsoft.com/office/drawing/2014/main" id="{7A03760C-302A-49A7-AAC0-E381CF5F0908}"/>
+              </a:ext>
+            </a:extLst>
+          </p:cNvPr>
+          <p:cNvCxnSpPr>
+            <a:cxnSpLocks/>
+            <a:stCxn id="245" idx="1"/>
+            <a:endCxn id="247" idx="0"/>
+          </p:cNvCxnSpPr>
+          <p:nvPr/>
+        </p:nvCxnSpPr>
+        <p:spPr>
+          <a:xfrm flipH="1">
+            <a:off x="3839250" y="4102208"/>
+            <a:ext cx="736596" cy="411595"/>
+          </a:xfrm>
+          <a:prstGeom prst="straightConnector1">
+            <a:avLst/>
+          </a:prstGeom>
+          <a:ln w="38100" cmpd="sng">
+            <a:solidFill>
+              <a:srgbClr val="FF0000"/>
+            </a:solidFill>
+            <a:tailEnd type="triangle"/>
+          </a:ln>
+        </p:spPr>
+        <p:style>
+          <a:lnRef idx="1">
+            <a:schemeClr val="accent1"/>
+          </a:lnRef>
+          <a:fillRef idx="0">
+            <a:schemeClr val="accent1"/>
+          </a:fillRef>
+          <a:effectRef idx="0">
+            <a:schemeClr val="accent1"/>
+          </a:effectRef>
+          <a:fontRef idx="minor">
+            <a:schemeClr val="tx1"/>
+          </a:fontRef>
+        </p:style>
+      </p:cxnSp>
+      <p:cxnSp>
+        <p:nvCxnSpPr>
+          <p:cNvPr id="257" name="Straight Arrow Connector 256">
+            <a:extLst>
+              <a:ext uri="{FF2B5EF4-FFF2-40B4-BE49-F238E27FC236}">
+                <a16:creationId xmlns:a16="http://schemas.microsoft.com/office/drawing/2014/main" id="{B962C7C2-FF6A-480C-BFF0-958A0E697069}"/>
+              </a:ext>
+            </a:extLst>
+          </p:cNvPr>
+          <p:cNvCxnSpPr>
+            <a:stCxn id="248" idx="3"/>
+            <a:endCxn id="251" idx="1"/>
+          </p:cNvCxnSpPr>
+          <p:nvPr/>
+        </p:nvCxnSpPr>
+        <p:spPr>
+          <a:xfrm>
+            <a:off x="4408326" y="3019775"/>
+            <a:ext cx="736402" cy="28275"/>
+          </a:xfrm>
+          <a:prstGeom prst="straightConnector1">
+            <a:avLst/>
+          </a:prstGeom>
+          <a:ln>
+            <a:solidFill>
+              <a:srgbClr val="FE0202"/>
+            </a:solidFill>
+            <a:tailEnd type="triangle"/>
+          </a:ln>
+        </p:spPr>
+        <p:style>
+          <a:lnRef idx="1">
+            <a:schemeClr val="accent1"/>
+          </a:lnRef>
+          <a:fillRef idx="0">
+            <a:schemeClr val="accent1"/>
+          </a:fillRef>
+          <a:effectRef idx="0">
+            <a:schemeClr val="accent1"/>
+          </a:effectRef>
+          <a:fontRef idx="minor">
+            <a:schemeClr val="tx1"/>
+          </a:fontRef>
+        </p:style>
+      </p:cxnSp>
+      <p:sp>
+        <p:nvSpPr>
+          <p:cNvPr id="258" name="TextBox 257">
+            <a:extLst>
+              <a:ext uri="{FF2B5EF4-FFF2-40B4-BE49-F238E27FC236}">
+                <a16:creationId xmlns:a16="http://schemas.microsoft.com/office/drawing/2014/main" id="{34F3C097-B2BE-400A-93C7-6A8F1E12F377}"/>
+              </a:ext>
+            </a:extLst>
+          </p:cNvPr>
+          <p:cNvSpPr txBox="1"/>
+          <p:nvPr/>
+        </p:nvSpPr>
+        <p:spPr>
+          <a:xfrm>
+            <a:off x="2621714" y="5306093"/>
+            <a:ext cx="1415580" cy="369332"/>
+          </a:xfrm>
+          <a:prstGeom prst="rect">
+            <a:avLst/>
+          </a:prstGeom>
+          <a:noFill/>
+          <a:ln>
+            <a:solidFill>
+              <a:schemeClr val="tx1"/>
+            </a:solidFill>
+          </a:ln>
+        </p:spPr>
+        <p:txBody>
+          <a:bodyPr wrap="none" rtlCol="0">
+            <a:spAutoFit/>
+          </a:bodyPr>
+          <a:lstStyle/>
+          <a:p>
+            <a:r>
+              <a:rPr lang="en-US" dirty="0" err="1"/>
+              <a:t>nextActivePC</a:t>
+            </a:r>
+            <a:endParaRPr lang="en-US" dirty="0"/>
+          </a:p>
+        </p:txBody>
+      </p:sp>
+      <p:sp>
+        <p:nvSpPr>
+          <p:cNvPr id="259" name="TextBox 258">
+            <a:extLst>
+              <a:ext uri="{FF2B5EF4-FFF2-40B4-BE49-F238E27FC236}">
+                <a16:creationId xmlns:a16="http://schemas.microsoft.com/office/drawing/2014/main" id="{3E41A6E1-EAF9-41DB-9D80-4D9CD2F2F9F8}"/>
+              </a:ext>
+            </a:extLst>
+          </p:cNvPr>
+          <p:cNvSpPr txBox="1"/>
+          <p:nvPr/>
+        </p:nvSpPr>
+        <p:spPr>
+          <a:xfrm>
+            <a:off x="4431775" y="4546046"/>
+            <a:ext cx="589713" cy="369332"/>
+          </a:xfrm>
+          <a:prstGeom prst="rect">
+            <a:avLst/>
+          </a:prstGeom>
+          <a:noFill/>
+          <a:ln>
+            <a:solidFill>
+              <a:schemeClr val="tx1"/>
+            </a:solidFill>
+          </a:ln>
+        </p:spPr>
+        <p:txBody>
+          <a:bodyPr wrap="none" rtlCol="0">
+            <a:spAutoFit/>
+          </a:bodyPr>
+          <a:lstStyle/>
+          <a:p>
+            <a:r>
+              <a:rPr lang="en-US" dirty="0"/>
+              <a:t>Max</a:t>
+            </a:r>
+          </a:p>
+        </p:txBody>
+      </p:sp>
+      <p:sp>
+        <p:nvSpPr>
+          <p:cNvPr id="260" name="TextBox 259">
+            <a:extLst>
+              <a:ext uri="{FF2B5EF4-FFF2-40B4-BE49-F238E27FC236}">
+                <a16:creationId xmlns:a16="http://schemas.microsoft.com/office/drawing/2014/main" id="{C8537432-FF88-4442-87D5-8AC32ABA25AB}"/>
+              </a:ext>
+            </a:extLst>
+          </p:cNvPr>
+          <p:cNvSpPr txBox="1"/>
+          <p:nvPr/>
+        </p:nvSpPr>
+        <p:spPr>
+          <a:xfrm>
+            <a:off x="5401123" y="4566542"/>
+            <a:ext cx="732380" cy="369332"/>
+          </a:xfrm>
+          <a:prstGeom prst="rect">
+            <a:avLst/>
+          </a:prstGeom>
+          <a:noFill/>
+          <a:ln>
+            <a:solidFill>
+              <a:schemeClr val="tx1"/>
+            </a:solidFill>
+          </a:ln>
+        </p:spPr>
+        <p:txBody>
+          <a:bodyPr wrap="none" rtlCol="0">
+            <a:spAutoFit/>
+          </a:bodyPr>
+          <a:lstStyle/>
+          <a:p>
+            <a:r>
+              <a:rPr lang="en-US" dirty="0" err="1"/>
+              <a:t>isMax</a:t>
+            </a:r>
+            <a:endParaRPr lang="en-US" dirty="0"/>
+          </a:p>
+        </p:txBody>
+      </p:sp>
+      <p:sp>
+        <p:nvSpPr>
+          <p:cNvPr id="261" name="TextBox 260">
+            <a:extLst>
+              <a:ext uri="{FF2B5EF4-FFF2-40B4-BE49-F238E27FC236}">
+                <a16:creationId xmlns:a16="http://schemas.microsoft.com/office/drawing/2014/main" id="{00D46541-8B65-44BB-83CA-B14D839DA7F5}"/>
+              </a:ext>
+            </a:extLst>
+          </p:cNvPr>
+          <p:cNvSpPr txBox="1"/>
+          <p:nvPr/>
+        </p:nvSpPr>
+        <p:spPr>
+          <a:xfrm>
+            <a:off x="4312321" y="5315173"/>
+            <a:ext cx="921086" cy="369332"/>
+          </a:xfrm>
+          <a:prstGeom prst="rect">
+            <a:avLst/>
+          </a:prstGeom>
+          <a:noFill/>
+          <a:ln>
+            <a:solidFill>
+              <a:schemeClr val="tx1"/>
+            </a:solidFill>
+          </a:ln>
+        </p:spPr>
+        <p:txBody>
+          <a:bodyPr wrap="none" rtlCol="0">
+            <a:spAutoFit/>
+          </a:bodyPr>
+          <a:lstStyle/>
+          <a:p>
+            <a:r>
+              <a:rPr lang="en-US" dirty="0" err="1"/>
+              <a:t>nextPos</a:t>
+            </a:r>
+            <a:endParaRPr lang="en-US" dirty="0"/>
+          </a:p>
+        </p:txBody>
+      </p:sp>
+      <mc:AlternateContent xmlns:mc="http://schemas.openxmlformats.org/markup-compatibility/2006" xmlns:a14="http://schemas.microsoft.com/office/drawing/2010/main">
+        <mc:Choice Requires="a14">
+          <p:sp>
+            <p:nvSpPr>
+              <p:cNvPr id="263" name="TextBox 262">
+                <a:extLst>
+                  <a:ext uri="{FF2B5EF4-FFF2-40B4-BE49-F238E27FC236}">
+                    <a16:creationId xmlns:a16="http://schemas.microsoft.com/office/drawing/2014/main" id="{3A0B65FF-6CA5-444E-ADA9-87E240950A75}"/>
+                  </a:ext>
+                </a:extLst>
+              </p:cNvPr>
+              <p:cNvSpPr txBox="1"/>
+              <p:nvPr/>
+            </p:nvSpPr>
+            <p:spPr>
+              <a:xfrm>
+                <a:off x="5852657" y="5300816"/>
+                <a:ext cx="453586" cy="369332"/>
+              </a:xfrm>
+              <a:prstGeom prst="rect">
+                <a:avLst/>
+              </a:prstGeom>
+              <a:noFill/>
+              <a:ln>
+                <a:solidFill>
+                  <a:schemeClr val="tx1"/>
+                </a:solidFill>
+              </a:ln>
+            </p:spPr>
+            <p:txBody>
+              <a:bodyPr wrap="none" rtlCol="0">
+                <a:spAutoFit/>
+              </a:bodyPr>
+              <a:lstStyle/>
+              <a:p>
+                <a:pPr/>
+                <a14:m>
+                  <m:oMathPara xmlns:m="http://schemas.openxmlformats.org/officeDocument/2006/math">
+                    <m:oMathParaPr>
+                      <m:jc m:val="centerGroup"/>
+                    </m:oMathParaPr>
+                    <m:oMath xmlns:m="http://schemas.openxmlformats.org/officeDocument/2006/math">
+                      <m:sSub>
+                        <m:sSubPr>
+                          <m:ctrlPr>
+                            <a:rPr lang="en-US" b="0" i="1" smtClean="0">
+                              <a:latin typeface="Cambria Math" panose="02040503050406030204" pitchFamily="18" charset="0"/>
+                            </a:rPr>
+                          </m:ctrlPr>
+                        </m:sSubPr>
+                        <m:e>
+                          <m:r>
+                            <a:rPr lang="en-US" b="0" i="1" smtClean="0">
+                              <a:latin typeface="Cambria Math" panose="02040503050406030204" pitchFamily="18" charset="0"/>
+                            </a:rPr>
+                            <m:t>𝑎</m:t>
+                          </m:r>
+                        </m:e>
+                        <m:sub>
+                          <m:r>
+                            <a:rPr lang="en-US" b="0" i="1" smtClean="0">
+                              <a:latin typeface="Cambria Math" panose="02040503050406030204" pitchFamily="18" charset="0"/>
+                            </a:rPr>
+                            <m:t>𝑡</m:t>
+                          </m:r>
+                        </m:sub>
+                      </m:sSub>
+                    </m:oMath>
+                  </m:oMathPara>
+                </a14:m>
+                <a:endParaRPr lang="en-US" dirty="0"/>
+              </a:p>
+            </p:txBody>
+          </p:sp>
+        </mc:Choice>
+        <mc:Fallback xmlns="">
+          <p:sp>
+            <p:nvSpPr>
+              <p:cNvPr id="263" name="TextBox 262">
+                <a:extLst>
+                  <a:ext uri="{FF2B5EF4-FFF2-40B4-BE49-F238E27FC236}">
+                    <a16:creationId xmlns:a16="http://schemas.microsoft.com/office/drawing/2014/main" id="{3A0B65FF-6CA5-444E-ADA9-87E240950A75}"/>
+                  </a:ext>
+                </a:extLst>
+              </p:cNvPr>
+              <p:cNvSpPr txBox="1">
+                <a:spLocks noRot="1" noChangeAspect="1" noMove="1" noResize="1" noEditPoints="1" noAdjustHandles="1" noChangeArrowheads="1" noChangeShapeType="1" noTextEdit="1"/>
+              </p:cNvSpPr>
+              <p:nvPr/>
+            </p:nvSpPr>
+            <p:spPr>
+              <a:xfrm>
+                <a:off x="5852657" y="5300816"/>
+                <a:ext cx="453586" cy="369332"/>
+              </a:xfrm>
+              <a:prstGeom prst="rect">
+                <a:avLst/>
+              </a:prstGeom>
+              <a:blipFill>
+                <a:blip r:embed="rId12"/>
+                <a:stretch>
+                  <a:fillRect/>
+                </a:stretch>
+              </a:blipFill>
+              <a:ln>
+                <a:solidFill>
+                  <a:schemeClr val="tx1"/>
+                </a:solidFill>
+              </a:ln>
+            </p:spPr>
+            <p:txBody>
+              <a:bodyPr/>
+              <a:lstStyle/>
+              <a:p>
+                <a:r>
+                  <a:rPr lang="en-US">
+                    <a:noFill/>
+                  </a:rPr>
+                  <a:t> </a:t>
+                </a:r>
+              </a:p>
+            </p:txBody>
+          </p:sp>
+        </mc:Fallback>
+      </mc:AlternateContent>
+      <p:cxnSp>
+        <p:nvCxnSpPr>
+          <p:cNvPr id="264" name="Straight Arrow Connector 263">
+            <a:extLst>
+              <a:ext uri="{FF2B5EF4-FFF2-40B4-BE49-F238E27FC236}">
+                <a16:creationId xmlns:a16="http://schemas.microsoft.com/office/drawing/2014/main" id="{612873E0-D7EF-4CB7-85C9-F9D7DC5D9681}"/>
+              </a:ext>
+            </a:extLst>
+          </p:cNvPr>
+          <p:cNvCxnSpPr>
+            <a:stCxn id="247" idx="3"/>
+            <a:endCxn id="259" idx="1"/>
+          </p:cNvCxnSpPr>
+          <p:nvPr/>
+        </p:nvCxnSpPr>
+        <p:spPr>
+          <a:xfrm>
+            <a:off x="4111247" y="4712127"/>
+            <a:ext cx="320528" cy="18585"/>
+          </a:xfrm>
+          <a:prstGeom prst="straightConnector1">
+            <a:avLst/>
+          </a:prstGeom>
+          <a:ln>
+            <a:tailEnd type="triangle"/>
+          </a:ln>
+        </p:spPr>
+        <p:style>
+          <a:lnRef idx="1">
+            <a:schemeClr val="accent1"/>
+          </a:lnRef>
+          <a:fillRef idx="0">
+            <a:schemeClr val="accent1"/>
+          </a:fillRef>
+          <a:effectRef idx="0">
+            <a:schemeClr val="accent1"/>
+          </a:effectRef>
+          <a:fontRef idx="minor">
+            <a:schemeClr val="tx1"/>
+          </a:fontRef>
+        </p:style>
+      </p:cxnSp>
+      <p:cxnSp>
+        <p:nvCxnSpPr>
+          <p:cNvPr id="265" name="Straight Arrow Connector 264">
+            <a:extLst>
+              <a:ext uri="{FF2B5EF4-FFF2-40B4-BE49-F238E27FC236}">
+                <a16:creationId xmlns:a16="http://schemas.microsoft.com/office/drawing/2014/main" id="{F349BBE0-6F47-4E01-B92F-DD645EB1E062}"/>
+              </a:ext>
+            </a:extLst>
+          </p:cNvPr>
+          <p:cNvCxnSpPr>
+            <a:stCxn id="259" idx="3"/>
+            <a:endCxn id="260" idx="1"/>
+          </p:cNvCxnSpPr>
+          <p:nvPr/>
+        </p:nvCxnSpPr>
+        <p:spPr>
+          <a:xfrm>
+            <a:off x="5021488" y="4730712"/>
+            <a:ext cx="379635" cy="20496"/>
+          </a:xfrm>
+          <a:prstGeom prst="straightConnector1">
+            <a:avLst/>
+          </a:prstGeom>
+          <a:ln>
+            <a:tailEnd type="triangle"/>
+          </a:ln>
+        </p:spPr>
+        <p:style>
+          <a:lnRef idx="1">
+            <a:schemeClr val="accent1"/>
+          </a:lnRef>
+          <a:fillRef idx="0">
+            <a:schemeClr val="accent1"/>
+          </a:fillRef>
+          <a:effectRef idx="0">
+            <a:schemeClr val="accent1"/>
+          </a:effectRef>
+          <a:fontRef idx="minor">
+            <a:schemeClr val="tx1"/>
+          </a:fontRef>
+        </p:style>
+      </p:cxnSp>
+      <p:cxnSp>
+        <p:nvCxnSpPr>
+          <p:cNvPr id="267" name="Straight Arrow Connector 266">
+            <a:extLst>
+              <a:ext uri="{FF2B5EF4-FFF2-40B4-BE49-F238E27FC236}">
+                <a16:creationId xmlns:a16="http://schemas.microsoft.com/office/drawing/2014/main" id="{A0125D88-98CF-4126-AF7E-9406B03B17B6}"/>
+              </a:ext>
+            </a:extLst>
+          </p:cNvPr>
+          <p:cNvCxnSpPr>
+            <a:stCxn id="258" idx="3"/>
+            <a:endCxn id="261" idx="1"/>
+          </p:cNvCxnSpPr>
+          <p:nvPr/>
+        </p:nvCxnSpPr>
+        <p:spPr>
+          <a:xfrm>
+            <a:off x="4037294" y="5490759"/>
+            <a:ext cx="275027" cy="9080"/>
+          </a:xfrm>
+          <a:prstGeom prst="straightConnector1">
+            <a:avLst/>
+          </a:prstGeom>
+          <a:ln>
+            <a:tailEnd type="triangle"/>
+          </a:ln>
+        </p:spPr>
+        <p:style>
+          <a:lnRef idx="1">
+            <a:schemeClr val="accent1"/>
+          </a:lnRef>
+          <a:fillRef idx="0">
+            <a:schemeClr val="accent1"/>
+          </a:fillRef>
+          <a:effectRef idx="0">
+            <a:schemeClr val="accent1"/>
+          </a:effectRef>
+          <a:fontRef idx="minor">
+            <a:schemeClr val="tx1"/>
+          </a:fontRef>
+        </p:style>
+      </p:cxnSp>
+      <p:cxnSp>
+        <p:nvCxnSpPr>
+          <p:cNvPr id="269" name="Straight Arrow Connector 268">
+            <a:extLst>
+              <a:ext uri="{FF2B5EF4-FFF2-40B4-BE49-F238E27FC236}">
+                <a16:creationId xmlns:a16="http://schemas.microsoft.com/office/drawing/2014/main" id="{419196A8-EB3D-4AA6-B331-A35D2ED7D7A0}"/>
+              </a:ext>
+            </a:extLst>
+          </p:cNvPr>
+          <p:cNvCxnSpPr>
+            <a:cxnSpLocks/>
+            <a:stCxn id="261" idx="3"/>
+            <a:endCxn id="263" idx="1"/>
+          </p:cNvCxnSpPr>
+          <p:nvPr/>
+        </p:nvCxnSpPr>
+        <p:spPr>
+          <a:xfrm flipV="1">
+            <a:off x="5233407" y="5485482"/>
+            <a:ext cx="619250" cy="14357"/>
+          </a:xfrm>
+          <a:prstGeom prst="straightConnector1">
+            <a:avLst/>
+          </a:prstGeom>
+          <a:ln>
+            <a:tailEnd type="triangle"/>
+          </a:ln>
+        </p:spPr>
+        <p:style>
+          <a:lnRef idx="1">
+            <a:schemeClr val="accent1"/>
+          </a:lnRef>
+          <a:fillRef idx="0">
+            <a:schemeClr val="accent1"/>
+          </a:fillRef>
+          <a:effectRef idx="0">
+            <a:schemeClr val="accent1"/>
+          </a:effectRef>
+          <a:fontRef idx="minor">
+            <a:schemeClr val="tx1"/>
+          </a:fontRef>
+        </p:style>
+      </p:cxnSp>
+      <p:cxnSp>
+        <p:nvCxnSpPr>
+          <p:cNvPr id="270" name="Straight Arrow Connector 269">
+            <a:extLst>
+              <a:ext uri="{FF2B5EF4-FFF2-40B4-BE49-F238E27FC236}">
+                <a16:creationId xmlns:a16="http://schemas.microsoft.com/office/drawing/2014/main" id="{D48723DE-E665-4F3C-8685-BD06BAB0A24E}"/>
+              </a:ext>
+            </a:extLst>
+          </p:cNvPr>
+          <p:cNvCxnSpPr>
+            <a:stCxn id="260" idx="0"/>
+            <a:endCxn id="251" idx="2"/>
+          </p:cNvCxnSpPr>
+          <p:nvPr/>
+        </p:nvCxnSpPr>
+        <p:spPr>
+          <a:xfrm flipH="1" flipV="1">
+            <a:off x="5493862" y="3232716"/>
+            <a:ext cx="273451" cy="1333826"/>
+          </a:xfrm>
+          <a:prstGeom prst="straightConnector1">
+            <a:avLst/>
+          </a:prstGeom>
+          <a:ln>
+            <a:prstDash val="dash"/>
+            <a:tailEnd type="triangle"/>
+          </a:ln>
+        </p:spPr>
+        <p:style>
+          <a:lnRef idx="1">
+            <a:schemeClr val="accent1"/>
+          </a:lnRef>
+          <a:fillRef idx="0">
+            <a:schemeClr val="accent1"/>
+          </a:fillRef>
+          <a:effectRef idx="0">
+            <a:schemeClr val="accent1"/>
+          </a:effectRef>
+          <a:fontRef idx="minor">
+            <a:schemeClr val="tx1"/>
+          </a:fontRef>
+        </p:style>
+      </p:cxnSp>
+      <p:cxnSp>
+        <p:nvCxnSpPr>
+          <p:cNvPr id="271" name="Straight Arrow Connector 270">
+            <a:extLst>
+              <a:ext uri="{FF2B5EF4-FFF2-40B4-BE49-F238E27FC236}">
+                <a16:creationId xmlns:a16="http://schemas.microsoft.com/office/drawing/2014/main" id="{66B4A00D-80AF-4E79-8206-5C2082A31CDB}"/>
+              </a:ext>
+            </a:extLst>
+          </p:cNvPr>
+          <p:cNvCxnSpPr>
+            <a:stCxn id="250" idx="2"/>
+            <a:endCxn id="251" idx="0"/>
+          </p:cNvCxnSpPr>
+          <p:nvPr/>
+        </p:nvCxnSpPr>
+        <p:spPr>
+          <a:xfrm flipH="1">
+            <a:off x="5493862" y="2487327"/>
+            <a:ext cx="117" cy="376057"/>
+          </a:xfrm>
+          <a:prstGeom prst="straightConnector1">
+            <a:avLst/>
+          </a:prstGeom>
+          <a:ln>
+            <a:tailEnd type="triangle"/>
+          </a:ln>
+        </p:spPr>
+        <p:style>
+          <a:lnRef idx="1">
+            <a:schemeClr val="accent1"/>
+          </a:lnRef>
+          <a:fillRef idx="0">
+            <a:schemeClr val="accent1"/>
+          </a:fillRef>
+          <a:effectRef idx="0">
+            <a:schemeClr val="accent1"/>
+          </a:effectRef>
+          <a:fontRef idx="minor">
+            <a:schemeClr val="tx1"/>
+          </a:fontRef>
+        </p:style>
+      </p:cxnSp>
+      <p:cxnSp>
+        <p:nvCxnSpPr>
+          <p:cNvPr id="272" name="Straight Arrow Connector 271">
+            <a:extLst>
+              <a:ext uri="{FF2B5EF4-FFF2-40B4-BE49-F238E27FC236}">
+                <a16:creationId xmlns:a16="http://schemas.microsoft.com/office/drawing/2014/main" id="{78831DB7-ED0B-42A9-BCFE-177D66A19F0B}"/>
+              </a:ext>
+            </a:extLst>
+          </p:cNvPr>
+          <p:cNvCxnSpPr>
+            <a:stCxn id="251" idx="3"/>
+            <a:endCxn id="252" idx="1"/>
+          </p:cNvCxnSpPr>
+          <p:nvPr/>
+        </p:nvCxnSpPr>
+        <p:spPr>
+          <a:xfrm>
+            <a:off x="5842996" y="3048050"/>
+            <a:ext cx="623071" cy="635"/>
+          </a:xfrm>
+          <a:prstGeom prst="straightConnector1">
+            <a:avLst/>
+          </a:prstGeom>
+          <a:ln>
+            <a:tailEnd type="triangle"/>
+          </a:ln>
+        </p:spPr>
+        <p:style>
+          <a:lnRef idx="1">
+            <a:schemeClr val="accent1"/>
+          </a:lnRef>
+          <a:fillRef idx="0">
+            <a:schemeClr val="accent1"/>
+          </a:fillRef>
+          <a:effectRef idx="0">
+            <a:schemeClr val="accent1"/>
+          </a:effectRef>
+          <a:fontRef idx="minor">
+            <a:schemeClr val="tx1"/>
+          </a:fontRef>
+        </p:style>
+      </p:cxnSp>
+      <p:cxnSp>
+        <p:nvCxnSpPr>
+          <p:cNvPr id="273" name="Straight Arrow Connector 272">
+            <a:extLst>
+              <a:ext uri="{FF2B5EF4-FFF2-40B4-BE49-F238E27FC236}">
+                <a16:creationId xmlns:a16="http://schemas.microsoft.com/office/drawing/2014/main" id="{C30E574A-CA24-4381-98E6-E2936557CCC9}"/>
+              </a:ext>
+            </a:extLst>
+          </p:cNvPr>
+          <p:cNvCxnSpPr>
+            <a:stCxn id="263" idx="0"/>
+            <a:endCxn id="252" idx="2"/>
+          </p:cNvCxnSpPr>
+          <p:nvPr/>
+        </p:nvCxnSpPr>
+        <p:spPr>
+          <a:xfrm flipV="1">
+            <a:off x="6079450" y="3233351"/>
+            <a:ext cx="727576" cy="2067465"/>
+          </a:xfrm>
+          <a:prstGeom prst="straightConnector1">
+            <a:avLst/>
+          </a:prstGeom>
+          <a:ln>
+            <a:prstDash val="dash"/>
+            <a:tailEnd type="triangle"/>
+          </a:ln>
+        </p:spPr>
+        <p:style>
+          <a:lnRef idx="1">
+            <a:schemeClr val="accent1"/>
+          </a:lnRef>
+          <a:fillRef idx="0">
+            <a:schemeClr val="accent1"/>
+          </a:fillRef>
+          <a:effectRef idx="0">
+            <a:schemeClr val="accent1"/>
+          </a:effectRef>
+          <a:fontRef idx="minor">
+            <a:schemeClr val="tx1"/>
+          </a:fontRef>
+        </p:style>
+      </p:cxnSp>
+      <p:cxnSp>
+        <p:nvCxnSpPr>
+          <p:cNvPr id="274" name="Straight Arrow Connector 273">
+            <a:extLst>
+              <a:ext uri="{FF2B5EF4-FFF2-40B4-BE49-F238E27FC236}">
+                <a16:creationId xmlns:a16="http://schemas.microsoft.com/office/drawing/2014/main" id="{8E2548C5-B281-4CC1-B106-655A46C7DBB6}"/>
+              </a:ext>
+            </a:extLst>
+          </p:cNvPr>
+          <p:cNvCxnSpPr>
+            <a:stCxn id="244" idx="0"/>
+            <a:endCxn id="248" idx="2"/>
+          </p:cNvCxnSpPr>
+          <p:nvPr/>
+        </p:nvCxnSpPr>
+        <p:spPr>
+          <a:xfrm flipV="1">
+            <a:off x="3947499" y="3219509"/>
+            <a:ext cx="109866" cy="269772"/>
+          </a:xfrm>
+          <a:prstGeom prst="straightConnector1">
+            <a:avLst/>
+          </a:prstGeom>
+          <a:ln>
+            <a:tailEnd type="triangle"/>
+          </a:ln>
+        </p:spPr>
+        <p:style>
+          <a:lnRef idx="1">
+            <a:schemeClr val="accent1"/>
+          </a:lnRef>
+          <a:fillRef idx="0">
+            <a:schemeClr val="accent1"/>
+          </a:fillRef>
+          <a:effectRef idx="0">
+            <a:schemeClr val="accent1"/>
+          </a:effectRef>
+          <a:fontRef idx="minor">
+            <a:schemeClr val="tx1"/>
+          </a:fontRef>
+        </p:style>
+      </p:cxnSp>
+      <p:cxnSp>
+        <p:nvCxnSpPr>
+          <p:cNvPr id="275" name="Straight Arrow Connector 274">
+            <a:extLst>
+              <a:ext uri="{FF2B5EF4-FFF2-40B4-BE49-F238E27FC236}">
+                <a16:creationId xmlns:a16="http://schemas.microsoft.com/office/drawing/2014/main" id="{9B36FA4F-775E-4F81-93A4-5D538D8C0A6C}"/>
+              </a:ext>
+            </a:extLst>
+          </p:cNvPr>
+          <p:cNvCxnSpPr>
+            <a:stCxn id="244" idx="2"/>
+            <a:endCxn id="247" idx="0"/>
+          </p:cNvCxnSpPr>
+          <p:nvPr/>
+        </p:nvCxnSpPr>
+        <p:spPr>
+          <a:xfrm flipH="1">
+            <a:off x="3839250" y="3871693"/>
+            <a:ext cx="108249" cy="642110"/>
+          </a:xfrm>
+          <a:prstGeom prst="straightConnector1">
+            <a:avLst/>
+          </a:prstGeom>
+          <a:ln>
+            <a:tailEnd type="triangle"/>
+          </a:ln>
+        </p:spPr>
+        <p:style>
+          <a:lnRef idx="1">
+            <a:schemeClr val="accent1"/>
+          </a:lnRef>
+          <a:fillRef idx="0">
+            <a:schemeClr val="accent1"/>
+          </a:fillRef>
+          <a:effectRef idx="0">
+            <a:schemeClr val="accent1"/>
+          </a:effectRef>
+          <a:fontRef idx="minor">
+            <a:schemeClr val="tx1"/>
+          </a:fontRef>
+        </p:style>
+      </p:cxnSp>
+      <p:cxnSp>
+        <p:nvCxnSpPr>
+          <p:cNvPr id="276" name="Straight Arrow Connector 275">
+            <a:extLst>
+              <a:ext uri="{FF2B5EF4-FFF2-40B4-BE49-F238E27FC236}">
+                <a16:creationId xmlns:a16="http://schemas.microsoft.com/office/drawing/2014/main" id="{D76D29C0-7D53-40F3-96BD-02013977E5F3}"/>
+              </a:ext>
+            </a:extLst>
+          </p:cNvPr>
+          <p:cNvCxnSpPr>
+            <a:cxnSpLocks/>
+            <a:stCxn id="263" idx="0"/>
+            <a:endCxn id="260" idx="2"/>
+          </p:cNvCxnSpPr>
+          <p:nvPr/>
+        </p:nvCxnSpPr>
+        <p:spPr>
+          <a:xfrm flipH="1" flipV="1">
+            <a:off x="5767313" y="4935874"/>
+            <a:ext cx="312137" cy="364942"/>
+          </a:xfrm>
+          <a:prstGeom prst="straightConnector1">
+            <a:avLst/>
+          </a:prstGeom>
+          <a:ln>
+            <a:tailEnd type="triangle"/>
+          </a:ln>
+        </p:spPr>
+        <p:style>
+          <a:lnRef idx="1">
+            <a:schemeClr val="accent1"/>
+          </a:lnRef>
+          <a:fillRef idx="0">
+            <a:schemeClr val="accent1"/>
+          </a:fillRef>
+          <a:effectRef idx="0">
+            <a:schemeClr val="accent1"/>
+          </a:effectRef>
+          <a:fontRef idx="minor">
+            <a:schemeClr val="tx1"/>
+          </a:fontRef>
+        </p:style>
+      </p:cxnSp>
+      <mc:AlternateContent xmlns:mc="http://schemas.openxmlformats.org/markup-compatibility/2006" xmlns:a14="http://schemas.microsoft.com/office/drawing/2010/main">
+        <mc:Choice Requires="a14">
+          <p:sp>
+            <p:nvSpPr>
+              <p:cNvPr id="277" name="TextBox 276">
+                <a:extLst>
+                  <a:ext uri="{FF2B5EF4-FFF2-40B4-BE49-F238E27FC236}">
+                    <a16:creationId xmlns:a16="http://schemas.microsoft.com/office/drawing/2014/main" id="{D9A0F28C-EBD0-40CC-B7A7-C1BE3B6B71DF}"/>
+                  </a:ext>
+                </a:extLst>
+              </p:cNvPr>
+              <p:cNvSpPr txBox="1"/>
+              <p:nvPr/>
+            </p:nvSpPr>
+            <p:spPr>
+              <a:xfrm>
+                <a:off x="6044638" y="2243103"/>
+                <a:ext cx="661848" cy="382412"/>
+              </a:xfrm>
+              <a:prstGeom prst="rect">
+                <a:avLst/>
+              </a:prstGeom>
+              <a:noFill/>
+              <a:ln>
+                <a:solidFill>
+                  <a:schemeClr val="tx1"/>
+                </a:solidFill>
+                <a:prstDash val="dash"/>
+              </a:ln>
+            </p:spPr>
+            <p:txBody>
+              <a:bodyPr wrap="none" rtlCol="0">
+                <a:spAutoFit/>
+              </a:bodyPr>
+              <a:lstStyle/>
+              <a:p>
+                <a:pPr/>
+                <a14:m>
+                  <m:oMathPara xmlns:m="http://schemas.openxmlformats.org/officeDocument/2006/math">
+                    <m:oMathParaPr>
+                      <m:jc m:val="centerGroup"/>
+                    </m:oMathParaPr>
+                    <m:oMath xmlns:m="http://schemas.openxmlformats.org/officeDocument/2006/math">
+                      <m:sSubSup>
+                        <m:sSubSupPr>
+                          <m:ctrlPr>
+                            <a:rPr lang="en-US" b="0" i="1" dirty="0" smtClean="0">
+                              <a:latin typeface="Cambria Math" panose="02040503050406030204" pitchFamily="18" charset="0"/>
+                            </a:rPr>
+                          </m:ctrlPr>
+                        </m:sSubSupPr>
+                        <m:e>
+                          <m:r>
+                            <a:rPr lang="en-US" b="0" i="1" dirty="0" smtClean="0">
+                              <a:latin typeface="Cambria Math" panose="02040503050406030204" pitchFamily="18" charset="0"/>
+                            </a:rPr>
+                            <m:t>{</m:t>
+                          </m:r>
+                          <m:r>
+                            <a:rPr lang="en-US" i="1" dirty="0" smtClean="0">
+                              <a:latin typeface="Cambria Math" panose="02040503050406030204" pitchFamily="18" charset="0"/>
+                            </a:rPr>
+                            <m:t>𝑉</m:t>
+                          </m:r>
+                        </m:e>
+                        <m:sub>
+                          <m:r>
+                            <a:rPr lang="en-US" b="0" i="1" dirty="0" smtClean="0">
+                              <a:latin typeface="Cambria Math" panose="02040503050406030204" pitchFamily="18" charset="0"/>
+                            </a:rPr>
+                            <m:t>𝑖</m:t>
+                          </m:r>
+                        </m:sub>
+                        <m:sup>
+                          <m:r>
+                            <a:rPr lang="en-US" b="0" i="1" dirty="0" smtClean="0">
+                              <a:latin typeface="Cambria Math" panose="02040503050406030204" pitchFamily="18" charset="0"/>
+                            </a:rPr>
+                            <m:t>𝑡</m:t>
+                          </m:r>
+                        </m:sup>
+                      </m:sSubSup>
+                      <m:r>
+                        <a:rPr lang="en-US" b="0" i="1" dirty="0" smtClean="0">
+                          <a:latin typeface="Cambria Math" panose="02040503050406030204" pitchFamily="18" charset="0"/>
+                        </a:rPr>
+                        <m:t>}</m:t>
+                      </m:r>
+                    </m:oMath>
+                  </m:oMathPara>
+                </a14:m>
+                <a:endParaRPr lang="en-US" dirty="0"/>
+              </a:p>
+            </p:txBody>
+          </p:sp>
+        </mc:Choice>
+        <mc:Fallback xmlns="">
+          <p:sp>
+            <p:nvSpPr>
+              <p:cNvPr id="277" name="TextBox 276">
+                <a:extLst>
+                  <a:ext uri="{FF2B5EF4-FFF2-40B4-BE49-F238E27FC236}">
+                    <a16:creationId xmlns:a16="http://schemas.microsoft.com/office/drawing/2014/main" id="{D9A0F28C-EBD0-40CC-B7A7-C1BE3B6B71DF}"/>
+                  </a:ext>
+                </a:extLst>
+              </p:cNvPr>
+              <p:cNvSpPr txBox="1">
+                <a:spLocks noRot="1" noChangeAspect="1" noMove="1" noResize="1" noEditPoints="1" noAdjustHandles="1" noChangeArrowheads="1" noChangeShapeType="1" noTextEdit="1"/>
+              </p:cNvSpPr>
+              <p:nvPr/>
+            </p:nvSpPr>
+            <p:spPr>
+              <a:xfrm>
+                <a:off x="6044638" y="2243103"/>
+                <a:ext cx="661848" cy="382412"/>
+              </a:xfrm>
+              <a:prstGeom prst="rect">
+                <a:avLst/>
+              </a:prstGeom>
+              <a:blipFill>
+                <a:blip r:embed="rId13"/>
+                <a:stretch>
+                  <a:fillRect b="-12308"/>
+                </a:stretch>
+              </a:blipFill>
+              <a:ln>
+                <a:solidFill>
+                  <a:schemeClr val="tx1"/>
+                </a:solidFill>
+                <a:prstDash val="dash"/>
+              </a:ln>
+            </p:spPr>
+            <p:txBody>
+              <a:bodyPr/>
+              <a:lstStyle/>
+              <a:p>
+                <a:r>
+                  <a:rPr lang="en-US">
+                    <a:noFill/>
+                  </a:rPr>
+                  <a:t> </a:t>
+                </a:r>
+              </a:p>
+            </p:txBody>
+          </p:sp>
+        </mc:Fallback>
+      </mc:AlternateContent>
+      <mc:AlternateContent xmlns:mc="http://schemas.openxmlformats.org/markup-compatibility/2006" xmlns:a14="http://schemas.microsoft.com/office/drawing/2010/main">
+        <mc:Choice Requires="a14">
+          <p:sp>
+            <p:nvSpPr>
+              <p:cNvPr id="278" name="TextBox 277">
+                <a:extLst>
+                  <a:ext uri="{FF2B5EF4-FFF2-40B4-BE49-F238E27FC236}">
+                    <a16:creationId xmlns:a16="http://schemas.microsoft.com/office/drawing/2014/main" id="{615769CA-D9B2-428A-ABD6-E50BAB50513C}"/>
+                  </a:ext>
+                </a:extLst>
+              </p:cNvPr>
+              <p:cNvSpPr txBox="1"/>
+              <p:nvPr/>
+            </p:nvSpPr>
+            <p:spPr>
+              <a:xfrm>
+                <a:off x="6605945" y="1735583"/>
+                <a:ext cx="667106" cy="382412"/>
+              </a:xfrm>
+              <a:prstGeom prst="rect">
+                <a:avLst/>
+              </a:prstGeom>
+              <a:noFill/>
+              <a:ln>
+                <a:solidFill>
+                  <a:schemeClr val="tx1"/>
+                </a:solidFill>
+                <a:prstDash val="dash"/>
+              </a:ln>
+            </p:spPr>
+            <p:txBody>
+              <a:bodyPr wrap="none" rtlCol="0">
+                <a:spAutoFit/>
+              </a:bodyPr>
+              <a:lstStyle/>
+              <a:p>
+                <a:pPr/>
+                <a14:m>
+                  <m:oMathPara xmlns:m="http://schemas.openxmlformats.org/officeDocument/2006/math">
+                    <m:oMathParaPr>
+                      <m:jc m:val="centerGroup"/>
+                    </m:oMathParaPr>
+                    <m:oMath xmlns:m="http://schemas.openxmlformats.org/officeDocument/2006/math">
+                      <m:sSubSup>
+                        <m:sSubSupPr>
+                          <m:ctrlPr>
+                            <a:rPr lang="en-US" b="0" i="1" smtClean="0">
+                              <a:latin typeface="Cambria Math" panose="02040503050406030204" pitchFamily="18" charset="0"/>
+                            </a:rPr>
+                          </m:ctrlPr>
+                        </m:sSubSupPr>
+                        <m:e>
+                          <m:r>
+                            <a:rPr lang="en-US" b="0" i="1" smtClean="0">
+                              <a:latin typeface="Cambria Math" panose="02040503050406030204" pitchFamily="18" charset="0"/>
+                            </a:rPr>
+                            <m:t>{</m:t>
+                          </m:r>
+                          <m:r>
+                            <a:rPr lang="en-US" b="0" i="1" smtClean="0">
+                              <a:latin typeface="Cambria Math" panose="02040503050406030204" pitchFamily="18" charset="0"/>
+                            </a:rPr>
+                            <m:t>𝑄</m:t>
+                          </m:r>
+                        </m:e>
+                        <m:sub>
+                          <m:r>
+                            <a:rPr lang="en-US" b="0" i="1" smtClean="0">
+                              <a:latin typeface="Cambria Math" panose="02040503050406030204" pitchFamily="18" charset="0"/>
+                            </a:rPr>
+                            <m:t>𝑖</m:t>
+                          </m:r>
+                        </m:sub>
+                        <m:sup>
+                          <m:r>
+                            <a:rPr lang="en-US" b="0" i="1" smtClean="0">
+                              <a:latin typeface="Cambria Math" panose="02040503050406030204" pitchFamily="18" charset="0"/>
+                            </a:rPr>
+                            <m:t>𝑡</m:t>
+                          </m:r>
+                        </m:sup>
+                      </m:sSubSup>
+                      <m:r>
+                        <a:rPr lang="en-US" b="0" i="1" smtClean="0">
+                          <a:latin typeface="Cambria Math" panose="02040503050406030204" pitchFamily="18" charset="0"/>
+                        </a:rPr>
+                        <m:t>}</m:t>
+                      </m:r>
+                    </m:oMath>
+                  </m:oMathPara>
+                </a14:m>
+                <a:endParaRPr lang="en-US" dirty="0"/>
+              </a:p>
+            </p:txBody>
+          </p:sp>
+        </mc:Choice>
+        <mc:Fallback xmlns="">
+          <p:sp>
+            <p:nvSpPr>
+              <p:cNvPr id="278" name="TextBox 277">
+                <a:extLst>
+                  <a:ext uri="{FF2B5EF4-FFF2-40B4-BE49-F238E27FC236}">
+                    <a16:creationId xmlns:a16="http://schemas.microsoft.com/office/drawing/2014/main" id="{615769CA-D9B2-428A-ABD6-E50BAB50513C}"/>
+                  </a:ext>
+                </a:extLst>
+              </p:cNvPr>
+              <p:cNvSpPr txBox="1">
+                <a:spLocks noRot="1" noChangeAspect="1" noMove="1" noResize="1" noEditPoints="1" noAdjustHandles="1" noChangeArrowheads="1" noChangeShapeType="1" noTextEdit="1"/>
+              </p:cNvSpPr>
+              <p:nvPr/>
+            </p:nvSpPr>
+            <p:spPr>
+              <a:xfrm>
+                <a:off x="6605945" y="1735583"/>
+                <a:ext cx="667106" cy="382412"/>
+              </a:xfrm>
+              <a:prstGeom prst="rect">
+                <a:avLst/>
+              </a:prstGeom>
+              <a:blipFill>
+                <a:blip r:embed="rId14"/>
+                <a:stretch>
+                  <a:fillRect b="-14063"/>
+                </a:stretch>
+              </a:blipFill>
+              <a:ln>
+                <a:solidFill>
+                  <a:schemeClr val="tx1"/>
+                </a:solidFill>
+                <a:prstDash val="dash"/>
+              </a:ln>
+            </p:spPr>
+            <p:txBody>
+              <a:bodyPr/>
+              <a:lstStyle/>
+              <a:p>
+                <a:r>
+                  <a:rPr lang="en-US">
+                    <a:noFill/>
+                  </a:rPr>
+                  <a:t> </a:t>
+                </a:r>
+              </a:p>
+            </p:txBody>
+          </p:sp>
+        </mc:Fallback>
+      </mc:AlternateContent>
+      <p:cxnSp>
+        <p:nvCxnSpPr>
+          <p:cNvPr id="279" name="Straight Arrow Connector 278">
+            <a:extLst>
+              <a:ext uri="{FF2B5EF4-FFF2-40B4-BE49-F238E27FC236}">
+                <a16:creationId xmlns:a16="http://schemas.microsoft.com/office/drawing/2014/main" id="{9CDD7952-6543-4F17-BF63-D0C51048F203}"/>
+              </a:ext>
+            </a:extLst>
+          </p:cNvPr>
+          <p:cNvCxnSpPr>
+            <a:stCxn id="277" idx="2"/>
+            <a:endCxn id="252" idx="0"/>
+          </p:cNvCxnSpPr>
+          <p:nvPr/>
+        </p:nvCxnSpPr>
+        <p:spPr>
+          <a:xfrm>
+            <a:off x="6375562" y="2625515"/>
+            <a:ext cx="431464" cy="238504"/>
+          </a:xfrm>
+          <a:prstGeom prst="straightConnector1">
+            <a:avLst/>
+          </a:prstGeom>
+          <a:ln>
+            <a:prstDash val="dash"/>
+            <a:tailEnd type="triangle"/>
+          </a:ln>
+        </p:spPr>
+        <p:style>
+          <a:lnRef idx="1">
+            <a:schemeClr val="accent1"/>
+          </a:lnRef>
+          <a:fillRef idx="0">
+            <a:schemeClr val="accent1"/>
+          </a:fillRef>
+          <a:effectRef idx="0">
+            <a:schemeClr val="accent1"/>
+          </a:effectRef>
+          <a:fontRef idx="minor">
+            <a:schemeClr val="tx1"/>
+          </a:fontRef>
+        </p:style>
+      </p:cxnSp>
+      <mc:AlternateContent xmlns:mc="http://schemas.openxmlformats.org/markup-compatibility/2006" xmlns:a14="http://schemas.microsoft.com/office/drawing/2010/main">
+        <mc:Choice Requires="a14">
+          <p:sp>
+            <p:nvSpPr>
+              <p:cNvPr id="280" name="TextBox 279">
+                <a:extLst>
+                  <a:ext uri="{FF2B5EF4-FFF2-40B4-BE49-F238E27FC236}">
+                    <a16:creationId xmlns:a16="http://schemas.microsoft.com/office/drawing/2014/main" id="{C464C48B-393F-4756-96DB-4E6740AEB090}"/>
+                  </a:ext>
+                </a:extLst>
+              </p:cNvPr>
+              <p:cNvSpPr txBox="1"/>
+              <p:nvPr/>
+            </p:nvSpPr>
+            <p:spPr>
+              <a:xfrm>
+                <a:off x="7455380" y="1759025"/>
+                <a:ext cx="804579" cy="382412"/>
+              </a:xfrm>
+              <a:prstGeom prst="rect">
+                <a:avLst/>
+              </a:prstGeom>
+              <a:noFill/>
+              <a:ln>
+                <a:solidFill>
+                  <a:schemeClr val="tx1"/>
+                </a:solidFill>
+                <a:prstDash val="dash"/>
+              </a:ln>
+            </p:spPr>
+            <p:txBody>
+              <a:bodyPr wrap="none" rtlCol="0">
+                <a:spAutoFit/>
+              </a:bodyPr>
+              <a:lstStyle/>
+              <a:p>
+                <a:pPr/>
+                <a14:m>
+                  <m:oMathPara xmlns:m="http://schemas.openxmlformats.org/officeDocument/2006/math">
+                    <m:oMathParaPr>
+                      <m:jc m:val="centerGroup"/>
+                    </m:oMathParaPr>
+                    <m:oMath xmlns:m="http://schemas.openxmlformats.org/officeDocument/2006/math">
+                      <m:r>
+                        <a:rPr lang="en-US" b="0" i="1" smtClean="0">
+                          <a:latin typeface="Cambria Math" panose="02040503050406030204" pitchFamily="18" charset="0"/>
+                        </a:rPr>
+                        <m:t>{</m:t>
+                      </m:r>
+                      <m:r>
+                        <a:rPr lang="en-US" b="0" i="1" smtClean="0">
+                          <a:latin typeface="Cambria Math" panose="02040503050406030204" pitchFamily="18" charset="0"/>
+                        </a:rPr>
+                        <m:t>𝑃</m:t>
+                      </m:r>
+                      <m:sSubSup>
+                        <m:sSubSupPr>
+                          <m:ctrlPr>
+                            <a:rPr lang="en-US" b="0" i="1" smtClean="0">
+                              <a:latin typeface="Cambria Math" panose="02040503050406030204" pitchFamily="18" charset="0"/>
+                            </a:rPr>
+                          </m:ctrlPr>
+                        </m:sSubSupPr>
+                        <m:e>
+                          <m:r>
+                            <a:rPr lang="en-US" b="0" i="1" smtClean="0">
+                              <a:latin typeface="Cambria Math" panose="02040503050406030204" pitchFamily="18" charset="0"/>
+                            </a:rPr>
+                            <m:t>𝐶</m:t>
+                          </m:r>
+                        </m:e>
+                        <m:sub>
+                          <m:r>
+                            <a:rPr lang="en-US" b="0" i="1" smtClean="0">
+                              <a:latin typeface="Cambria Math" panose="02040503050406030204" pitchFamily="18" charset="0"/>
+                            </a:rPr>
+                            <m:t>𝑖</m:t>
+                          </m:r>
+                        </m:sub>
+                        <m:sup>
+                          <m:r>
+                            <a:rPr lang="en-US" b="0" i="1" smtClean="0">
+                              <a:latin typeface="Cambria Math" panose="02040503050406030204" pitchFamily="18" charset="0"/>
+                            </a:rPr>
+                            <m:t>𝑡</m:t>
+                          </m:r>
+                        </m:sup>
+                      </m:sSubSup>
+                      <m:r>
+                        <a:rPr lang="en-US" b="0" i="1" smtClean="0">
+                          <a:latin typeface="Cambria Math" panose="02040503050406030204" pitchFamily="18" charset="0"/>
+                        </a:rPr>
+                        <m:t>}</m:t>
+                      </m:r>
+                    </m:oMath>
+                  </m:oMathPara>
+                </a14:m>
+                <a:endParaRPr lang="en-US" dirty="0"/>
+              </a:p>
+            </p:txBody>
+          </p:sp>
+        </mc:Choice>
+        <mc:Fallback xmlns="">
+          <p:sp>
+            <p:nvSpPr>
+              <p:cNvPr id="280" name="TextBox 279">
+                <a:extLst>
+                  <a:ext uri="{FF2B5EF4-FFF2-40B4-BE49-F238E27FC236}">
+                    <a16:creationId xmlns:a16="http://schemas.microsoft.com/office/drawing/2014/main" id="{C464C48B-393F-4756-96DB-4E6740AEB090}"/>
+                  </a:ext>
+                </a:extLst>
+              </p:cNvPr>
+              <p:cNvSpPr txBox="1">
+                <a:spLocks noRot="1" noChangeAspect="1" noMove="1" noResize="1" noEditPoints="1" noAdjustHandles="1" noChangeArrowheads="1" noChangeShapeType="1" noTextEdit="1"/>
+              </p:cNvSpPr>
+              <p:nvPr/>
+            </p:nvSpPr>
+            <p:spPr>
+              <a:xfrm>
+                <a:off x="7455380" y="1759025"/>
+                <a:ext cx="804579" cy="382412"/>
+              </a:xfrm>
+              <a:prstGeom prst="rect">
+                <a:avLst/>
+              </a:prstGeom>
+              <a:blipFill>
+                <a:blip r:embed="rId15"/>
+                <a:stretch>
+                  <a:fillRect b="-14063"/>
+                </a:stretch>
+              </a:blipFill>
+              <a:ln>
+                <a:solidFill>
+                  <a:schemeClr val="tx1"/>
+                </a:solidFill>
+                <a:prstDash val="dash"/>
+              </a:ln>
+            </p:spPr>
+            <p:txBody>
+              <a:bodyPr/>
+              <a:lstStyle/>
+              <a:p>
+                <a:r>
+                  <a:rPr lang="en-US">
+                    <a:noFill/>
+                  </a:rPr>
+                  <a:t> </a:t>
+                </a:r>
+              </a:p>
+            </p:txBody>
+          </p:sp>
+        </mc:Fallback>
+      </mc:AlternateContent>
+      <p:cxnSp>
+        <p:nvCxnSpPr>
+          <p:cNvPr id="281" name="Straight Arrow Connector 280">
+            <a:extLst>
+              <a:ext uri="{FF2B5EF4-FFF2-40B4-BE49-F238E27FC236}">
+                <a16:creationId xmlns:a16="http://schemas.microsoft.com/office/drawing/2014/main" id="{F38428D5-DCA0-4FBD-9FB4-6C4AC5AA806E}"/>
+              </a:ext>
+            </a:extLst>
+          </p:cNvPr>
+          <p:cNvCxnSpPr>
+            <a:stCxn id="278" idx="2"/>
+            <a:endCxn id="252" idx="0"/>
+          </p:cNvCxnSpPr>
+          <p:nvPr/>
+        </p:nvCxnSpPr>
+        <p:spPr>
+          <a:xfrm flipH="1">
+            <a:off x="6807026" y="2117995"/>
+            <a:ext cx="132472" cy="746024"/>
+          </a:xfrm>
+          <a:prstGeom prst="straightConnector1">
+            <a:avLst/>
+          </a:prstGeom>
+          <a:ln>
+            <a:prstDash val="dash"/>
+            <a:tailEnd type="triangle"/>
+          </a:ln>
+        </p:spPr>
+        <p:style>
+          <a:lnRef idx="1">
+            <a:schemeClr val="accent1"/>
+          </a:lnRef>
+          <a:fillRef idx="0">
+            <a:schemeClr val="accent1"/>
+          </a:fillRef>
+          <a:effectRef idx="0">
+            <a:schemeClr val="accent1"/>
+          </a:effectRef>
+          <a:fontRef idx="minor">
+            <a:schemeClr val="tx1"/>
+          </a:fontRef>
+        </p:style>
+      </p:cxnSp>
+      <p:cxnSp>
+        <p:nvCxnSpPr>
+          <p:cNvPr id="282" name="Straight Arrow Connector 281">
+            <a:extLst>
+              <a:ext uri="{FF2B5EF4-FFF2-40B4-BE49-F238E27FC236}">
+                <a16:creationId xmlns:a16="http://schemas.microsoft.com/office/drawing/2014/main" id="{4CE24DB9-ABC1-4401-9E0F-B43608C28AE1}"/>
+              </a:ext>
+            </a:extLst>
+          </p:cNvPr>
+          <p:cNvCxnSpPr>
+            <a:cxnSpLocks/>
+            <a:stCxn id="280" idx="2"/>
+            <a:endCxn id="252" idx="0"/>
+          </p:cNvCxnSpPr>
+          <p:nvPr/>
+        </p:nvCxnSpPr>
+        <p:spPr>
+          <a:xfrm flipH="1">
+            <a:off x="6807026" y="2141437"/>
+            <a:ext cx="1050644" cy="722582"/>
+          </a:xfrm>
+          <a:prstGeom prst="straightConnector1">
+            <a:avLst/>
+          </a:prstGeom>
+          <a:ln>
+            <a:tailEnd type="triangle"/>
+          </a:ln>
+        </p:spPr>
+        <p:style>
+          <a:lnRef idx="1">
+            <a:schemeClr val="accent1"/>
+          </a:lnRef>
+          <a:fillRef idx="0">
+            <a:schemeClr val="accent1"/>
+          </a:fillRef>
+          <a:effectRef idx="0">
+            <a:schemeClr val="accent1"/>
+          </a:effectRef>
+          <a:fontRef idx="minor">
+            <a:schemeClr val="tx1"/>
+          </a:fontRef>
+        </p:style>
+      </p:cxnSp>
+      <p:sp>
+        <p:nvSpPr>
+          <p:cNvPr id="283" name="TextBox 282">
+            <a:extLst>
+              <a:ext uri="{FF2B5EF4-FFF2-40B4-BE49-F238E27FC236}">
+                <a16:creationId xmlns:a16="http://schemas.microsoft.com/office/drawing/2014/main" id="{2F801555-4537-4EFF-8253-153515036943}"/>
+              </a:ext>
+            </a:extLst>
+          </p:cNvPr>
+          <p:cNvSpPr txBox="1"/>
+          <p:nvPr/>
+        </p:nvSpPr>
+        <p:spPr>
+          <a:xfrm>
+            <a:off x="2331020" y="6063372"/>
+            <a:ext cx="7667164" cy="369332"/>
+          </a:xfrm>
+          <a:prstGeom prst="rect">
+            <a:avLst/>
+          </a:prstGeom>
+          <a:noFill/>
+        </p:spPr>
+        <p:txBody>
+          <a:bodyPr wrap="none" rtlCol="0">
+            <a:spAutoFit/>
+          </a:bodyPr>
+          <a:lstStyle/>
+          <a:p>
+            <a:r>
+              <a:rPr lang="en-US" dirty="0"/>
+              <a:t>Solution: Idem to RL in awake state but substituting action selection mechanism</a:t>
+            </a:r>
+          </a:p>
+        </p:txBody>
+      </p:sp>
+      <p:cxnSp>
+        <p:nvCxnSpPr>
+          <p:cNvPr id="285" name="Straight Arrow Connector 284">
+            <a:extLst>
+              <a:ext uri="{FF2B5EF4-FFF2-40B4-BE49-F238E27FC236}">
+                <a16:creationId xmlns:a16="http://schemas.microsoft.com/office/drawing/2014/main" id="{1B16B83E-975D-4170-97FD-523FC87A2C1C}"/>
+              </a:ext>
+            </a:extLst>
+          </p:cNvPr>
+          <p:cNvCxnSpPr>
+            <a:stCxn id="252" idx="2"/>
+            <a:endCxn id="245" idx="0"/>
+          </p:cNvCxnSpPr>
+          <p:nvPr/>
+        </p:nvCxnSpPr>
+        <p:spPr>
+          <a:xfrm flipH="1">
+            <a:off x="4909399" y="3233351"/>
+            <a:ext cx="1897627" cy="677651"/>
+          </a:xfrm>
+          <a:prstGeom prst="straightConnector1">
+            <a:avLst/>
+          </a:prstGeom>
+          <a:ln w="38100" cmpd="sng">
+            <a:solidFill>
+              <a:srgbClr val="FF0000"/>
+            </a:solidFill>
+            <a:tailEnd type="triangle"/>
+          </a:ln>
+        </p:spPr>
+        <p:style>
+          <a:lnRef idx="1">
+            <a:schemeClr val="accent1"/>
+          </a:lnRef>
+          <a:fillRef idx="0">
+            <a:schemeClr val="accent1"/>
+          </a:fillRef>
+          <a:effectRef idx="0">
+            <a:schemeClr val="accent1"/>
+          </a:effectRef>
+          <a:fontRef idx="minor">
+            <a:schemeClr val="tx1"/>
+          </a:fontRef>
+        </p:style>
+      </p:cxnSp>
+      <mc:AlternateContent xmlns:mc="http://schemas.openxmlformats.org/markup-compatibility/2006" xmlns:a14="http://schemas.microsoft.com/office/drawing/2010/main">
+        <mc:Choice Requires="a14">
+          <p:sp>
+            <p:nvSpPr>
+              <p:cNvPr id="325" name="TextBox 324">
+                <a:extLst>
+                  <a:ext uri="{FF2B5EF4-FFF2-40B4-BE49-F238E27FC236}">
+                    <a16:creationId xmlns:a16="http://schemas.microsoft.com/office/drawing/2014/main" id="{0653C6D7-973A-4F1C-9B10-1C0DA07712D1}"/>
+                  </a:ext>
+                </a:extLst>
+              </p:cNvPr>
+              <p:cNvSpPr txBox="1"/>
+              <p:nvPr/>
+            </p:nvSpPr>
+            <p:spPr>
+              <a:xfrm>
+                <a:off x="7384268" y="2916402"/>
+                <a:ext cx="661848" cy="382412"/>
+              </a:xfrm>
+              <a:prstGeom prst="rect">
+                <a:avLst/>
+              </a:prstGeom>
+              <a:noFill/>
+              <a:ln>
+                <a:solidFill>
+                  <a:srgbClr val="FF0000"/>
+                </a:solidFill>
+                <a:prstDash val="solid"/>
+              </a:ln>
+            </p:spPr>
+            <p:txBody>
+              <a:bodyPr wrap="none" rtlCol="0">
+                <a:spAutoFit/>
+              </a:bodyPr>
+              <a:lstStyle/>
+              <a:p>
+                <a:pPr/>
+                <a14:m>
+                  <m:oMathPara xmlns:m="http://schemas.openxmlformats.org/officeDocument/2006/math">
+                    <m:oMathParaPr>
+                      <m:jc m:val="centerGroup"/>
+                    </m:oMathParaPr>
+                    <m:oMath xmlns:m="http://schemas.openxmlformats.org/officeDocument/2006/math">
+                      <m:sSubSup>
+                        <m:sSubSupPr>
+                          <m:ctrlPr>
+                            <a:rPr lang="en-US" b="0" i="1" dirty="0" smtClean="0">
+                              <a:solidFill>
+                                <a:srgbClr val="FF0000"/>
+                              </a:solidFill>
+                              <a:latin typeface="Cambria Math" panose="02040503050406030204" pitchFamily="18" charset="0"/>
+                            </a:rPr>
+                          </m:ctrlPr>
+                        </m:sSubSupPr>
+                        <m:e>
+                          <m:r>
+                            <a:rPr lang="en-US" b="0" i="1" dirty="0" smtClean="0">
+                              <a:solidFill>
+                                <a:srgbClr val="FF0000"/>
+                              </a:solidFill>
+                              <a:latin typeface="Cambria Math" panose="02040503050406030204" pitchFamily="18" charset="0"/>
+                            </a:rPr>
+                            <m:t>{</m:t>
+                          </m:r>
+                          <m:r>
+                            <a:rPr lang="en-US" i="1" dirty="0" smtClean="0">
+                              <a:solidFill>
+                                <a:srgbClr val="FF0000"/>
+                              </a:solidFill>
+                              <a:latin typeface="Cambria Math" panose="02040503050406030204" pitchFamily="18" charset="0"/>
+                            </a:rPr>
+                            <m:t>𝑉</m:t>
+                          </m:r>
+                        </m:e>
+                        <m:sub>
+                          <m:r>
+                            <a:rPr lang="en-US" b="0" i="1" dirty="0" smtClean="0">
+                              <a:solidFill>
+                                <a:srgbClr val="FF0000"/>
+                              </a:solidFill>
+                              <a:latin typeface="Cambria Math" panose="02040503050406030204" pitchFamily="18" charset="0"/>
+                            </a:rPr>
+                            <m:t>𝑖</m:t>
+                          </m:r>
+                        </m:sub>
+                        <m:sup>
+                          <m:r>
+                            <a:rPr lang="en-US" b="0" i="1" dirty="0" smtClean="0">
+                              <a:solidFill>
+                                <a:srgbClr val="FF0000"/>
+                              </a:solidFill>
+                              <a:latin typeface="Cambria Math" panose="02040503050406030204" pitchFamily="18" charset="0"/>
+                            </a:rPr>
+                            <m:t>𝑡</m:t>
+                          </m:r>
+                        </m:sup>
+                      </m:sSubSup>
+                      <m:r>
+                        <a:rPr lang="en-US" b="0" i="1" dirty="0" smtClean="0">
+                          <a:solidFill>
+                            <a:srgbClr val="FF0000"/>
+                          </a:solidFill>
+                          <a:latin typeface="Cambria Math" panose="02040503050406030204" pitchFamily="18" charset="0"/>
+                        </a:rPr>
+                        <m:t>}</m:t>
+                      </m:r>
+                    </m:oMath>
+                  </m:oMathPara>
+                </a14:m>
+                <a:endParaRPr lang="en-US" dirty="0">
+                  <a:solidFill>
+                    <a:srgbClr val="FF0000"/>
+                  </a:solidFill>
+                </a:endParaRPr>
+              </a:p>
+            </p:txBody>
+          </p:sp>
+        </mc:Choice>
+        <mc:Fallback xmlns="">
+          <p:sp>
+            <p:nvSpPr>
+              <p:cNvPr id="325" name="TextBox 324">
+                <a:extLst>
+                  <a:ext uri="{FF2B5EF4-FFF2-40B4-BE49-F238E27FC236}">
+                    <a16:creationId xmlns:a16="http://schemas.microsoft.com/office/drawing/2014/main" id="{0653C6D7-973A-4F1C-9B10-1C0DA07712D1}"/>
+                  </a:ext>
+                </a:extLst>
+              </p:cNvPr>
+              <p:cNvSpPr txBox="1">
+                <a:spLocks noRot="1" noChangeAspect="1" noMove="1" noResize="1" noEditPoints="1" noAdjustHandles="1" noChangeArrowheads="1" noChangeShapeType="1" noTextEdit="1"/>
+              </p:cNvSpPr>
+              <p:nvPr/>
+            </p:nvSpPr>
+            <p:spPr>
+              <a:xfrm>
+                <a:off x="7384268" y="2916402"/>
+                <a:ext cx="661848" cy="382412"/>
+              </a:xfrm>
+              <a:prstGeom prst="rect">
+                <a:avLst/>
+              </a:prstGeom>
+              <a:blipFill>
+                <a:blip r:embed="rId16"/>
+                <a:stretch>
+                  <a:fillRect b="-12308"/>
+                </a:stretch>
+              </a:blipFill>
+              <a:ln>
+                <a:solidFill>
+                  <a:srgbClr val="FF0000"/>
+                </a:solidFill>
+                <a:prstDash val="solid"/>
+              </a:ln>
+            </p:spPr>
+            <p:txBody>
+              <a:bodyPr/>
+              <a:lstStyle/>
+              <a:p>
+                <a:r>
+                  <a:rPr lang="en-US">
+                    <a:noFill/>
+                  </a:rPr>
+                  <a:t> </a:t>
+                </a:r>
+              </a:p>
+            </p:txBody>
+          </p:sp>
+        </mc:Fallback>
+      </mc:AlternateContent>
+      <p:cxnSp>
+        <p:nvCxnSpPr>
+          <p:cNvPr id="329" name="Straight Arrow Connector 328">
+            <a:extLst>
+              <a:ext uri="{FF2B5EF4-FFF2-40B4-BE49-F238E27FC236}">
+                <a16:creationId xmlns:a16="http://schemas.microsoft.com/office/drawing/2014/main" id="{E3B537FB-4408-4445-A4EB-C1A2FEAA4CB0}"/>
+              </a:ext>
+            </a:extLst>
+          </p:cNvPr>
+          <p:cNvCxnSpPr>
+            <a:cxnSpLocks/>
+            <a:stCxn id="252" idx="3"/>
+            <a:endCxn id="325" idx="1"/>
+          </p:cNvCxnSpPr>
+          <p:nvPr/>
+        </p:nvCxnSpPr>
+        <p:spPr>
+          <a:xfrm>
+            <a:off x="7147985" y="3048685"/>
+            <a:ext cx="236283" cy="58923"/>
+          </a:xfrm>
+          <a:prstGeom prst="straightConnector1">
+            <a:avLst/>
+          </a:prstGeom>
+          <a:ln w="38100" cmpd="sng">
+            <a:solidFill>
+              <a:srgbClr val="FF0000"/>
+            </a:solidFill>
+            <a:tailEnd type="triangle"/>
+          </a:ln>
+        </p:spPr>
+        <p:style>
+          <a:lnRef idx="1">
+            <a:schemeClr val="accent1"/>
+          </a:lnRef>
+          <a:fillRef idx="0">
+            <a:schemeClr val="accent1"/>
+          </a:fillRef>
+          <a:effectRef idx="0">
+            <a:schemeClr val="accent1"/>
+          </a:effectRef>
+          <a:fontRef idx="minor">
+            <a:schemeClr val="tx1"/>
+          </a:fontRef>
+        </p:style>
+      </p:cxnSp>
+      <mc:AlternateContent xmlns:mc="http://schemas.openxmlformats.org/markup-compatibility/2006" xmlns:a14="http://schemas.microsoft.com/office/drawing/2010/main">
+        <mc:Choice Requires="a14">
+          <p:sp>
+            <p:nvSpPr>
+              <p:cNvPr id="335" name="TextBox 334">
+                <a:extLst>
+                  <a:ext uri="{FF2B5EF4-FFF2-40B4-BE49-F238E27FC236}">
+                    <a16:creationId xmlns:a16="http://schemas.microsoft.com/office/drawing/2014/main" id="{F74008CF-BEEE-471E-B7A3-E083699D7869}"/>
+                  </a:ext>
+                </a:extLst>
+              </p:cNvPr>
+              <p:cNvSpPr txBox="1"/>
+              <p:nvPr/>
+            </p:nvSpPr>
+            <p:spPr>
+              <a:xfrm>
+                <a:off x="8235191" y="3590097"/>
+                <a:ext cx="482312" cy="369332"/>
+              </a:xfrm>
+              <a:prstGeom prst="rect">
+                <a:avLst/>
+              </a:prstGeom>
+              <a:noFill/>
+              <a:ln>
+                <a:solidFill>
+                  <a:srgbClr val="FF0000"/>
+                </a:solidFill>
+              </a:ln>
+            </p:spPr>
+            <p:txBody>
+              <a:bodyPr wrap="none" rtlCol="0">
+                <a:spAutoFit/>
+              </a:bodyPr>
+              <a:lstStyle/>
+              <a:p>
+                <a:pPr/>
+                <a14:m>
+                  <m:oMathPara xmlns:m="http://schemas.openxmlformats.org/officeDocument/2006/math">
+                    <m:oMathParaPr>
+                      <m:jc m:val="centerGroup"/>
+                    </m:oMathParaPr>
+                    <m:oMath xmlns:m="http://schemas.openxmlformats.org/officeDocument/2006/math">
+                      <m:sSubSup>
+                        <m:sSubSupPr>
+                          <m:ctrlPr>
+                            <a:rPr lang="en-US" b="0" i="1" dirty="0" smtClean="0">
+                              <a:solidFill>
+                                <a:srgbClr val="FF0000"/>
+                              </a:solidFill>
+                              <a:latin typeface="Cambria Math" panose="02040503050406030204" pitchFamily="18" charset="0"/>
+                            </a:rPr>
+                          </m:ctrlPr>
+                        </m:sSubSupPr>
+                        <m:e>
+                          <m:r>
+                            <a:rPr lang="en-US" i="1" dirty="0" err="1">
+                              <a:solidFill>
+                                <a:srgbClr val="FF0000"/>
+                              </a:solidFill>
+                              <a:latin typeface="Cambria Math" panose="02040503050406030204" pitchFamily="18" charset="0"/>
+                            </a:rPr>
+                            <m:t>𝑉</m:t>
+                          </m:r>
+                        </m:e>
+                        <m:sub>
+                          <m:r>
+                            <a:rPr lang="en-US" b="0" i="1" dirty="0" smtClean="0">
+                              <a:solidFill>
+                                <a:srgbClr val="FF0000"/>
+                              </a:solidFill>
+                              <a:latin typeface="Cambria Math" panose="02040503050406030204" pitchFamily="18" charset="0"/>
+                            </a:rPr>
+                            <m:t>𝑡</m:t>
+                          </m:r>
+                        </m:sub>
+                        <m:sup>
+                          <m:r>
+                            <a:rPr lang="en-US" b="0" i="1" dirty="0" smtClean="0">
+                              <a:solidFill>
+                                <a:srgbClr val="FF0000"/>
+                              </a:solidFill>
+                              <a:latin typeface="Cambria Math" panose="02040503050406030204" pitchFamily="18" charset="0"/>
+                            </a:rPr>
+                            <m:t>𝑡</m:t>
+                          </m:r>
+                        </m:sup>
+                      </m:sSubSup>
+                    </m:oMath>
+                  </m:oMathPara>
+                </a14:m>
+                <a:endParaRPr lang="en-US" dirty="0">
+                  <a:solidFill>
+                    <a:srgbClr val="FF0000"/>
+                  </a:solidFill>
+                </a:endParaRPr>
+              </a:p>
+            </p:txBody>
+          </p:sp>
+        </mc:Choice>
+        <mc:Fallback xmlns="">
+          <p:sp>
+            <p:nvSpPr>
+              <p:cNvPr id="335" name="TextBox 334">
+                <a:extLst>
+                  <a:ext uri="{FF2B5EF4-FFF2-40B4-BE49-F238E27FC236}">
+                    <a16:creationId xmlns:a16="http://schemas.microsoft.com/office/drawing/2014/main" id="{F74008CF-BEEE-471E-B7A3-E083699D7869}"/>
+                  </a:ext>
+                </a:extLst>
+              </p:cNvPr>
+              <p:cNvSpPr txBox="1">
+                <a:spLocks noRot="1" noChangeAspect="1" noMove="1" noResize="1" noEditPoints="1" noAdjustHandles="1" noChangeArrowheads="1" noChangeShapeType="1" noTextEdit="1"/>
+              </p:cNvSpPr>
+              <p:nvPr/>
+            </p:nvSpPr>
+            <p:spPr>
+              <a:xfrm>
+                <a:off x="8235191" y="3590097"/>
+                <a:ext cx="482312" cy="369332"/>
+              </a:xfrm>
+              <a:prstGeom prst="rect">
+                <a:avLst/>
+              </a:prstGeom>
+              <a:blipFill>
+                <a:blip r:embed="rId17"/>
+                <a:stretch>
+                  <a:fillRect/>
+                </a:stretch>
+              </a:blipFill>
+              <a:ln>
+                <a:solidFill>
+                  <a:srgbClr val="FF0000"/>
+                </a:solidFill>
+              </a:ln>
+            </p:spPr>
+            <p:txBody>
+              <a:bodyPr/>
+              <a:lstStyle/>
+              <a:p>
+                <a:r>
+                  <a:rPr lang="en-US">
+                    <a:noFill/>
+                  </a:rPr>
+                  <a:t> </a:t>
+                </a:r>
+              </a:p>
+            </p:txBody>
+          </p:sp>
+        </mc:Fallback>
+      </mc:AlternateContent>
+      <p:cxnSp>
+        <p:nvCxnSpPr>
+          <p:cNvPr id="336" name="Straight Arrow Connector 335">
+            <a:extLst>
+              <a:ext uri="{FF2B5EF4-FFF2-40B4-BE49-F238E27FC236}">
+                <a16:creationId xmlns:a16="http://schemas.microsoft.com/office/drawing/2014/main" id="{D3342921-837B-4BF4-BBB2-BB208100F8C8}"/>
+              </a:ext>
+            </a:extLst>
+          </p:cNvPr>
+          <p:cNvCxnSpPr>
+            <a:cxnSpLocks/>
+            <a:stCxn id="325" idx="3"/>
+            <a:endCxn id="335" idx="0"/>
+          </p:cNvCxnSpPr>
+          <p:nvPr/>
+        </p:nvCxnSpPr>
+        <p:spPr>
+          <a:xfrm>
+            <a:off x="8046116" y="3107608"/>
+            <a:ext cx="430231" cy="482489"/>
+          </a:xfrm>
+          <a:prstGeom prst="straightConnector1">
+            <a:avLst/>
+          </a:prstGeom>
+          <a:ln w="38100" cmpd="sng">
+            <a:solidFill>
+              <a:srgbClr val="FF0000"/>
+            </a:solidFill>
+            <a:tailEnd type="triangle"/>
+          </a:ln>
+        </p:spPr>
+        <p:style>
+          <a:lnRef idx="1">
+            <a:schemeClr val="accent1"/>
+          </a:lnRef>
+          <a:fillRef idx="0">
+            <a:schemeClr val="accent1"/>
+          </a:fillRef>
+          <a:effectRef idx="0">
+            <a:schemeClr val="accent1"/>
+          </a:effectRef>
+          <a:fontRef idx="minor">
+            <a:schemeClr val="tx1"/>
+          </a:fontRef>
+        </p:style>
+      </p:cxnSp>
+      <p:cxnSp>
+        <p:nvCxnSpPr>
+          <p:cNvPr id="339" name="Straight Arrow Connector 338">
+            <a:extLst>
+              <a:ext uri="{FF2B5EF4-FFF2-40B4-BE49-F238E27FC236}">
+                <a16:creationId xmlns:a16="http://schemas.microsoft.com/office/drawing/2014/main" id="{D203A85E-4C5A-496C-BD9A-25D5F8340DF8}"/>
+              </a:ext>
+            </a:extLst>
+          </p:cNvPr>
+          <p:cNvCxnSpPr>
+            <a:cxnSpLocks/>
+            <a:stCxn id="280" idx="2"/>
+            <a:endCxn id="335" idx="0"/>
+          </p:cNvCxnSpPr>
+          <p:nvPr/>
+        </p:nvCxnSpPr>
+        <p:spPr>
+          <a:xfrm>
+            <a:off x="7857670" y="2141437"/>
+            <a:ext cx="618677" cy="1448660"/>
+          </a:xfrm>
+          <a:prstGeom prst="straightConnector1">
+            <a:avLst/>
+          </a:prstGeom>
+          <a:ln>
+            <a:solidFill>
+              <a:srgbClr val="FF0000"/>
+            </a:solidFill>
+            <a:tailEnd type="triangle"/>
+          </a:ln>
+        </p:spPr>
+        <p:style>
+          <a:lnRef idx="1">
+            <a:schemeClr val="accent1"/>
+          </a:lnRef>
+          <a:fillRef idx="0">
+            <a:schemeClr val="accent1"/>
+          </a:fillRef>
+          <a:effectRef idx="0">
+            <a:schemeClr val="accent1"/>
+          </a:effectRef>
+          <a:fontRef idx="minor">
+            <a:schemeClr val="tx1"/>
+          </a:fontRef>
+        </p:style>
+      </p:cxnSp>
+      <p:cxnSp>
+        <p:nvCxnSpPr>
+          <p:cNvPr id="342" name="Straight Arrow Connector 341">
+            <a:extLst>
+              <a:ext uri="{FF2B5EF4-FFF2-40B4-BE49-F238E27FC236}">
+                <a16:creationId xmlns:a16="http://schemas.microsoft.com/office/drawing/2014/main" id="{FCC16B8D-D92D-4C8A-AF91-267B437563CA}"/>
+              </a:ext>
+            </a:extLst>
+          </p:cNvPr>
+          <p:cNvCxnSpPr>
+            <a:cxnSpLocks/>
+            <a:stCxn id="335" idx="1"/>
+            <a:endCxn id="251" idx="2"/>
+          </p:cNvCxnSpPr>
+          <p:nvPr/>
+        </p:nvCxnSpPr>
+        <p:spPr>
+          <a:xfrm flipH="1" flipV="1">
+            <a:off x="5493862" y="3232716"/>
+            <a:ext cx="2741329" cy="542047"/>
+          </a:xfrm>
+          <a:prstGeom prst="straightConnector1">
+            <a:avLst/>
+          </a:prstGeom>
+          <a:ln>
+            <a:solidFill>
+              <a:srgbClr val="FE0202"/>
+            </a:solidFill>
+            <a:prstDash val="dash"/>
+            <a:tailEnd type="triangle"/>
+          </a:ln>
+        </p:spPr>
+        <p:style>
+          <a:lnRef idx="1">
+            <a:schemeClr val="accent1"/>
+          </a:lnRef>
+          <a:fillRef idx="0">
+            <a:schemeClr val="accent1"/>
+          </a:fillRef>
+          <a:effectRef idx="0">
+            <a:schemeClr val="accent1"/>
+          </a:effectRef>
+          <a:fontRef idx="minor">
+            <a:schemeClr val="tx1"/>
+          </a:fontRef>
+        </p:style>
+      </p:cxnSp>
+      <mc:AlternateContent xmlns:mc="http://schemas.openxmlformats.org/markup-compatibility/2006" xmlns:a14="http://schemas.microsoft.com/office/drawing/2010/main">
+        <mc:Choice Requires="a14">
+          <p:sp>
+            <p:nvSpPr>
+              <p:cNvPr id="99" name="TextBox 98">
+                <a:extLst>
+                  <a:ext uri="{FF2B5EF4-FFF2-40B4-BE49-F238E27FC236}">
+                    <a16:creationId xmlns:a16="http://schemas.microsoft.com/office/drawing/2014/main" id="{705EC039-E9A1-4DD9-9EE9-F02C375A3EEC}"/>
+                  </a:ext>
+                </a:extLst>
+              </p:cNvPr>
+              <p:cNvSpPr txBox="1"/>
+              <p:nvPr/>
+            </p:nvSpPr>
+            <p:spPr>
+              <a:xfrm>
+                <a:off x="4798222" y="5754274"/>
+                <a:ext cx="425501" cy="369332"/>
+              </a:xfrm>
+              <a:prstGeom prst="rect">
+                <a:avLst/>
+              </a:prstGeom>
+              <a:noFill/>
+              <a:ln>
+                <a:solidFill>
+                  <a:schemeClr val="tx1"/>
+                </a:solidFill>
+                <a:prstDash val="dash"/>
+              </a:ln>
+            </p:spPr>
+            <p:txBody>
+              <a:bodyPr wrap="none" rtlCol="0">
+                <a:spAutoFit/>
+              </a:bodyPr>
+              <a:lstStyle>
+                <a:defPPr>
+                  <a:defRPr lang="en-US"/>
+                </a:defPPr>
+                <a:lvl1pPr>
+                  <a:defRPr b="0" i="1">
+                    <a:latin typeface="Cambria Math" panose="02040503050406030204" pitchFamily="18" charset="0"/>
+                  </a:defRPr>
+                </a:lvl1pPr>
+              </a:lstStyle>
+              <a:p>
+                <a:pPr/>
+                <a14:m>
+                  <m:oMathPara xmlns:m="http://schemas.openxmlformats.org/officeDocument/2006/math">
+                    <m:oMathParaPr>
+                      <m:jc m:val="centerGroup"/>
+                    </m:oMathParaPr>
+                    <m:oMath xmlns:m="http://schemas.openxmlformats.org/officeDocument/2006/math">
+                      <m:sSub>
+                        <m:sSubPr>
+                          <m:ctrlPr>
+                            <a:rPr lang="en-US" i="1" smtClean="0">
+                              <a:latin typeface="Cambria Math" panose="02040503050406030204" pitchFamily="18" charset="0"/>
+                            </a:rPr>
+                          </m:ctrlPr>
+                        </m:sSubPr>
+                        <m:e>
+                          <m:r>
+                            <a:rPr lang="en-US" b="0" i="1" smtClean="0">
+                              <a:latin typeface="Cambria Math" panose="02040503050406030204" pitchFamily="18" charset="0"/>
+                            </a:rPr>
+                            <m:t>𝑠</m:t>
+                          </m:r>
+                        </m:e>
+                        <m:sub>
+                          <m:r>
+                            <a:rPr lang="en-US">
+                              <a:latin typeface="Cambria Math" panose="02040503050406030204" pitchFamily="18" charset="0"/>
+                            </a:rPr>
+                            <m:t>𝑡</m:t>
+                          </m:r>
+                        </m:sub>
+                      </m:sSub>
+                    </m:oMath>
+                  </m:oMathPara>
+                </a14:m>
+                <a:endParaRPr lang="en-US" dirty="0"/>
+              </a:p>
+            </p:txBody>
+          </p:sp>
+        </mc:Choice>
+        <mc:Fallback xmlns="">
+          <p:sp>
+            <p:nvSpPr>
+              <p:cNvPr id="99" name="TextBox 98">
+                <a:extLst>
+                  <a:ext uri="{FF2B5EF4-FFF2-40B4-BE49-F238E27FC236}">
+                    <a16:creationId xmlns:a16="http://schemas.microsoft.com/office/drawing/2014/main" id="{705EC039-E9A1-4DD9-9EE9-F02C375A3EEC}"/>
+                  </a:ext>
+                </a:extLst>
+              </p:cNvPr>
+              <p:cNvSpPr txBox="1">
+                <a:spLocks noRot="1" noChangeAspect="1" noMove="1" noResize="1" noEditPoints="1" noAdjustHandles="1" noChangeArrowheads="1" noChangeShapeType="1" noTextEdit="1"/>
+              </p:cNvSpPr>
+              <p:nvPr/>
+            </p:nvSpPr>
+            <p:spPr>
+              <a:xfrm>
+                <a:off x="4798222" y="5754274"/>
+                <a:ext cx="425501" cy="369332"/>
+              </a:xfrm>
+              <a:prstGeom prst="rect">
+                <a:avLst/>
+              </a:prstGeom>
+              <a:blipFill>
+                <a:blip r:embed="rId18"/>
+                <a:stretch>
+                  <a:fillRect/>
+                </a:stretch>
+              </a:blipFill>
+              <a:ln>
+                <a:solidFill>
+                  <a:schemeClr val="tx1"/>
+                </a:solidFill>
+                <a:prstDash val="dash"/>
+              </a:ln>
+            </p:spPr>
+            <p:txBody>
+              <a:bodyPr/>
+              <a:lstStyle/>
+              <a:p>
+                <a:r>
+                  <a:rPr lang="en-US">
+                    <a:noFill/>
+                  </a:rPr>
+                  <a:t> </a:t>
+                </a:r>
+              </a:p>
+            </p:txBody>
+          </p:sp>
+        </mc:Fallback>
+      </mc:AlternateContent>
+      <p:cxnSp>
+        <p:nvCxnSpPr>
+          <p:cNvPr id="100" name="Straight Arrow Connector 99">
+            <a:extLst>
+              <a:ext uri="{FF2B5EF4-FFF2-40B4-BE49-F238E27FC236}">
+                <a16:creationId xmlns:a16="http://schemas.microsoft.com/office/drawing/2014/main" id="{A2664E92-2201-410F-90F2-FE60A92D6B83}"/>
+              </a:ext>
+            </a:extLst>
+          </p:cNvPr>
+          <p:cNvCxnSpPr>
+            <a:cxnSpLocks/>
+            <a:stCxn id="99" idx="3"/>
+            <a:endCxn id="263" idx="1"/>
+          </p:cNvCxnSpPr>
+          <p:nvPr/>
+        </p:nvCxnSpPr>
+        <p:spPr>
+          <a:xfrm flipV="1">
+            <a:off x="5223723" y="5485482"/>
+            <a:ext cx="628934" cy="453458"/>
+          </a:xfrm>
+          <a:prstGeom prst="straightConnector1">
+            <a:avLst/>
+          </a:prstGeom>
+          <a:ln>
+            <a:tailEnd type="triangle"/>
+          </a:ln>
+        </p:spPr>
+        <p:style>
+          <a:lnRef idx="1">
+            <a:schemeClr val="accent1"/>
+          </a:lnRef>
+          <a:fillRef idx="0">
+            <a:schemeClr val="accent1"/>
+          </a:fillRef>
+          <a:effectRef idx="0">
+            <a:schemeClr val="accent1"/>
+          </a:effectRef>
+          <a:fontRef idx="minor">
+            <a:schemeClr val="tx1"/>
+          </a:fontRef>
+        </p:style>
+      </p:cxnSp>
+      <mc:AlternateContent xmlns:mc="http://schemas.openxmlformats.org/markup-compatibility/2006" xmlns:a14="http://schemas.microsoft.com/office/drawing/2010/main">
+        <mc:Choice Requires="a14">
+          <p:sp>
+            <p:nvSpPr>
+              <p:cNvPr id="103" name="TextBox 102">
+                <a:extLst>
+                  <a:ext uri="{FF2B5EF4-FFF2-40B4-BE49-F238E27FC236}">
+                    <a16:creationId xmlns:a16="http://schemas.microsoft.com/office/drawing/2014/main" id="{E57F57BB-D387-4473-9CCE-089B98EC683D}"/>
+                  </a:ext>
+                </a:extLst>
+              </p:cNvPr>
+              <p:cNvSpPr txBox="1"/>
+              <p:nvPr/>
+            </p:nvSpPr>
+            <p:spPr>
+              <a:xfrm>
+                <a:off x="1624069" y="5315173"/>
+                <a:ext cx="579710" cy="391646"/>
+              </a:xfrm>
+              <a:prstGeom prst="rect">
+                <a:avLst/>
+              </a:prstGeom>
+              <a:noFill/>
+              <a:ln>
+                <a:solidFill>
+                  <a:srgbClr val="FE0202"/>
+                </a:solidFill>
+                <a:prstDash val="dash"/>
+              </a:ln>
+            </p:spPr>
+            <p:txBody>
+              <a:bodyPr wrap="none" rtlCol="0">
+                <a:spAutoFit/>
+              </a:bodyPr>
+              <a:lstStyle/>
+              <a:p>
+                <a:pPr/>
+                <a14:m>
+                  <m:oMathPara xmlns:m="http://schemas.openxmlformats.org/officeDocument/2006/math">
+                    <m:oMathParaPr>
+                      <m:jc m:val="centerGroup"/>
+                    </m:oMathParaPr>
+                    <m:oMath xmlns:m="http://schemas.openxmlformats.org/officeDocument/2006/math">
+                      <m:sSub>
+                        <m:sSubPr>
+                          <m:ctrlPr>
+                            <a:rPr lang="en-US" b="0" i="1" smtClean="0">
+                              <a:solidFill>
+                                <a:srgbClr val="FE0202"/>
+                              </a:solidFill>
+                              <a:latin typeface="Cambria Math" panose="02040503050406030204" pitchFamily="18" charset="0"/>
+                            </a:rPr>
+                          </m:ctrlPr>
+                        </m:sSubPr>
+                        <m:e>
+                          <m:r>
+                            <a:rPr lang="en-US" b="0" i="1" smtClean="0">
+                              <a:solidFill>
+                                <a:srgbClr val="FE0202"/>
+                              </a:solidFill>
+                              <a:latin typeface="Cambria Math" panose="02040503050406030204" pitchFamily="18" charset="0"/>
+                            </a:rPr>
+                            <m:t>𝑊</m:t>
+                          </m:r>
+                        </m:e>
+                        <m:sub>
+                          <m:r>
+                            <a:rPr lang="en-US" b="0" i="1" smtClean="0">
+                              <a:solidFill>
+                                <a:srgbClr val="FE0202"/>
+                              </a:solidFill>
+                              <a:latin typeface="Cambria Math" panose="02040503050406030204" pitchFamily="18" charset="0"/>
+                            </a:rPr>
+                            <m:t>𝑖𝑗</m:t>
+                          </m:r>
+                        </m:sub>
+                      </m:sSub>
+                    </m:oMath>
+                  </m:oMathPara>
+                </a14:m>
+                <a:endParaRPr lang="en-US" dirty="0">
+                  <a:solidFill>
+                    <a:srgbClr val="FE0202"/>
+                  </a:solidFill>
+                </a:endParaRPr>
+              </a:p>
+            </p:txBody>
+          </p:sp>
+        </mc:Choice>
+        <mc:Fallback xmlns="">
+          <p:sp>
+            <p:nvSpPr>
+              <p:cNvPr id="103" name="TextBox 102">
+                <a:extLst>
+                  <a:ext uri="{FF2B5EF4-FFF2-40B4-BE49-F238E27FC236}">
+                    <a16:creationId xmlns:a16="http://schemas.microsoft.com/office/drawing/2014/main" id="{E57F57BB-D387-4473-9CCE-089B98EC683D}"/>
+                  </a:ext>
+                </a:extLst>
+              </p:cNvPr>
+              <p:cNvSpPr txBox="1">
+                <a:spLocks noRot="1" noChangeAspect="1" noMove="1" noResize="1" noEditPoints="1" noAdjustHandles="1" noChangeArrowheads="1" noChangeShapeType="1" noTextEdit="1"/>
+              </p:cNvSpPr>
+              <p:nvPr/>
+            </p:nvSpPr>
+            <p:spPr>
+              <a:xfrm>
+                <a:off x="1624069" y="5315173"/>
+                <a:ext cx="579710" cy="391646"/>
+              </a:xfrm>
+              <a:prstGeom prst="rect">
+                <a:avLst/>
+              </a:prstGeom>
+              <a:blipFill>
+                <a:blip r:embed="rId19"/>
+                <a:stretch>
+                  <a:fillRect b="-6061"/>
+                </a:stretch>
+              </a:blipFill>
+              <a:ln>
+                <a:solidFill>
+                  <a:srgbClr val="FE0202"/>
+                </a:solidFill>
+                <a:prstDash val="dash"/>
+              </a:ln>
+            </p:spPr>
+            <p:txBody>
+              <a:bodyPr/>
+              <a:lstStyle/>
+              <a:p>
+                <a:r>
+                  <a:rPr lang="en-US">
+                    <a:noFill/>
+                  </a:rPr>
+                  <a:t> </a:t>
+                </a:r>
+              </a:p>
+            </p:txBody>
+          </p:sp>
+        </mc:Fallback>
+      </mc:AlternateContent>
+      <p:cxnSp>
+        <p:nvCxnSpPr>
+          <p:cNvPr id="104" name="Straight Arrow Connector 103">
+            <a:extLst>
+              <a:ext uri="{FF2B5EF4-FFF2-40B4-BE49-F238E27FC236}">
+                <a16:creationId xmlns:a16="http://schemas.microsoft.com/office/drawing/2014/main" id="{EFC76B90-A2DB-431A-B709-ABCA58D5F72E}"/>
+              </a:ext>
+            </a:extLst>
+          </p:cNvPr>
+          <p:cNvCxnSpPr>
+            <a:cxnSpLocks/>
+            <a:stCxn id="103" idx="3"/>
+            <a:endCxn id="258" idx="1"/>
+          </p:cNvCxnSpPr>
+          <p:nvPr/>
+        </p:nvCxnSpPr>
+        <p:spPr>
+          <a:xfrm flipV="1">
+            <a:off x="2203779" y="5490759"/>
+            <a:ext cx="417935" cy="20237"/>
+          </a:xfrm>
+          <a:prstGeom prst="straightConnector1">
+            <a:avLst/>
+          </a:prstGeom>
+          <a:ln>
+            <a:tailEnd type="triangle"/>
+          </a:ln>
+        </p:spPr>
+        <p:style>
+          <a:lnRef idx="1">
+            <a:schemeClr val="accent1"/>
+          </a:lnRef>
+          <a:fillRef idx="0">
+            <a:schemeClr val="accent1"/>
+          </a:fillRef>
+          <a:effectRef idx="0">
+            <a:schemeClr val="accent1"/>
+          </a:effectRef>
+          <a:fontRef idx="minor">
+            <a:schemeClr val="tx1"/>
+          </a:fontRef>
+        </p:style>
+      </p:cxnSp>
+    </p:spTree>
+    <p:extLst>
+      <p:ext uri="{BB962C8B-B14F-4D97-AF65-F5344CB8AC3E}">
+        <p14:creationId xmlns:p14="http://schemas.microsoft.com/office/powerpoint/2010/main" val="2615812936"/>
+      </p:ext>
+    </p:extLst>
+  </p:cSld>
+  <p:clrMapOvr>
+    <a:masterClrMapping/>
+  </p:clrMapOvr>
+</p:sld>
+</file>
+
+<file path=ppt/slides/slide6.xml><?xml version="1.0" encoding="utf-8"?>
+<p:sld xmlns:a="http://schemas.openxmlformats.org/drawingml/2006/main" xmlns:r="http://schemas.openxmlformats.org/officeDocument/2006/relationships" xmlns:p="http://schemas.openxmlformats.org/presentationml/2006/main">
+  <p:cSld>
+    <p:spTree>
+      <p:nvGrpSpPr>
+        <p:cNvPr id="1" name=""/>
+        <p:cNvGrpSpPr/>
+        <p:nvPr/>
+      </p:nvGrpSpPr>
+      <p:grpSpPr>
+        <a:xfrm>
+          <a:off x="0" y="0"/>
+          <a:ext cx="0" cy="0"/>
+          <a:chOff x="0" y="0"/>
+          <a:chExt cx="0" cy="0"/>
+        </a:xfrm>
+      </p:grpSpPr>
+      <p:sp>
+        <p:nvSpPr>
+          <p:cNvPr id="2" name="Title 1">
+            <a:extLst>
+              <a:ext uri="{FF2B5EF4-FFF2-40B4-BE49-F238E27FC236}">
+                <a16:creationId xmlns:a16="http://schemas.microsoft.com/office/drawing/2014/main" id="{06F6841A-1025-45A2-9C10-C4FD33CF95C9}"/>
+              </a:ext>
+            </a:extLst>
+          </p:cNvPr>
+          <p:cNvSpPr>
+            <a:spLocks noGrp="1"/>
+          </p:cNvSpPr>
+          <p:nvPr>
+            <p:ph type="title"/>
+          </p:nvPr>
+        </p:nvSpPr>
+        <p:spPr>
+          <a:xfrm>
+            <a:off x="838200" y="488088"/>
+            <a:ext cx="10515600" cy="721803"/>
+          </a:xfrm>
+        </p:spPr>
+        <p:txBody>
+          <a:bodyPr>
+            <a:normAutofit/>
+          </a:bodyPr>
+          <a:lstStyle/>
+          <a:p>
+            <a:r>
+              <a:rPr lang="en-US" dirty="0"/>
+              <a:t>07/10/2018 – Q update was modified, see log</a:t>
+            </a:r>
+          </a:p>
+        </p:txBody>
+      </p:sp>
+      <p:sp>
+        <p:nvSpPr>
+          <p:cNvPr id="171" name="TextBox 170">
+            <a:extLst>
+              <a:ext uri="{FF2B5EF4-FFF2-40B4-BE49-F238E27FC236}">
+                <a16:creationId xmlns:a16="http://schemas.microsoft.com/office/drawing/2014/main" id="{40E51CD8-2D9E-412E-9374-9EB67892467C}"/>
+              </a:ext>
+            </a:extLst>
+          </p:cNvPr>
+          <p:cNvSpPr txBox="1"/>
+          <p:nvPr/>
+        </p:nvSpPr>
+        <p:spPr>
+          <a:xfrm>
+            <a:off x="5315268" y="1399929"/>
+            <a:ext cx="711157" cy="369332"/>
+          </a:xfrm>
+          <a:prstGeom prst="rect">
+            <a:avLst/>
+          </a:prstGeom>
+          <a:noFill/>
+        </p:spPr>
+        <p:txBody>
+          <a:bodyPr wrap="none" rtlCol="0">
+            <a:spAutoFit/>
+          </a:bodyPr>
+          <a:lstStyle/>
+          <a:p>
+            <a:r>
+              <a:rPr lang="en-US" dirty="0"/>
+              <a:t>After </a:t>
+            </a:r>
+          </a:p>
+        </p:txBody>
+      </p:sp>
+      <mc:AlternateContent xmlns:mc="http://schemas.openxmlformats.org/markup-compatibility/2006">
+        <mc:Choice xmlns:a14="http://schemas.microsoft.com/office/drawing/2010/main" Requires="a14">
+          <p:sp>
+            <p:nvSpPr>
+              <p:cNvPr id="243" name="TextBox 242">
+                <a:extLst>
+                  <a:ext uri="{FF2B5EF4-FFF2-40B4-BE49-F238E27FC236}">
+                    <a16:creationId xmlns:a16="http://schemas.microsoft.com/office/drawing/2014/main" id="{792B6A93-010E-4686-B9FD-0B2802CD9AFE}"/>
+                  </a:ext>
+                </a:extLst>
+              </p:cNvPr>
+              <p:cNvSpPr txBox="1"/>
+              <p:nvPr/>
+            </p:nvSpPr>
+            <p:spPr>
+              <a:xfrm>
+                <a:off x="3290176" y="3876264"/>
+                <a:ext cx="427104" cy="369332"/>
+              </a:xfrm>
+              <a:prstGeom prst="rect">
+                <a:avLst/>
+              </a:prstGeom>
+              <a:noFill/>
+              <a:ln>
+                <a:solidFill>
+                  <a:schemeClr val="tx1"/>
+                </a:solidFill>
+              </a:ln>
+            </p:spPr>
+            <p:txBody>
+              <a:bodyPr wrap="none" rtlCol="0">
+                <a:spAutoFit/>
+              </a:bodyPr>
+              <a:lstStyle/>
+              <a:p>
+                <a:pPr/>
+                <a14:m>
+                  <m:oMathPara xmlns:m="http://schemas.openxmlformats.org/officeDocument/2006/math">
+                    <m:oMathParaPr>
+                      <m:jc m:val="centerGroup"/>
+                    </m:oMathParaPr>
+                    <m:oMath xmlns:m="http://schemas.openxmlformats.org/officeDocument/2006/math">
+                      <m:sSub>
+                        <m:sSubPr>
+                          <m:ctrlPr>
+                            <a:rPr lang="en-US" b="0" i="1" smtClean="0">
+                              <a:latin typeface="Cambria Math" panose="02040503050406030204" pitchFamily="18" charset="0"/>
+                            </a:rPr>
+                          </m:ctrlPr>
+                        </m:sSubPr>
+                        <m:e>
+                          <m:r>
+                            <a:rPr lang="en-US" b="0" i="1" smtClean="0">
+                              <a:latin typeface="Cambria Math" panose="02040503050406030204" pitchFamily="18" charset="0"/>
+                            </a:rPr>
+                            <m:t>𝑠</m:t>
+                          </m:r>
+                        </m:e>
+                        <m:sub>
+                          <m:r>
+                            <a:rPr lang="en-US" b="0" i="1" smtClean="0">
+                              <a:latin typeface="Cambria Math" panose="02040503050406030204" pitchFamily="18" charset="0"/>
+                            </a:rPr>
+                            <m:t>𝑡</m:t>
+                          </m:r>
+                        </m:sub>
+                      </m:sSub>
+                    </m:oMath>
+                  </m:oMathPara>
+                </a14:m>
+                <a:endParaRPr lang="en-US" dirty="0"/>
+              </a:p>
+            </p:txBody>
+          </p:sp>
+        </mc:Choice>
+        <mc:Fallback>
+          <p:sp>
+            <p:nvSpPr>
+              <p:cNvPr id="243" name="TextBox 242">
+                <a:extLst>
+                  <a:ext uri="{FF2B5EF4-FFF2-40B4-BE49-F238E27FC236}">
+                    <a16:creationId xmlns:a16="http://schemas.microsoft.com/office/drawing/2014/main" id="{792B6A93-010E-4686-B9FD-0B2802CD9AFE}"/>
+                  </a:ext>
+                </a:extLst>
+              </p:cNvPr>
+              <p:cNvSpPr txBox="1">
+                <a:spLocks noRot="1" noChangeAspect="1" noMove="1" noResize="1" noEditPoints="1" noAdjustHandles="1" noChangeArrowheads="1" noChangeShapeType="1" noTextEdit="1"/>
+              </p:cNvSpPr>
+              <p:nvPr/>
+            </p:nvSpPr>
+            <p:spPr>
+              <a:xfrm>
+                <a:off x="3290176" y="3876264"/>
+                <a:ext cx="427104" cy="369332"/>
+              </a:xfrm>
+              <a:prstGeom prst="rect">
+                <a:avLst/>
+              </a:prstGeom>
+              <a:blipFill>
+                <a:blip r:embed="rId2"/>
+                <a:stretch>
+                  <a:fillRect/>
+                </a:stretch>
+              </a:blipFill>
+              <a:ln>
+                <a:solidFill>
+                  <a:schemeClr val="tx1"/>
+                </a:solidFill>
+              </a:ln>
+            </p:spPr>
+            <p:txBody>
+              <a:bodyPr/>
+              <a:lstStyle/>
+              <a:p>
+                <a:r>
+                  <a:rPr lang="en-US">
+                    <a:noFill/>
+                  </a:rPr>
+                  <a:t> </a:t>
+                </a:r>
+              </a:p>
+            </p:txBody>
+          </p:sp>
+        </mc:Fallback>
+      </mc:AlternateContent>
+      <mc:AlternateContent xmlns:mc="http://schemas.openxmlformats.org/markup-compatibility/2006">
+        <mc:Choice xmlns:a14="http://schemas.microsoft.com/office/drawing/2010/main" Requires="a14">
+          <p:sp>
+            <p:nvSpPr>
+              <p:cNvPr id="244" name="TextBox 243">
+                <a:extLst>
+                  <a:ext uri="{FF2B5EF4-FFF2-40B4-BE49-F238E27FC236}">
+                    <a16:creationId xmlns:a16="http://schemas.microsoft.com/office/drawing/2014/main" id="{45C86721-2E8E-4B33-9232-4B13F47AA574}"/>
+                  </a:ext>
+                </a:extLst>
+              </p:cNvPr>
+              <p:cNvSpPr txBox="1"/>
+              <p:nvPr/>
+            </p:nvSpPr>
+            <p:spPr>
+              <a:xfrm>
+                <a:off x="4168118" y="3876264"/>
+                <a:ext cx="804579" cy="382412"/>
+              </a:xfrm>
+              <a:prstGeom prst="rect">
+                <a:avLst/>
+              </a:prstGeom>
+              <a:noFill/>
+              <a:ln>
+                <a:solidFill>
+                  <a:schemeClr val="tx1"/>
+                </a:solidFill>
+              </a:ln>
+            </p:spPr>
+            <p:txBody>
+              <a:bodyPr wrap="none" rtlCol="0">
+                <a:spAutoFit/>
+              </a:bodyPr>
+              <a:lstStyle/>
+              <a:p>
+                <a:pPr/>
+                <a14:m>
+                  <m:oMathPara xmlns:m="http://schemas.openxmlformats.org/officeDocument/2006/math">
+                    <m:oMathParaPr>
+                      <m:jc m:val="centerGroup"/>
+                    </m:oMathParaPr>
+                    <m:oMath xmlns:m="http://schemas.openxmlformats.org/officeDocument/2006/math">
+                      <m:r>
+                        <a:rPr lang="en-US" b="0" i="1" smtClean="0">
+                          <a:latin typeface="Cambria Math" panose="02040503050406030204" pitchFamily="18" charset="0"/>
+                        </a:rPr>
+                        <m:t>{</m:t>
+                      </m:r>
+                      <m:r>
+                        <a:rPr lang="en-US" b="0" i="1" smtClean="0">
+                          <a:latin typeface="Cambria Math" panose="02040503050406030204" pitchFamily="18" charset="0"/>
+                        </a:rPr>
+                        <m:t>𝑃</m:t>
+                      </m:r>
+                      <m:sSubSup>
+                        <m:sSubSupPr>
+                          <m:ctrlPr>
+                            <a:rPr lang="en-US" b="0" i="1" smtClean="0">
+                              <a:latin typeface="Cambria Math" panose="02040503050406030204" pitchFamily="18" charset="0"/>
+                            </a:rPr>
+                          </m:ctrlPr>
+                        </m:sSubSupPr>
+                        <m:e>
+                          <m:r>
+                            <a:rPr lang="en-US" b="0" i="1" smtClean="0">
+                              <a:latin typeface="Cambria Math" panose="02040503050406030204" pitchFamily="18" charset="0"/>
+                            </a:rPr>
+                            <m:t>𝐶</m:t>
+                          </m:r>
+                        </m:e>
+                        <m:sub>
+                          <m:r>
+                            <a:rPr lang="en-US" b="0" i="1" smtClean="0">
+                              <a:latin typeface="Cambria Math" panose="02040503050406030204" pitchFamily="18" charset="0"/>
+                            </a:rPr>
+                            <m:t>𝑖</m:t>
+                          </m:r>
+                        </m:sub>
+                        <m:sup>
+                          <m:r>
+                            <a:rPr lang="en-US" b="0" i="1" smtClean="0">
+                              <a:latin typeface="Cambria Math" panose="02040503050406030204" pitchFamily="18" charset="0"/>
+                            </a:rPr>
+                            <m:t>𝑡</m:t>
+                          </m:r>
+                        </m:sup>
+                      </m:sSubSup>
+                      <m:r>
+                        <a:rPr lang="en-US" b="0" i="1" smtClean="0">
+                          <a:latin typeface="Cambria Math" panose="02040503050406030204" pitchFamily="18" charset="0"/>
+                        </a:rPr>
+                        <m:t>}</m:t>
+                      </m:r>
+                    </m:oMath>
+                  </m:oMathPara>
+                </a14:m>
+                <a:endParaRPr lang="en-US" dirty="0"/>
+              </a:p>
+            </p:txBody>
+          </p:sp>
+        </mc:Choice>
+        <mc:Fallback>
+          <p:sp>
+            <p:nvSpPr>
+              <p:cNvPr id="244" name="TextBox 243">
+                <a:extLst>
+                  <a:ext uri="{FF2B5EF4-FFF2-40B4-BE49-F238E27FC236}">
+                    <a16:creationId xmlns:a16="http://schemas.microsoft.com/office/drawing/2014/main" id="{45C86721-2E8E-4B33-9232-4B13F47AA574}"/>
+                  </a:ext>
+                </a:extLst>
+              </p:cNvPr>
+              <p:cNvSpPr txBox="1">
+                <a:spLocks noRot="1" noChangeAspect="1" noMove="1" noResize="1" noEditPoints="1" noAdjustHandles="1" noChangeArrowheads="1" noChangeShapeType="1" noTextEdit="1"/>
+              </p:cNvSpPr>
+              <p:nvPr/>
+            </p:nvSpPr>
+            <p:spPr>
+              <a:xfrm>
+                <a:off x="4168118" y="3876264"/>
+                <a:ext cx="804579" cy="382412"/>
+              </a:xfrm>
+              <a:prstGeom prst="rect">
+                <a:avLst/>
+              </a:prstGeom>
+              <a:blipFill>
+                <a:blip r:embed="rId3"/>
+                <a:stretch>
+                  <a:fillRect b="-12308"/>
+                </a:stretch>
+              </a:blipFill>
+              <a:ln>
+                <a:solidFill>
+                  <a:schemeClr val="tx1"/>
+                </a:solidFill>
+              </a:ln>
+            </p:spPr>
+            <p:txBody>
+              <a:bodyPr/>
+              <a:lstStyle/>
+              <a:p>
+                <a:r>
+                  <a:rPr lang="en-US">
+                    <a:noFill/>
+                  </a:rPr>
+                  <a:t> </a:t>
+                </a:r>
+              </a:p>
+            </p:txBody>
+          </p:sp>
+        </mc:Fallback>
+      </mc:AlternateContent>
+      <mc:AlternateContent xmlns:mc="http://schemas.openxmlformats.org/markup-compatibility/2006">
+        <mc:Choice xmlns:a14="http://schemas.microsoft.com/office/drawing/2010/main" Requires="a14">
+          <p:sp>
+            <p:nvSpPr>
+              <p:cNvPr id="245" name="TextBox 244">
+                <a:extLst>
+                  <a:ext uri="{FF2B5EF4-FFF2-40B4-BE49-F238E27FC236}">
+                    <a16:creationId xmlns:a16="http://schemas.microsoft.com/office/drawing/2014/main" id="{544302C8-1DDF-40A0-948F-44966DC49F96}"/>
+                  </a:ext>
+                </a:extLst>
+              </p:cNvPr>
+              <p:cNvSpPr txBox="1"/>
+              <p:nvPr/>
+            </p:nvSpPr>
+            <p:spPr>
+              <a:xfrm>
+                <a:off x="5385126" y="4419501"/>
+                <a:ext cx="667106" cy="382412"/>
+              </a:xfrm>
+              <a:prstGeom prst="rect">
+                <a:avLst/>
+              </a:prstGeom>
+              <a:noFill/>
+              <a:ln>
+                <a:solidFill>
+                  <a:srgbClr val="FF0000"/>
+                </a:solidFill>
+                <a:prstDash val="solid"/>
+              </a:ln>
+            </p:spPr>
+            <p:txBody>
+              <a:bodyPr wrap="none" rtlCol="0">
+                <a:spAutoFit/>
+              </a:bodyPr>
+              <a:lstStyle>
+                <a:defPPr>
+                  <a:defRPr lang="en-US"/>
+                </a:defPPr>
+                <a:lvl1pPr>
+                  <a:defRPr b="0" i="1">
+                    <a:solidFill>
+                      <a:srgbClr val="FF0000"/>
+                    </a:solidFill>
+                    <a:latin typeface="Cambria Math" panose="02040503050406030204" pitchFamily="18" charset="0"/>
+                  </a:defRPr>
+                </a:lvl1pPr>
+              </a:lstStyle>
+              <a:p>
+                <a:pPr/>
+                <a14:m>
+                  <m:oMathPara xmlns:m="http://schemas.openxmlformats.org/officeDocument/2006/math">
+                    <m:oMathParaPr>
+                      <m:jc m:val="centerGroup"/>
+                    </m:oMathParaPr>
+                    <m:oMath xmlns:m="http://schemas.openxmlformats.org/officeDocument/2006/math">
+                      <m:sSubSup>
+                        <m:sSubSupPr>
+                          <m:ctrlPr>
+                            <a:rPr lang="en-US" i="1">
+                              <a:latin typeface="Cambria Math" panose="02040503050406030204" pitchFamily="18" charset="0"/>
+                            </a:rPr>
+                          </m:ctrlPr>
+                        </m:sSubSupPr>
+                        <m:e>
+                          <m:r>
+                            <a:rPr lang="en-US">
+                              <a:latin typeface="Cambria Math" panose="02040503050406030204" pitchFamily="18" charset="0"/>
+                            </a:rPr>
+                            <m:t>{</m:t>
+                          </m:r>
+                          <m:r>
+                            <a:rPr lang="en-US">
+                              <a:latin typeface="Cambria Math" panose="02040503050406030204" pitchFamily="18" charset="0"/>
+                            </a:rPr>
+                            <m:t>𝑄</m:t>
+                          </m:r>
+                        </m:e>
+                        <m:sub>
+                          <m:r>
+                            <a:rPr lang="en-US">
+                              <a:latin typeface="Cambria Math" panose="02040503050406030204" pitchFamily="18" charset="0"/>
+                            </a:rPr>
+                            <m:t>𝑖</m:t>
+                          </m:r>
+                        </m:sub>
+                        <m:sup>
+                          <m:r>
+                            <a:rPr lang="en-US">
+                              <a:latin typeface="Cambria Math" panose="02040503050406030204" pitchFamily="18" charset="0"/>
+                            </a:rPr>
+                            <m:t>𝑡</m:t>
+                          </m:r>
+                        </m:sup>
+                      </m:sSubSup>
+                      <m:r>
+                        <a:rPr lang="en-US">
+                          <a:latin typeface="Cambria Math" panose="02040503050406030204" pitchFamily="18" charset="0"/>
+                        </a:rPr>
+                        <m:t>}</m:t>
+                      </m:r>
+                    </m:oMath>
+                  </m:oMathPara>
+                </a14:m>
+                <a:endParaRPr lang="en-US" dirty="0"/>
+              </a:p>
+            </p:txBody>
+          </p:sp>
+        </mc:Choice>
+        <mc:Fallback>
+          <p:sp>
+            <p:nvSpPr>
+              <p:cNvPr id="245" name="TextBox 244">
+                <a:extLst>
+                  <a:ext uri="{FF2B5EF4-FFF2-40B4-BE49-F238E27FC236}">
+                    <a16:creationId xmlns:a16="http://schemas.microsoft.com/office/drawing/2014/main" id="{544302C8-1DDF-40A0-948F-44966DC49F96}"/>
+                  </a:ext>
+                </a:extLst>
+              </p:cNvPr>
+              <p:cNvSpPr txBox="1">
+                <a:spLocks noRot="1" noChangeAspect="1" noMove="1" noResize="1" noEditPoints="1" noAdjustHandles="1" noChangeArrowheads="1" noChangeShapeType="1" noTextEdit="1"/>
+              </p:cNvSpPr>
+              <p:nvPr/>
+            </p:nvSpPr>
+            <p:spPr>
+              <a:xfrm>
+                <a:off x="5385126" y="4419501"/>
+                <a:ext cx="667106" cy="382412"/>
+              </a:xfrm>
+              <a:prstGeom prst="rect">
+                <a:avLst/>
+              </a:prstGeom>
+              <a:blipFill>
+                <a:blip r:embed="rId4"/>
+                <a:stretch>
+                  <a:fillRect b="-13846"/>
+                </a:stretch>
+              </a:blipFill>
+              <a:ln>
+                <a:solidFill>
+                  <a:srgbClr val="FF0000"/>
+                </a:solidFill>
+                <a:prstDash val="solid"/>
+              </a:ln>
+            </p:spPr>
+            <p:txBody>
+              <a:bodyPr/>
+              <a:lstStyle/>
+              <a:p>
+                <a:r>
+                  <a:rPr lang="en-US">
+                    <a:noFill/>
+                  </a:rPr>
+                  <a:t> </a:t>
+                </a:r>
+              </a:p>
+            </p:txBody>
+          </p:sp>
+        </mc:Fallback>
+      </mc:AlternateContent>
+      <mc:AlternateContent xmlns:mc="http://schemas.openxmlformats.org/markup-compatibility/2006">
+        <mc:Choice xmlns:a14="http://schemas.microsoft.com/office/drawing/2010/main" Requires="a14">
+          <p:sp>
+            <p:nvSpPr>
+              <p:cNvPr id="246" name="TextBox 245">
+                <a:extLst>
+                  <a:ext uri="{FF2B5EF4-FFF2-40B4-BE49-F238E27FC236}">
+                    <a16:creationId xmlns:a16="http://schemas.microsoft.com/office/drawing/2014/main" id="{74848601-150C-4C7F-AB34-CD6A36A86BCF}"/>
+                  </a:ext>
+                </a:extLst>
+              </p:cNvPr>
+              <p:cNvSpPr txBox="1"/>
+              <p:nvPr/>
+            </p:nvSpPr>
+            <p:spPr>
+              <a:xfrm>
+                <a:off x="3170192" y="3207024"/>
+                <a:ext cx="661848" cy="382412"/>
+              </a:xfrm>
+              <a:prstGeom prst="rect">
+                <a:avLst/>
+              </a:prstGeom>
+              <a:noFill/>
+              <a:ln>
+                <a:solidFill>
+                  <a:srgbClr val="FE0202"/>
+                </a:solidFill>
+                <a:prstDash val="dash"/>
+              </a:ln>
+            </p:spPr>
+            <p:txBody>
+              <a:bodyPr wrap="none" rtlCol="0">
+                <a:spAutoFit/>
+              </a:bodyPr>
+              <a:lstStyle/>
+              <a:p>
+                <a:pPr/>
+                <a14:m>
+                  <m:oMathPara xmlns:m="http://schemas.openxmlformats.org/officeDocument/2006/math">
+                    <m:oMathParaPr>
+                      <m:jc m:val="centerGroup"/>
+                    </m:oMathParaPr>
+                    <m:oMath xmlns:m="http://schemas.openxmlformats.org/officeDocument/2006/math">
+                      <m:sSubSup>
+                        <m:sSubSupPr>
+                          <m:ctrlPr>
+                            <a:rPr lang="en-US" b="0" i="1" dirty="0" smtClean="0">
+                              <a:solidFill>
+                                <a:srgbClr val="FE0202"/>
+                              </a:solidFill>
+                              <a:latin typeface="Cambria Math" panose="02040503050406030204" pitchFamily="18" charset="0"/>
+                            </a:rPr>
+                          </m:ctrlPr>
+                        </m:sSubSupPr>
+                        <m:e>
+                          <m:r>
+                            <a:rPr lang="en-US" b="0" i="1" dirty="0" smtClean="0">
+                              <a:solidFill>
+                                <a:srgbClr val="FE0202"/>
+                              </a:solidFill>
+                              <a:latin typeface="Cambria Math" panose="02040503050406030204" pitchFamily="18" charset="0"/>
+                            </a:rPr>
+                            <m:t>{</m:t>
+                          </m:r>
+                          <m:r>
+                            <a:rPr lang="en-US" i="1" dirty="0" smtClean="0">
+                              <a:solidFill>
+                                <a:srgbClr val="FE0202"/>
+                              </a:solidFill>
+                              <a:latin typeface="Cambria Math" panose="02040503050406030204" pitchFamily="18" charset="0"/>
+                            </a:rPr>
+                            <m:t>𝑉</m:t>
+                          </m:r>
+                        </m:e>
+                        <m:sub>
+                          <m:r>
+                            <a:rPr lang="en-US" b="0" i="1" dirty="0" smtClean="0">
+                              <a:solidFill>
+                                <a:srgbClr val="FE0202"/>
+                              </a:solidFill>
+                              <a:latin typeface="Cambria Math" panose="02040503050406030204" pitchFamily="18" charset="0"/>
+                            </a:rPr>
+                            <m:t>𝑖</m:t>
+                          </m:r>
+                        </m:sub>
+                        <m:sup>
+                          <m:r>
+                            <a:rPr lang="en-US" b="0" i="1" dirty="0" smtClean="0">
+                              <a:solidFill>
+                                <a:srgbClr val="FE0202"/>
+                              </a:solidFill>
+                              <a:latin typeface="Cambria Math" panose="02040503050406030204" pitchFamily="18" charset="0"/>
+                            </a:rPr>
+                            <m:t>𝑡</m:t>
+                          </m:r>
+                        </m:sup>
+                      </m:sSubSup>
+                      <m:r>
+                        <a:rPr lang="en-US" b="0" i="1" dirty="0" smtClean="0">
+                          <a:solidFill>
+                            <a:srgbClr val="FE0202"/>
+                          </a:solidFill>
+                          <a:latin typeface="Cambria Math" panose="02040503050406030204" pitchFamily="18" charset="0"/>
+                        </a:rPr>
+                        <m:t>}</m:t>
+                      </m:r>
+                    </m:oMath>
+                  </m:oMathPara>
+                </a14:m>
+                <a:endParaRPr lang="en-US" dirty="0">
+                  <a:solidFill>
+                    <a:srgbClr val="FE0202"/>
+                  </a:solidFill>
+                </a:endParaRPr>
+              </a:p>
+            </p:txBody>
+          </p:sp>
+        </mc:Choice>
+        <mc:Fallback>
+          <p:sp>
+            <p:nvSpPr>
+              <p:cNvPr id="246" name="TextBox 245">
+                <a:extLst>
+                  <a:ext uri="{FF2B5EF4-FFF2-40B4-BE49-F238E27FC236}">
+                    <a16:creationId xmlns:a16="http://schemas.microsoft.com/office/drawing/2014/main" id="{74848601-150C-4C7F-AB34-CD6A36A86BCF}"/>
+                  </a:ext>
+                </a:extLst>
+              </p:cNvPr>
+              <p:cNvSpPr txBox="1">
+                <a:spLocks noRot="1" noChangeAspect="1" noMove="1" noResize="1" noEditPoints="1" noAdjustHandles="1" noChangeArrowheads="1" noChangeShapeType="1" noTextEdit="1"/>
+              </p:cNvSpPr>
+              <p:nvPr/>
+            </p:nvSpPr>
+            <p:spPr>
+              <a:xfrm>
+                <a:off x="3170192" y="3207024"/>
+                <a:ext cx="661848" cy="382412"/>
+              </a:xfrm>
+              <a:prstGeom prst="rect">
+                <a:avLst/>
+              </a:prstGeom>
+              <a:blipFill>
+                <a:blip r:embed="rId5"/>
+                <a:stretch>
+                  <a:fillRect b="-12308"/>
+                </a:stretch>
+              </a:blipFill>
+              <a:ln>
+                <a:solidFill>
+                  <a:srgbClr val="FE0202"/>
+                </a:solidFill>
+                <a:prstDash val="dash"/>
+              </a:ln>
+            </p:spPr>
+            <p:txBody>
+              <a:bodyPr/>
+              <a:lstStyle/>
+              <a:p>
+                <a:r>
+                  <a:rPr lang="en-US">
+                    <a:noFill/>
+                  </a:rPr>
+                  <a:t> </a:t>
+                </a:r>
+              </a:p>
+            </p:txBody>
+          </p:sp>
+        </mc:Fallback>
+      </mc:AlternateContent>
+      <mc:AlternateContent xmlns:mc="http://schemas.openxmlformats.org/markup-compatibility/2006">
+        <mc:Choice xmlns:a14="http://schemas.microsoft.com/office/drawing/2010/main" Requires="a14">
+          <p:sp>
+            <p:nvSpPr>
+              <p:cNvPr id="247" name="TextBox 246">
+                <a:extLst>
+                  <a:ext uri="{FF2B5EF4-FFF2-40B4-BE49-F238E27FC236}">
+                    <a16:creationId xmlns:a16="http://schemas.microsoft.com/office/drawing/2014/main" id="{D4BEF0A4-2AB9-409A-A98E-7A840E1C2F3F}"/>
+                  </a:ext>
+                </a:extLst>
+              </p:cNvPr>
+              <p:cNvSpPr txBox="1"/>
+              <p:nvPr/>
+            </p:nvSpPr>
+            <p:spPr>
+              <a:xfrm>
+                <a:off x="4190161" y="4900786"/>
+                <a:ext cx="543995" cy="396647"/>
+              </a:xfrm>
+              <a:prstGeom prst="rect">
+                <a:avLst/>
+              </a:prstGeom>
+              <a:noFill/>
+              <a:ln>
+                <a:solidFill>
+                  <a:schemeClr val="tx1"/>
+                </a:solidFill>
+              </a:ln>
+            </p:spPr>
+            <p:txBody>
+              <a:bodyPr wrap="none" rtlCol="0">
+                <a:spAutoFit/>
+              </a:bodyPr>
+              <a:lstStyle/>
+              <a:p>
+                <a:pPr/>
+                <a14:m>
+                  <m:oMathPara xmlns:m="http://schemas.openxmlformats.org/officeDocument/2006/math">
+                    <m:oMathParaPr>
+                      <m:jc m:val="centerGroup"/>
+                    </m:oMathParaPr>
+                    <m:oMath xmlns:m="http://schemas.openxmlformats.org/officeDocument/2006/math">
+                      <m:sSubSup>
+                        <m:sSubSupPr>
+                          <m:ctrlPr>
+                            <a:rPr lang="en-US" b="0" i="1" smtClean="0">
+                              <a:latin typeface="Cambria Math" panose="02040503050406030204" pitchFamily="18" charset="0"/>
+                            </a:rPr>
+                          </m:ctrlPr>
+                        </m:sSubSupPr>
+                        <m:e>
+                          <m:r>
+                            <a:rPr lang="en-US" b="0" i="1" smtClean="0">
+                              <a:latin typeface="Cambria Math" panose="02040503050406030204" pitchFamily="18" charset="0"/>
+                            </a:rPr>
+                            <m:t>𝑄</m:t>
+                          </m:r>
+                        </m:e>
+                        <m:sub>
+                          <m:sSub>
+                            <m:sSubPr>
+                              <m:ctrlPr>
+                                <a:rPr lang="en-US" b="0" i="1" smtClean="0">
+                                  <a:latin typeface="Cambria Math" panose="02040503050406030204" pitchFamily="18" charset="0"/>
+                                </a:rPr>
+                              </m:ctrlPr>
+                            </m:sSubPr>
+                            <m:e>
+                              <m:r>
+                                <a:rPr lang="en-US" b="0" i="1" smtClean="0">
+                                  <a:latin typeface="Cambria Math" panose="02040503050406030204" pitchFamily="18" charset="0"/>
+                                </a:rPr>
+                                <m:t>𝑠</m:t>
+                              </m:r>
+                            </m:e>
+                            <m:sub>
+                              <m:r>
+                                <a:rPr lang="en-US" b="0" i="1" smtClean="0">
+                                  <a:latin typeface="Cambria Math" panose="02040503050406030204" pitchFamily="18" charset="0"/>
+                                </a:rPr>
+                                <m:t>𝑡</m:t>
+                              </m:r>
+                            </m:sub>
+                          </m:sSub>
+                        </m:sub>
+                        <m:sup>
+                          <m:r>
+                            <a:rPr lang="en-US" b="0" i="1" smtClean="0">
+                              <a:latin typeface="Cambria Math" panose="02040503050406030204" pitchFamily="18" charset="0"/>
+                            </a:rPr>
+                            <m:t>𝑡</m:t>
+                          </m:r>
+                        </m:sup>
+                      </m:sSubSup>
+                    </m:oMath>
+                  </m:oMathPara>
+                </a14:m>
+                <a:endParaRPr lang="en-US" dirty="0"/>
+              </a:p>
+            </p:txBody>
+          </p:sp>
+        </mc:Choice>
+        <mc:Fallback>
+          <p:sp>
+            <p:nvSpPr>
+              <p:cNvPr id="247" name="TextBox 246">
+                <a:extLst>
+                  <a:ext uri="{FF2B5EF4-FFF2-40B4-BE49-F238E27FC236}">
+                    <a16:creationId xmlns:a16="http://schemas.microsoft.com/office/drawing/2014/main" id="{D4BEF0A4-2AB9-409A-A98E-7A840E1C2F3F}"/>
+                  </a:ext>
+                </a:extLst>
+              </p:cNvPr>
+              <p:cNvSpPr txBox="1">
+                <a:spLocks noRot="1" noChangeAspect="1" noMove="1" noResize="1" noEditPoints="1" noAdjustHandles="1" noChangeArrowheads="1" noChangeShapeType="1" noTextEdit="1"/>
+              </p:cNvSpPr>
+              <p:nvPr/>
+            </p:nvSpPr>
+            <p:spPr>
+              <a:xfrm>
+                <a:off x="4190161" y="4900786"/>
+                <a:ext cx="543995" cy="396647"/>
+              </a:xfrm>
+              <a:prstGeom prst="rect">
+                <a:avLst/>
+              </a:prstGeom>
+              <a:blipFill>
+                <a:blip r:embed="rId6"/>
+                <a:stretch>
+                  <a:fillRect b="-1493"/>
+                </a:stretch>
+              </a:blipFill>
+              <a:ln>
+                <a:solidFill>
+                  <a:schemeClr val="tx1"/>
+                </a:solidFill>
+              </a:ln>
+            </p:spPr>
+            <p:txBody>
+              <a:bodyPr/>
+              <a:lstStyle/>
+              <a:p>
+                <a:r>
+                  <a:rPr lang="en-US">
+                    <a:noFill/>
+                  </a:rPr>
+                  <a:t> </a:t>
+                </a:r>
+              </a:p>
+            </p:txBody>
+          </p:sp>
+        </mc:Fallback>
+      </mc:AlternateContent>
+      <mc:AlternateContent xmlns:mc="http://schemas.openxmlformats.org/markup-compatibility/2006">
+        <mc:Choice xmlns:a14="http://schemas.microsoft.com/office/drawing/2010/main" Requires="a14">
+          <p:sp>
+            <p:nvSpPr>
+              <p:cNvPr id="248" name="TextBox 247">
+                <a:extLst>
+                  <a:ext uri="{FF2B5EF4-FFF2-40B4-BE49-F238E27FC236}">
+                    <a16:creationId xmlns:a16="http://schemas.microsoft.com/office/drawing/2014/main" id="{61550D6C-0B87-47E0-BA0A-4B8F09F9E838}"/>
+                  </a:ext>
+                </a:extLst>
+              </p:cNvPr>
+              <p:cNvSpPr txBox="1"/>
+              <p:nvPr/>
+            </p:nvSpPr>
+            <p:spPr>
+              <a:xfrm>
+                <a:off x="4329312" y="3207024"/>
+                <a:ext cx="701923" cy="399468"/>
+              </a:xfrm>
+              <a:prstGeom prst="rect">
+                <a:avLst/>
+              </a:prstGeom>
+              <a:noFill/>
+              <a:ln>
+                <a:solidFill>
+                  <a:srgbClr val="FE0202"/>
+                </a:solidFill>
+              </a:ln>
+            </p:spPr>
+            <p:txBody>
+              <a:bodyPr wrap="none" rtlCol="0">
+                <a:spAutoFit/>
+              </a:bodyPr>
+              <a:lstStyle/>
+              <a:p>
+                <a:pPr/>
+                <a14:m>
+                  <m:oMathPara xmlns:m="http://schemas.openxmlformats.org/officeDocument/2006/math">
+                    <m:oMathParaPr>
+                      <m:jc m:val="centerGroup"/>
+                    </m:oMathParaPr>
+                    <m:oMath xmlns:m="http://schemas.openxmlformats.org/officeDocument/2006/math">
+                      <m:sSubSup>
+                        <m:sSubSupPr>
+                          <m:ctrlPr>
+                            <a:rPr lang="en-US" b="0" i="1" dirty="0" smtClean="0">
+                              <a:solidFill>
+                                <a:srgbClr val="FF0000"/>
+                              </a:solidFill>
+                              <a:latin typeface="Cambria Math" panose="02040503050406030204" pitchFamily="18" charset="0"/>
+                            </a:rPr>
+                          </m:ctrlPr>
+                        </m:sSubSupPr>
+                        <m:e>
+                          <m:r>
+                            <a:rPr lang="en-US" i="1" dirty="0" err="1">
+                              <a:solidFill>
+                                <a:srgbClr val="FF0000"/>
+                              </a:solidFill>
+                              <a:latin typeface="Cambria Math" panose="02040503050406030204" pitchFamily="18" charset="0"/>
+                            </a:rPr>
+                            <m:t>𝑉</m:t>
+                          </m:r>
+                        </m:e>
+                        <m:sub>
+                          <m:sSub>
+                            <m:sSubPr>
+                              <m:ctrlPr>
+                                <a:rPr lang="en-US" b="0" i="1" dirty="0" smtClean="0">
+                                  <a:solidFill>
+                                    <a:srgbClr val="FF0000"/>
+                                  </a:solidFill>
+                                  <a:latin typeface="Cambria Math" panose="02040503050406030204" pitchFamily="18" charset="0"/>
+                                </a:rPr>
+                              </m:ctrlPr>
+                            </m:sSubPr>
+                            <m:e>
+                              <m:r>
+                                <a:rPr lang="en-US" b="0" i="1" dirty="0" smtClean="0">
+                                  <a:solidFill>
+                                    <a:srgbClr val="FF0000"/>
+                                  </a:solidFill>
+                                  <a:latin typeface="Cambria Math" panose="02040503050406030204" pitchFamily="18" charset="0"/>
+                                </a:rPr>
+                                <m:t>𝑠</m:t>
+                              </m:r>
+                            </m:e>
+                            <m:sub>
+                              <m:r>
+                                <a:rPr lang="en-US" b="0" i="1" dirty="0" smtClean="0">
+                                  <a:solidFill>
+                                    <a:srgbClr val="FF0000"/>
+                                  </a:solidFill>
+                                  <a:latin typeface="Cambria Math" panose="02040503050406030204" pitchFamily="18" charset="0"/>
+                                </a:rPr>
+                                <m:t>𝑡</m:t>
+                              </m:r>
+                            </m:sub>
+                          </m:sSub>
+                        </m:sub>
+                        <m:sup>
+                          <m:r>
+                            <a:rPr lang="en-US" b="0" i="1" dirty="0" smtClean="0">
+                              <a:solidFill>
+                                <a:srgbClr val="FF0000"/>
+                              </a:solidFill>
+                              <a:latin typeface="Cambria Math" panose="02040503050406030204" pitchFamily="18" charset="0"/>
+                            </a:rPr>
+                            <m:t>𝑡</m:t>
+                          </m:r>
+                          <m:r>
+                            <a:rPr lang="en-US" b="0" i="1" dirty="0" smtClean="0">
+                              <a:solidFill>
+                                <a:srgbClr val="FF0000"/>
+                              </a:solidFill>
+                              <a:latin typeface="Cambria Math" panose="02040503050406030204" pitchFamily="18" charset="0"/>
+                            </a:rPr>
+                            <m:t>−1</m:t>
+                          </m:r>
+                        </m:sup>
+                      </m:sSubSup>
+                    </m:oMath>
+                  </m:oMathPara>
+                </a14:m>
+                <a:endParaRPr lang="en-US" dirty="0">
+                  <a:solidFill>
+                    <a:srgbClr val="FF0000"/>
+                  </a:solidFill>
+                </a:endParaRPr>
+              </a:p>
+            </p:txBody>
+          </p:sp>
+        </mc:Choice>
+        <mc:Fallback>
+          <p:sp>
+            <p:nvSpPr>
+              <p:cNvPr id="248" name="TextBox 247">
+                <a:extLst>
+                  <a:ext uri="{FF2B5EF4-FFF2-40B4-BE49-F238E27FC236}">
+                    <a16:creationId xmlns:a16="http://schemas.microsoft.com/office/drawing/2014/main" id="{61550D6C-0B87-47E0-BA0A-4B8F09F9E838}"/>
+                  </a:ext>
+                </a:extLst>
+              </p:cNvPr>
+              <p:cNvSpPr txBox="1">
+                <a:spLocks noRot="1" noChangeAspect="1" noMove="1" noResize="1" noEditPoints="1" noAdjustHandles="1" noChangeArrowheads="1" noChangeShapeType="1" noTextEdit="1"/>
+              </p:cNvSpPr>
+              <p:nvPr/>
+            </p:nvSpPr>
+            <p:spPr>
+              <a:xfrm>
+                <a:off x="4329312" y="3207024"/>
+                <a:ext cx="701923" cy="399468"/>
+              </a:xfrm>
+              <a:prstGeom prst="rect">
+                <a:avLst/>
+              </a:prstGeom>
+              <a:blipFill>
+                <a:blip r:embed="rId7"/>
+                <a:stretch>
+                  <a:fillRect/>
+                </a:stretch>
+              </a:blipFill>
+              <a:ln>
+                <a:solidFill>
+                  <a:srgbClr val="FE0202"/>
+                </a:solidFill>
+              </a:ln>
+            </p:spPr>
+            <p:txBody>
+              <a:bodyPr/>
+              <a:lstStyle/>
+              <a:p>
+                <a:r>
+                  <a:rPr lang="en-US">
+                    <a:noFill/>
+                  </a:rPr>
+                  <a:t> </a:t>
+                </a:r>
+              </a:p>
+            </p:txBody>
+          </p:sp>
+        </mc:Fallback>
+      </mc:AlternateContent>
+      <mc:AlternateContent xmlns:mc="http://schemas.openxmlformats.org/markup-compatibility/2006">
+        <mc:Choice xmlns:a14="http://schemas.microsoft.com/office/drawing/2010/main" Requires="a14">
+          <p:sp>
+            <p:nvSpPr>
+              <p:cNvPr id="249" name="TextBox 248">
+                <a:extLst>
+                  <a:ext uri="{FF2B5EF4-FFF2-40B4-BE49-F238E27FC236}">
+                    <a16:creationId xmlns:a16="http://schemas.microsoft.com/office/drawing/2014/main" id="{9D9B0482-4DFA-4704-BB24-D7891F75C9B3}"/>
+                  </a:ext>
+                </a:extLst>
+              </p:cNvPr>
+              <p:cNvSpPr txBox="1"/>
+              <p:nvPr/>
+            </p:nvSpPr>
+            <p:spPr>
+              <a:xfrm>
+                <a:off x="3361437" y="2464518"/>
+                <a:ext cx="896399" cy="369332"/>
+              </a:xfrm>
+              <a:prstGeom prst="rect">
+                <a:avLst/>
+              </a:prstGeom>
+              <a:noFill/>
+              <a:ln>
+                <a:solidFill>
+                  <a:schemeClr val="tx1"/>
+                </a:solidFill>
+              </a:ln>
+            </p:spPr>
+            <p:txBody>
+              <a:bodyPr wrap="none" rtlCol="0">
+                <a:spAutoFit/>
+              </a:bodyPr>
+              <a:lstStyle/>
+              <a:p>
+                <a:pPr/>
+                <a14:m>
+                  <m:oMathPara xmlns:m="http://schemas.openxmlformats.org/officeDocument/2006/math">
+                    <m:oMathParaPr>
+                      <m:jc m:val="centerGroup"/>
+                    </m:oMathParaPr>
+                    <m:oMath xmlns:m="http://schemas.openxmlformats.org/officeDocument/2006/math">
+                      <m:r>
+                        <a:rPr lang="en-US" b="0" i="1" smtClean="0">
+                          <a:latin typeface="Cambria Math" panose="02040503050406030204" pitchFamily="18" charset="0"/>
+                        </a:rPr>
+                        <m:t>𝑎𝑡</m:t>
+                      </m:r>
+                      <m:sSup>
+                        <m:sSupPr>
+                          <m:ctrlPr>
+                            <a:rPr lang="en-US" b="0" i="1" smtClean="0">
+                              <a:latin typeface="Cambria Math" panose="02040503050406030204" pitchFamily="18" charset="0"/>
+                            </a:rPr>
+                          </m:ctrlPr>
+                        </m:sSupPr>
+                        <m:e>
+                          <m:r>
+                            <a:rPr lang="en-US" b="0" i="1" smtClean="0">
+                              <a:latin typeface="Cambria Math" panose="02040503050406030204" pitchFamily="18" charset="0"/>
+                            </a:rPr>
+                            <m:t>𝑒</m:t>
+                          </m:r>
+                        </m:e>
+                        <m:sup>
+                          <m:r>
+                            <a:rPr lang="en-US" b="0" i="1" smtClean="0">
+                              <a:latin typeface="Cambria Math" panose="02040503050406030204" pitchFamily="18" charset="0"/>
+                            </a:rPr>
+                            <m:t>𝑡</m:t>
+                          </m:r>
+                          <m:r>
+                            <a:rPr lang="en-US" b="0" i="1" smtClean="0">
+                              <a:latin typeface="Cambria Math" panose="02040503050406030204" pitchFamily="18" charset="0"/>
+                            </a:rPr>
+                            <m:t>−1</m:t>
+                          </m:r>
+                        </m:sup>
+                      </m:sSup>
+                    </m:oMath>
+                  </m:oMathPara>
+                </a14:m>
+                <a:endParaRPr lang="en-US" dirty="0"/>
+              </a:p>
+            </p:txBody>
+          </p:sp>
+        </mc:Choice>
+        <mc:Fallback>
+          <p:sp>
+            <p:nvSpPr>
+              <p:cNvPr id="249" name="TextBox 248">
+                <a:extLst>
+                  <a:ext uri="{FF2B5EF4-FFF2-40B4-BE49-F238E27FC236}">
+                    <a16:creationId xmlns:a16="http://schemas.microsoft.com/office/drawing/2014/main" id="{9D9B0482-4DFA-4704-BB24-D7891F75C9B3}"/>
+                  </a:ext>
+                </a:extLst>
+              </p:cNvPr>
+              <p:cNvSpPr txBox="1">
+                <a:spLocks noRot="1" noChangeAspect="1" noMove="1" noResize="1" noEditPoints="1" noAdjustHandles="1" noChangeArrowheads="1" noChangeShapeType="1" noTextEdit="1"/>
+              </p:cNvSpPr>
+              <p:nvPr/>
+            </p:nvSpPr>
+            <p:spPr>
+              <a:xfrm>
+                <a:off x="3361437" y="2464518"/>
+                <a:ext cx="896399" cy="369332"/>
+              </a:xfrm>
+              <a:prstGeom prst="rect">
+                <a:avLst/>
+              </a:prstGeom>
+              <a:blipFill>
+                <a:blip r:embed="rId8"/>
+                <a:stretch>
+                  <a:fillRect/>
+                </a:stretch>
+              </a:blipFill>
+              <a:ln>
+                <a:solidFill>
+                  <a:schemeClr val="tx1"/>
+                </a:solidFill>
+              </a:ln>
+            </p:spPr>
+            <p:txBody>
+              <a:bodyPr/>
+              <a:lstStyle/>
+              <a:p>
+                <a:r>
+                  <a:rPr lang="en-US">
+                    <a:noFill/>
+                  </a:rPr>
+                  <a:t> </a:t>
+                </a:r>
+              </a:p>
+            </p:txBody>
+          </p:sp>
+        </mc:Fallback>
+      </mc:AlternateContent>
+      <mc:AlternateContent xmlns:mc="http://schemas.openxmlformats.org/markup-compatibility/2006">
+        <mc:Choice xmlns:a14="http://schemas.microsoft.com/office/drawing/2010/main" Requires="a14">
+          <p:sp>
+            <p:nvSpPr>
+              <p:cNvPr id="250" name="TextBox 249">
+                <a:extLst>
+                  <a:ext uri="{FF2B5EF4-FFF2-40B4-BE49-F238E27FC236}">
+                    <a16:creationId xmlns:a16="http://schemas.microsoft.com/office/drawing/2014/main" id="{73AF0986-DA4A-4A5D-B6BC-15FC6CB81319}"/>
+                  </a:ext>
+                </a:extLst>
+              </p:cNvPr>
+              <p:cNvSpPr txBox="1"/>
+              <p:nvPr/>
+            </p:nvSpPr>
+            <p:spPr>
+              <a:xfrm>
+                <a:off x="5784264" y="2504978"/>
+                <a:ext cx="665247" cy="369332"/>
+              </a:xfrm>
+              <a:prstGeom prst="rect">
+                <a:avLst/>
+              </a:prstGeom>
+              <a:noFill/>
+              <a:ln>
+                <a:solidFill>
+                  <a:schemeClr val="tx1"/>
+                </a:solidFill>
+              </a:ln>
+            </p:spPr>
+            <p:txBody>
+              <a:bodyPr wrap="none" rtlCol="0">
+                <a:spAutoFit/>
+              </a:bodyPr>
+              <a:lstStyle/>
+              <a:p>
+                <a:pPr/>
+                <a14:m>
+                  <m:oMathPara xmlns:m="http://schemas.openxmlformats.org/officeDocument/2006/math">
+                    <m:oMathParaPr>
+                      <m:jc m:val="centerGroup"/>
+                    </m:oMathParaPr>
+                    <m:oMath xmlns:m="http://schemas.openxmlformats.org/officeDocument/2006/math">
+                      <m:sSup>
+                        <m:sSupPr>
+                          <m:ctrlPr>
+                            <a:rPr lang="en-US" b="0" i="1" smtClean="0">
+                              <a:latin typeface="Cambria Math" panose="02040503050406030204" pitchFamily="18" charset="0"/>
+                            </a:rPr>
+                          </m:ctrlPr>
+                        </m:sSupPr>
+                        <m:e>
+                          <m:r>
+                            <a:rPr lang="en-US" b="0" i="1" smtClean="0">
+                              <a:latin typeface="Cambria Math" panose="02040503050406030204" pitchFamily="18" charset="0"/>
+                            </a:rPr>
+                            <m:t>𝑟</m:t>
+                          </m:r>
+                        </m:e>
+                        <m:sup>
+                          <m:r>
+                            <a:rPr lang="en-US" b="0" i="1" smtClean="0">
+                              <a:latin typeface="Cambria Math" panose="02040503050406030204" pitchFamily="18" charset="0"/>
+                            </a:rPr>
+                            <m:t>𝑡</m:t>
+                          </m:r>
+                          <m:r>
+                            <a:rPr lang="en-US" b="0" i="1" smtClean="0">
+                              <a:latin typeface="Cambria Math" panose="02040503050406030204" pitchFamily="18" charset="0"/>
+                            </a:rPr>
+                            <m:t>−1</m:t>
+                          </m:r>
+                        </m:sup>
+                      </m:sSup>
+                    </m:oMath>
+                  </m:oMathPara>
+                </a14:m>
+                <a:endParaRPr lang="en-US" dirty="0"/>
+              </a:p>
+            </p:txBody>
+          </p:sp>
+        </mc:Choice>
+        <mc:Fallback>
+          <p:sp>
+            <p:nvSpPr>
+              <p:cNvPr id="250" name="TextBox 249">
+                <a:extLst>
+                  <a:ext uri="{FF2B5EF4-FFF2-40B4-BE49-F238E27FC236}">
+                    <a16:creationId xmlns:a16="http://schemas.microsoft.com/office/drawing/2014/main" id="{73AF0986-DA4A-4A5D-B6BC-15FC6CB81319}"/>
+                  </a:ext>
+                </a:extLst>
+              </p:cNvPr>
+              <p:cNvSpPr txBox="1">
+                <a:spLocks noRot="1" noChangeAspect="1" noMove="1" noResize="1" noEditPoints="1" noAdjustHandles="1" noChangeArrowheads="1" noChangeShapeType="1" noTextEdit="1"/>
+              </p:cNvSpPr>
+              <p:nvPr/>
+            </p:nvSpPr>
+            <p:spPr>
+              <a:xfrm>
+                <a:off x="5784264" y="2504978"/>
+                <a:ext cx="665247" cy="369332"/>
+              </a:xfrm>
+              <a:prstGeom prst="rect">
+                <a:avLst/>
+              </a:prstGeom>
+              <a:blipFill>
+                <a:blip r:embed="rId9"/>
+                <a:stretch>
+                  <a:fillRect/>
+                </a:stretch>
+              </a:blipFill>
+              <a:ln>
+                <a:solidFill>
+                  <a:schemeClr val="tx1"/>
+                </a:solidFill>
+              </a:ln>
+            </p:spPr>
+            <p:txBody>
+              <a:bodyPr/>
+              <a:lstStyle/>
+              <a:p>
+                <a:r>
+                  <a:rPr lang="en-US">
+                    <a:noFill/>
+                  </a:rPr>
+                  <a:t> </a:t>
+                </a:r>
+              </a:p>
+            </p:txBody>
+          </p:sp>
+        </mc:Fallback>
+      </mc:AlternateContent>
+      <mc:AlternateContent xmlns:mc="http://schemas.openxmlformats.org/markup-compatibility/2006">
+        <mc:Choice xmlns:a14="http://schemas.microsoft.com/office/drawing/2010/main" Requires="a14">
+          <p:sp>
+            <p:nvSpPr>
+              <p:cNvPr id="251" name="TextBox 250">
+                <a:extLst>
+                  <a:ext uri="{FF2B5EF4-FFF2-40B4-BE49-F238E27FC236}">
+                    <a16:creationId xmlns:a16="http://schemas.microsoft.com/office/drawing/2014/main" id="{DA9C3431-5102-456C-A8FC-AAAEBF9B57F8}"/>
+                  </a:ext>
+                </a:extLst>
+              </p:cNvPr>
+              <p:cNvSpPr txBox="1"/>
+              <p:nvPr/>
+            </p:nvSpPr>
+            <p:spPr>
+              <a:xfrm>
+                <a:off x="5767637" y="3250367"/>
+                <a:ext cx="698268" cy="369332"/>
+              </a:xfrm>
+              <a:prstGeom prst="rect">
+                <a:avLst/>
+              </a:prstGeom>
+              <a:noFill/>
+              <a:ln>
+                <a:solidFill>
+                  <a:schemeClr val="tx1"/>
+                </a:solidFill>
+              </a:ln>
+            </p:spPr>
+            <p:txBody>
+              <a:bodyPr wrap="none" rtlCol="0">
+                <a:spAutoFit/>
+              </a:bodyPr>
+              <a:lstStyle/>
+              <a:p>
+                <a:pPr/>
+                <a14:m>
+                  <m:oMathPara xmlns:m="http://schemas.openxmlformats.org/officeDocument/2006/math">
+                    <m:oMathParaPr>
+                      <m:jc m:val="centerGroup"/>
+                    </m:oMathParaPr>
+                    <m:oMath xmlns:m="http://schemas.openxmlformats.org/officeDocument/2006/math">
+                      <m:sSup>
+                        <m:sSupPr>
+                          <m:ctrlPr>
+                            <a:rPr lang="en-US" b="0" i="1" smtClean="0">
+                              <a:latin typeface="Cambria Math" panose="02040503050406030204" pitchFamily="18" charset="0"/>
+                            </a:rPr>
+                          </m:ctrlPr>
+                        </m:sSupPr>
+                        <m:e>
+                          <m:r>
+                            <a:rPr lang="en-US" b="0" i="1" smtClean="0">
+                              <a:latin typeface="Cambria Math" panose="02040503050406030204" pitchFamily="18" charset="0"/>
+                            </a:rPr>
+                            <m:t>𝐸</m:t>
+                          </m:r>
+                        </m:e>
+                        <m:sup>
+                          <m:r>
+                            <a:rPr lang="en-US" b="0" i="1" smtClean="0">
+                              <a:latin typeface="Cambria Math" panose="02040503050406030204" pitchFamily="18" charset="0"/>
+                            </a:rPr>
+                            <m:t>𝑡</m:t>
+                          </m:r>
+                          <m:r>
+                            <a:rPr lang="en-US" b="0" i="1" smtClean="0">
+                              <a:latin typeface="Cambria Math" panose="02040503050406030204" pitchFamily="18" charset="0"/>
+                            </a:rPr>
+                            <m:t>−1</m:t>
+                          </m:r>
+                        </m:sup>
+                      </m:sSup>
+                    </m:oMath>
+                  </m:oMathPara>
+                </a14:m>
+                <a:endParaRPr lang="en-US" dirty="0"/>
+              </a:p>
+            </p:txBody>
+          </p:sp>
+        </mc:Choice>
+        <mc:Fallback>
+          <p:sp>
+            <p:nvSpPr>
+              <p:cNvPr id="251" name="TextBox 250">
+                <a:extLst>
+                  <a:ext uri="{FF2B5EF4-FFF2-40B4-BE49-F238E27FC236}">
+                    <a16:creationId xmlns:a16="http://schemas.microsoft.com/office/drawing/2014/main" id="{DA9C3431-5102-456C-A8FC-AAAEBF9B57F8}"/>
+                  </a:ext>
+                </a:extLst>
+              </p:cNvPr>
+              <p:cNvSpPr txBox="1">
+                <a:spLocks noRot="1" noChangeAspect="1" noMove="1" noResize="1" noEditPoints="1" noAdjustHandles="1" noChangeArrowheads="1" noChangeShapeType="1" noTextEdit="1"/>
+              </p:cNvSpPr>
+              <p:nvPr/>
+            </p:nvSpPr>
+            <p:spPr>
+              <a:xfrm>
+                <a:off x="5767637" y="3250367"/>
+                <a:ext cx="698268" cy="369332"/>
+              </a:xfrm>
+              <a:prstGeom prst="rect">
+                <a:avLst/>
+              </a:prstGeom>
+              <a:blipFill>
+                <a:blip r:embed="rId10"/>
+                <a:stretch>
+                  <a:fillRect/>
+                </a:stretch>
+              </a:blipFill>
+              <a:ln>
+                <a:solidFill>
+                  <a:schemeClr val="tx1"/>
+                </a:solidFill>
+              </a:ln>
+            </p:spPr>
+            <p:txBody>
+              <a:bodyPr/>
+              <a:lstStyle/>
+              <a:p>
+                <a:r>
+                  <a:rPr lang="en-US">
+                    <a:noFill/>
+                  </a:rPr>
+                  <a:t> </a:t>
+                </a:r>
+              </a:p>
+            </p:txBody>
+          </p:sp>
+        </mc:Fallback>
+      </mc:AlternateContent>
       <mc:AlternateContent xmlns:mc="http://schemas.openxmlformats.org/markup-compatibility/2006">
         <mc:Choice xmlns:a14="http://schemas.microsoft.com/office/drawing/2010/main" Requires="a14">
           <p:sp>
@@ -15070,7 +19145,7 @@
             </p:nvSpPr>
             <p:spPr>
               <a:xfrm>
-                <a:off x="6466067" y="2864019"/>
+                <a:off x="7088976" y="3251002"/>
                 <a:ext cx="681918" cy="369332"/>
               </a:xfrm>
               <a:prstGeom prst="rect">
@@ -15136,7 +19211,7 @@
             </p:nvSpPr>
             <p:spPr>
               <a:xfrm>
-                <a:off x="6466067" y="2864019"/>
+                <a:off x="7088976" y="3251002"/>
                 <a:ext cx="681918" cy="369332"/>
               </a:xfrm>
               <a:prstGeom prst="rect">
@@ -15145,7 +19220,7 @@
               <a:blipFill>
                 <a:blip r:embed="rId11"/>
                 <a:stretch>
-                  <a:fillRect b="-8065"/>
+                  <a:fillRect b="-7937"/>
                 </a:stretch>
               </a:blipFill>
               <a:ln>
@@ -15186,7 +19261,7 @@
         </p:nvCxnSpPr>
         <p:spPr>
           <a:xfrm>
-            <a:off x="3634927" y="2262201"/>
+            <a:off x="4257836" y="2649184"/>
             <a:ext cx="1526428" cy="40460"/>
           </a:xfrm>
           <a:prstGeom prst="straightConnector1">
@@ -15228,7 +19303,7 @@
         </p:nvCxnSpPr>
         <p:spPr>
           <a:xfrm>
-            <a:off x="3094371" y="3673947"/>
+            <a:off x="3717280" y="4060930"/>
             <a:ext cx="450838" cy="6540"/>
           </a:xfrm>
           <a:prstGeom prst="straightConnector1">
@@ -15263,6 +19338,7 @@
             </a:extLst>
           </p:cNvPr>
           <p:cNvCxnSpPr>
+            <a:cxnSpLocks/>
             <a:stCxn id="246" idx="3"/>
             <a:endCxn id="248" idx="1"/>
           </p:cNvCxnSpPr>
@@ -15270,7 +19346,7 @@
         </p:nvCxnSpPr>
         <p:spPr>
           <a:xfrm>
-            <a:off x="3209131" y="3011247"/>
+            <a:off x="3832040" y="3398230"/>
             <a:ext cx="497272" cy="8528"/>
           </a:xfrm>
           <a:prstGeom prst="straightConnector1">
@@ -15317,8 +19393,8 @@
         </p:nvCxnSpPr>
         <p:spPr>
           <a:xfrm flipH="1">
-            <a:off x="3839250" y="4102208"/>
-            <a:ext cx="736596" cy="411595"/>
+            <a:off x="4462159" y="4610707"/>
+            <a:ext cx="922967" cy="290079"/>
           </a:xfrm>
           <a:prstGeom prst="straightConnector1">
             <a:avLst/>
@@ -15362,7 +19438,7 @@
         </p:nvCxnSpPr>
         <p:spPr>
           <a:xfrm>
-            <a:off x="4408326" y="3019775"/>
+            <a:off x="5031235" y="3406758"/>
             <a:ext cx="736402" cy="28275"/>
           </a:xfrm>
           <a:prstGeom prst="straightConnector1">
@@ -15404,8 +19480,8 @@
         </p:nvSpPr>
         <p:spPr>
           <a:xfrm>
-            <a:off x="2621714" y="5306093"/>
-            <a:ext cx="1415580" cy="369332"/>
+            <a:off x="4006087" y="5702156"/>
+            <a:ext cx="935962" cy="369332"/>
           </a:xfrm>
           <a:prstGeom prst="rect">
             <a:avLst/>
@@ -15425,7 +19501,7 @@
           <a:p>
             <a:r>
               <a:rPr lang="en-US" dirty="0" err="1"/>
-              <a:t>nextActivePC</a:t>
+              <a:t>softmax</a:t>
             </a:r>
             <a:endParaRPr lang="en-US" dirty="0"/>
           </a:p>
@@ -15445,8 +19521,101 @@
         </p:nvSpPr>
         <p:spPr>
           <a:xfrm>
-            <a:off x="4431775" y="4546046"/>
+            <a:off x="5206275" y="4978711"/>
             <a:ext cx="589713" cy="369332"/>
+          </a:xfrm>
+          <a:prstGeom prst="rect">
+            <a:avLst/>
+          </a:prstGeom>
+          <a:noFill/>
+          <a:ln>
+            <a:solidFill>
+              <a:schemeClr val="bg2"/>
+            </a:solidFill>
+          </a:ln>
+        </p:spPr>
+        <p:txBody>
+          <a:bodyPr wrap="none" rtlCol="0">
+            <a:spAutoFit/>
+          </a:bodyPr>
+          <a:lstStyle/>
+          <a:p>
+            <a:r>
+              <a:rPr lang="en-US" dirty="0">
+                <a:solidFill>
+                  <a:schemeClr val="bg2"/>
+                </a:solidFill>
+              </a:rPr>
+              <a:t>Max</a:t>
+            </a:r>
+          </a:p>
+        </p:txBody>
+      </p:sp>
+      <p:sp>
+        <p:nvSpPr>
+          <p:cNvPr id="260" name="TextBox 259">
+            <a:extLst>
+              <a:ext uri="{FF2B5EF4-FFF2-40B4-BE49-F238E27FC236}">
+                <a16:creationId xmlns:a16="http://schemas.microsoft.com/office/drawing/2014/main" id="{C8537432-FF88-4442-87D5-8AC32ABA25AB}"/>
+              </a:ext>
+            </a:extLst>
+          </p:cNvPr>
+          <p:cNvSpPr txBox="1"/>
+          <p:nvPr/>
+        </p:nvSpPr>
+        <p:spPr>
+          <a:xfrm>
+            <a:off x="6024032" y="4953525"/>
+            <a:ext cx="732380" cy="369332"/>
+          </a:xfrm>
+          <a:prstGeom prst="rect">
+            <a:avLst/>
+          </a:prstGeom>
+          <a:noFill/>
+          <a:ln>
+            <a:solidFill>
+              <a:schemeClr val="bg2"/>
+            </a:solidFill>
+          </a:ln>
+        </p:spPr>
+        <p:txBody>
+          <a:bodyPr wrap="none" rtlCol="0">
+            <a:spAutoFit/>
+          </a:bodyPr>
+          <a:lstStyle/>
+          <a:p>
+            <a:r>
+              <a:rPr lang="en-US" dirty="0" err="1">
+                <a:solidFill>
+                  <a:schemeClr val="bg2"/>
+                </a:solidFill>
+              </a:rPr>
+              <a:t>isMax</a:t>
+            </a:r>
+            <a:endParaRPr lang="en-US" dirty="0">
+              <a:solidFill>
+                <a:schemeClr val="bg2"/>
+              </a:solidFill>
+            </a:endParaRPr>
+          </a:p>
+        </p:txBody>
+      </p:sp>
+      <p:sp>
+        <p:nvSpPr>
+          <p:cNvPr id="261" name="TextBox 260">
+            <a:extLst>
+              <a:ext uri="{FF2B5EF4-FFF2-40B4-BE49-F238E27FC236}">
+                <a16:creationId xmlns:a16="http://schemas.microsoft.com/office/drawing/2014/main" id="{00D46541-8B65-44BB-83CA-B14D839DA7F5}"/>
+              </a:ext>
+            </a:extLst>
+          </p:cNvPr>
+          <p:cNvSpPr txBox="1"/>
+          <p:nvPr/>
+        </p:nvSpPr>
+        <p:spPr>
+          <a:xfrm>
+            <a:off x="5175815" y="5702156"/>
+            <a:ext cx="426720" cy="369332"/>
           </a:xfrm>
           <a:prstGeom prst="rect">
             <a:avLst/>
@@ -15466,17 +19635,17 @@
           <a:p>
             <a:r>
               <a:rPr lang="en-US" dirty="0"/>
-              <a:t>Max</a:t>
+              <a:t>B1</a:t>
             </a:r>
           </a:p>
         </p:txBody>
       </p:sp>
       <p:sp>
         <p:nvSpPr>
-          <p:cNvPr id="260" name="TextBox 259">
+          <p:cNvPr id="262" name="TextBox 261">
             <a:extLst>
               <a:ext uri="{FF2B5EF4-FFF2-40B4-BE49-F238E27FC236}">
-                <a16:creationId xmlns:a16="http://schemas.microsoft.com/office/drawing/2014/main" id="{C8537432-FF88-4442-87D5-8AC32ABA25AB}"/>
+                <a16:creationId xmlns:a16="http://schemas.microsoft.com/office/drawing/2014/main" id="{7A923FA2-CB35-4086-A284-6172C9625007}"/>
               </a:ext>
             </a:extLst>
           </p:cNvPr>
@@ -15485,8 +19654,8 @@
         </p:nvSpPr>
         <p:spPr>
           <a:xfrm>
-            <a:off x="5401123" y="4566542"/>
-            <a:ext cx="732380" cy="369332"/>
+            <a:off x="5773819" y="5689242"/>
+            <a:ext cx="426720" cy="369332"/>
           </a:xfrm>
           <a:prstGeom prst="rect">
             <a:avLst/>
@@ -15505,51 +19674,9 @@
           <a:lstStyle/>
           <a:p>
             <a:r>
-              <a:rPr lang="en-US" dirty="0" err="1"/>
-              <a:t>isMax</a:t>
+              <a:rPr lang="en-US" dirty="0"/>
+              <a:t>B2</a:t>
             </a:r>
-            <a:endParaRPr lang="en-US" dirty="0"/>
-          </a:p>
-        </p:txBody>
-      </p:sp>
-      <p:sp>
-        <p:nvSpPr>
-          <p:cNvPr id="261" name="TextBox 260">
-            <a:extLst>
-              <a:ext uri="{FF2B5EF4-FFF2-40B4-BE49-F238E27FC236}">
-                <a16:creationId xmlns:a16="http://schemas.microsoft.com/office/drawing/2014/main" id="{00D46541-8B65-44BB-83CA-B14D839DA7F5}"/>
-              </a:ext>
-            </a:extLst>
-          </p:cNvPr>
-          <p:cNvSpPr txBox="1"/>
-          <p:nvPr/>
-        </p:nvSpPr>
-        <p:spPr>
-          <a:xfrm>
-            <a:off x="4312321" y="5315173"/>
-            <a:ext cx="921086" cy="369332"/>
-          </a:xfrm>
-          <a:prstGeom prst="rect">
-            <a:avLst/>
-          </a:prstGeom>
-          <a:noFill/>
-          <a:ln>
-            <a:solidFill>
-              <a:schemeClr val="tx1"/>
-            </a:solidFill>
-          </a:ln>
-        </p:spPr>
-        <p:txBody>
-          <a:bodyPr wrap="none" rtlCol="0">
-            <a:spAutoFit/>
-          </a:bodyPr>
-          <a:lstStyle/>
-          <a:p>
-            <a:r>
-              <a:rPr lang="en-US" dirty="0" err="1"/>
-              <a:t>nextPos</a:t>
-            </a:r>
-            <a:endParaRPr lang="en-US" dirty="0"/>
           </a:p>
         </p:txBody>
       </p:sp>
@@ -15569,7 +19696,7 @@
             </p:nvSpPr>
             <p:spPr>
               <a:xfrm>
-                <a:off x="5852657" y="5300816"/>
+                <a:off x="6976349" y="5687799"/>
                 <a:ext cx="453586" cy="369332"/>
               </a:xfrm>
               <a:prstGeom prst="rect">
@@ -15645,7 +19772,7 @@
             </p:nvSpPr>
             <p:spPr>
               <a:xfrm>
-                <a:off x="5852657" y="5300816"/>
+                <a:off x="6976349" y="5687799"/>
                 <a:ext cx="453586" cy="369332"/>
               </a:xfrm>
               <a:prstGeom prst="rect">
@@ -15695,13 +19822,16 @@
         </p:nvCxnSpPr>
         <p:spPr>
           <a:xfrm>
-            <a:off x="4111247" y="4712127"/>
-            <a:ext cx="320528" cy="18585"/>
+            <a:off x="4734156" y="5099110"/>
+            <a:ext cx="472119" cy="64267"/>
           </a:xfrm>
           <a:prstGeom prst="straightConnector1">
             <a:avLst/>
           </a:prstGeom>
           <a:ln>
+            <a:solidFill>
+              <a:schemeClr val="bg2"/>
+            </a:solidFill>
             <a:tailEnd type="triangle"/>
           </a:ln>
         </p:spPr>
@@ -15736,9 +19866,55 @@
           <p:nvPr/>
         </p:nvCxnSpPr>
         <p:spPr>
+          <a:xfrm flipV="1">
+            <a:off x="5795988" y="5138191"/>
+            <a:ext cx="228044" cy="25186"/>
+          </a:xfrm>
+          <a:prstGeom prst="straightConnector1">
+            <a:avLst/>
+          </a:prstGeom>
+          <a:ln>
+            <a:solidFill>
+              <a:schemeClr val="bg2"/>
+            </a:solidFill>
+            <a:tailEnd type="triangle"/>
+          </a:ln>
+        </p:spPr>
+        <p:style>
+          <a:lnRef idx="1">
+            <a:schemeClr val="accent1"/>
+          </a:lnRef>
+          <a:fillRef idx="0">
+            <a:schemeClr val="accent1"/>
+          </a:fillRef>
+          <a:effectRef idx="0">
+            <a:schemeClr val="accent1"/>
+          </a:effectRef>
+          <a:fontRef idx="minor">
+            <a:schemeClr val="tx1"/>
+          </a:fontRef>
+        </p:style>
+      </p:cxnSp>
+      <p:cxnSp>
+        <p:nvCxnSpPr>
+          <p:cNvPr id="266" name="Straight Arrow Connector 265">
+            <a:extLst>
+              <a:ext uri="{FF2B5EF4-FFF2-40B4-BE49-F238E27FC236}">
+                <a16:creationId xmlns:a16="http://schemas.microsoft.com/office/drawing/2014/main" id="{5B7FE286-07EA-4116-898F-A36D69DAAC93}"/>
+              </a:ext>
+            </a:extLst>
+          </p:cNvPr>
+          <p:cNvCxnSpPr>
+            <a:cxnSpLocks/>
+            <a:stCxn id="247" idx="2"/>
+            <a:endCxn id="258" idx="0"/>
+          </p:cNvCxnSpPr>
+          <p:nvPr/>
+        </p:nvCxnSpPr>
+        <p:spPr>
           <a:xfrm>
-            <a:off x="5021488" y="4730712"/>
-            <a:ext cx="379635" cy="20496"/>
+            <a:off x="4462159" y="5297433"/>
+            <a:ext cx="11909" cy="404723"/>
           </a:xfrm>
           <a:prstGeom prst="straightConnector1">
             <a:avLst/>
@@ -15779,8 +19955,50 @@
         </p:nvCxnSpPr>
         <p:spPr>
           <a:xfrm>
-            <a:off x="4037294" y="5490759"/>
-            <a:ext cx="275027" cy="9080"/>
+            <a:off x="4942049" y="5886822"/>
+            <a:ext cx="233766" cy="0"/>
+          </a:xfrm>
+          <a:prstGeom prst="straightConnector1">
+            <a:avLst/>
+          </a:prstGeom>
+          <a:ln>
+            <a:tailEnd type="triangle"/>
+          </a:ln>
+        </p:spPr>
+        <p:style>
+          <a:lnRef idx="1">
+            <a:schemeClr val="accent1"/>
+          </a:lnRef>
+          <a:fillRef idx="0">
+            <a:schemeClr val="accent1"/>
+          </a:fillRef>
+          <a:effectRef idx="0">
+            <a:schemeClr val="accent1"/>
+          </a:effectRef>
+          <a:fontRef idx="minor">
+            <a:schemeClr val="tx1"/>
+          </a:fontRef>
+        </p:style>
+      </p:cxnSp>
+      <p:cxnSp>
+        <p:nvCxnSpPr>
+          <p:cNvPr id="268" name="Straight Arrow Connector 267">
+            <a:extLst>
+              <a:ext uri="{FF2B5EF4-FFF2-40B4-BE49-F238E27FC236}">
+                <a16:creationId xmlns:a16="http://schemas.microsoft.com/office/drawing/2014/main" id="{3EE57773-BA73-4592-B20D-5EA58B833EC5}"/>
+              </a:ext>
+            </a:extLst>
+          </p:cNvPr>
+          <p:cNvCxnSpPr>
+            <a:stCxn id="261" idx="3"/>
+            <a:endCxn id="262" idx="1"/>
+          </p:cNvCxnSpPr>
+          <p:nvPr/>
+        </p:nvCxnSpPr>
+        <p:spPr>
+          <a:xfrm flipV="1">
+            <a:off x="5602535" y="5873908"/>
+            <a:ext cx="171284" cy="12914"/>
           </a:xfrm>
           <a:prstGeom prst="straightConnector1">
             <a:avLst/>
@@ -15814,16 +20032,15 @@
             </a:extLst>
           </p:cNvPr>
           <p:cNvCxnSpPr>
-            <a:cxnSpLocks/>
-            <a:stCxn id="261" idx="3"/>
+            <a:stCxn id="262" idx="3"/>
             <a:endCxn id="263" idx="1"/>
           </p:cNvCxnSpPr>
           <p:nvPr/>
         </p:nvCxnSpPr>
         <p:spPr>
           <a:xfrm flipV="1">
-            <a:off x="5233407" y="5485482"/>
-            <a:ext cx="619250" cy="14357"/>
+            <a:off x="6200539" y="5872465"/>
+            <a:ext cx="775810" cy="1443"/>
           </a:xfrm>
           <a:prstGeom prst="straightConnector1">
             <a:avLst/>
@@ -15864,13 +20081,16 @@
         </p:nvCxnSpPr>
         <p:spPr>
           <a:xfrm flipH="1" flipV="1">
-            <a:off x="5493862" y="3232716"/>
+            <a:off x="6116771" y="3619699"/>
             <a:ext cx="273451" cy="1333826"/>
           </a:xfrm>
           <a:prstGeom prst="straightConnector1">
             <a:avLst/>
           </a:prstGeom>
           <a:ln>
+            <a:solidFill>
+              <a:schemeClr val="bg2"/>
+            </a:solidFill>
             <a:prstDash val="dash"/>
             <a:tailEnd type="triangle"/>
           </a:ln>
@@ -15907,7 +20127,7 @@
         </p:nvCxnSpPr>
         <p:spPr>
           <a:xfrm flipH="1">
-            <a:off x="5493862" y="2487327"/>
+            <a:off x="6116771" y="2874310"/>
             <a:ext cx="117" cy="376057"/>
           </a:xfrm>
           <a:prstGeom prst="straightConnector1">
@@ -15949,7 +20169,7 @@
         </p:nvCxnSpPr>
         <p:spPr>
           <a:xfrm>
-            <a:off x="5842996" y="3048050"/>
+            <a:off x="6465905" y="3435033"/>
             <a:ext cx="623071" cy="635"/>
           </a:xfrm>
           <a:prstGeom prst="straightConnector1">
@@ -15991,8 +20211,8 @@
         </p:nvCxnSpPr>
         <p:spPr>
           <a:xfrm flipV="1">
-            <a:off x="6079450" y="3233351"/>
-            <a:ext cx="727576" cy="2067465"/>
+            <a:off x="7203142" y="3620334"/>
+            <a:ext cx="226793" cy="2067465"/>
           </a:xfrm>
           <a:prstGeom prst="straightConnector1">
             <a:avLst/>
@@ -16034,7 +20254,7 @@
         </p:nvCxnSpPr>
         <p:spPr>
           <a:xfrm flipV="1">
-            <a:off x="3947499" y="3219509"/>
+            <a:off x="4570408" y="3606492"/>
             <a:ext cx="109866" cy="269772"/>
           </a:xfrm>
           <a:prstGeom prst="straightConnector1">
@@ -16076,7 +20296,7 @@
         </p:nvCxnSpPr>
         <p:spPr>
           <a:xfrm flipH="1">
-            <a:off x="3839250" y="3871693"/>
+            <a:off x="4462159" y="4258676"/>
             <a:ext cx="108249" cy="642110"/>
           </a:xfrm>
           <a:prstGeom prst="straightConnector1">
@@ -16119,13 +20339,16 @@
         </p:nvCxnSpPr>
         <p:spPr>
           <a:xfrm flipH="1" flipV="1">
-            <a:off x="5767313" y="4935874"/>
-            <a:ext cx="312137" cy="364942"/>
+            <a:off x="6390222" y="5322857"/>
+            <a:ext cx="812920" cy="364942"/>
           </a:xfrm>
           <a:prstGeom prst="straightConnector1">
             <a:avLst/>
           </a:prstGeom>
           <a:ln>
+            <a:solidFill>
+              <a:schemeClr val="bg2"/>
+            </a:solidFill>
             <a:tailEnd type="triangle"/>
           </a:ln>
         </p:spPr>
@@ -16160,7 +20383,7 @@
             </p:nvSpPr>
             <p:spPr>
               <a:xfrm>
-                <a:off x="6044638" y="2243103"/>
+                <a:off x="6589647" y="2656154"/>
                 <a:ext cx="661848" cy="382412"/>
               </a:xfrm>
               <a:prstGeom prst="rect">
@@ -16257,7 +20480,7 @@
             </p:nvSpPr>
             <p:spPr>
               <a:xfrm>
-                <a:off x="6044638" y="2243103"/>
+                <a:off x="6589647" y="2656154"/>
                 <a:ext cx="661848" cy="382412"/>
               </a:xfrm>
               <a:prstGeom prst="rect">
@@ -16266,7 +20489,7 @@
               <a:blipFill>
                 <a:blip r:embed="rId13"/>
                 <a:stretch>
-                  <a:fillRect b="-12308"/>
+                  <a:fillRect b="-14063"/>
                 </a:stretch>
               </a:blipFill>
               <a:ln>
@@ -16307,7 +20530,7 @@
             </p:nvSpPr>
             <p:spPr>
               <a:xfrm>
-                <a:off x="6605945" y="1735583"/>
+                <a:off x="7278775" y="2177838"/>
                 <a:ext cx="667106" cy="382412"/>
               </a:xfrm>
               <a:prstGeom prst="rect">
@@ -16404,7 +20627,7 @@
             </p:nvSpPr>
             <p:spPr>
               <a:xfrm>
-                <a:off x="6605945" y="1735583"/>
+                <a:off x="7278775" y="2177838"/>
                 <a:ext cx="667106" cy="382412"/>
               </a:xfrm>
               <a:prstGeom prst="rect">
@@ -16413,7 +20636,7 @@
               <a:blipFill>
                 <a:blip r:embed="rId14"/>
                 <a:stretch>
-                  <a:fillRect b="-14063"/>
+                  <a:fillRect b="-12308"/>
                 </a:stretch>
               </a:blipFill>
               <a:ln>
@@ -16455,8 +20678,8 @@
         </p:nvCxnSpPr>
         <p:spPr>
           <a:xfrm>
-            <a:off x="6375562" y="2625515"/>
-            <a:ext cx="431464" cy="238504"/>
+            <a:off x="6920571" y="3038566"/>
+            <a:ext cx="509364" cy="212436"/>
           </a:xfrm>
           <a:prstGeom prst="straightConnector1">
             <a:avLst/>
@@ -16497,7 +20720,7 @@
             </p:nvSpPr>
             <p:spPr>
               <a:xfrm>
-                <a:off x="7455380" y="1759025"/>
+                <a:off x="8078289" y="2146008"/>
                 <a:ext cx="804579" cy="382412"/>
               </a:xfrm>
               <a:prstGeom prst="rect">
@@ -16600,7 +20823,7 @@
             </p:nvSpPr>
             <p:spPr>
               <a:xfrm>
-                <a:off x="7455380" y="1759025"/>
+                <a:off x="8078289" y="2146008"/>
                 <a:ext cx="804579" cy="382412"/>
               </a:xfrm>
               <a:prstGeom prst="rect">
@@ -16609,7 +20832,7 @@
               <a:blipFill>
                 <a:blip r:embed="rId15"/>
                 <a:stretch>
-                  <a:fillRect b="-14063"/>
+                  <a:fillRect b="-12308"/>
                 </a:stretch>
               </a:blipFill>
               <a:ln>
@@ -16651,8 +20874,8 @@
         </p:nvCxnSpPr>
         <p:spPr>
           <a:xfrm flipH="1">
-            <a:off x="6807026" y="2117995"/>
-            <a:ext cx="132472" cy="746024"/>
+            <a:off x="7429935" y="2560250"/>
+            <a:ext cx="182393" cy="690752"/>
           </a:xfrm>
           <a:prstGeom prst="straightConnector1">
             <a:avLst/>
@@ -16695,7 +20918,7 @@
         </p:nvCxnSpPr>
         <p:spPr>
           <a:xfrm flipH="1">
-            <a:off x="6807026" y="2141437"/>
+            <a:off x="7429935" y="2528420"/>
             <a:ext cx="1050644" cy="722582"/>
           </a:xfrm>
           <a:prstGeom prst="straightConnector1">
@@ -16720,41 +20943,6 @@
           </a:fontRef>
         </p:style>
       </p:cxnSp>
-      <p:sp>
-        <p:nvSpPr>
-          <p:cNvPr id="283" name="TextBox 282">
-            <a:extLst>
-              <a:ext uri="{FF2B5EF4-FFF2-40B4-BE49-F238E27FC236}">
-                <a16:creationId xmlns:a16="http://schemas.microsoft.com/office/drawing/2014/main" id="{2F801555-4537-4EFF-8253-153515036943}"/>
-              </a:ext>
-            </a:extLst>
-          </p:cNvPr>
-          <p:cNvSpPr txBox="1"/>
-          <p:nvPr/>
-        </p:nvSpPr>
-        <p:spPr>
-          <a:xfrm>
-            <a:off x="2331020" y="6063372"/>
-            <a:ext cx="7667164" cy="369332"/>
-          </a:xfrm>
-          <a:prstGeom prst="rect">
-            <a:avLst/>
-          </a:prstGeom>
-          <a:noFill/>
-        </p:spPr>
-        <p:txBody>
-          <a:bodyPr wrap="none" rtlCol="0">
-            <a:spAutoFit/>
-          </a:bodyPr>
-          <a:lstStyle/>
-          <a:p>
-            <a:r>
-              <a:rPr lang="en-US" dirty="0"/>
-              <a:t>Solution: Idem to RL in awake state but substituting action selection mechanism</a:t>
-            </a:r>
-          </a:p>
-        </p:txBody>
-      </p:sp>
       <p:cxnSp>
         <p:nvCxnSpPr>
           <p:cNvPr id="285" name="Straight Arrow Connector 284">
@@ -16772,8 +20960,8 @@
         </p:nvCxnSpPr>
         <p:spPr>
           <a:xfrm flipH="1">
-            <a:off x="4909399" y="3233351"/>
-            <a:ext cx="1897627" cy="677651"/>
+            <a:off x="5718679" y="3620334"/>
+            <a:ext cx="1711256" cy="799167"/>
           </a:xfrm>
           <a:prstGeom prst="straightConnector1">
             <a:avLst/>
@@ -16816,7 +21004,7 @@
             </p:nvSpPr>
             <p:spPr>
               <a:xfrm>
-                <a:off x="7384268" y="2916402"/>
+                <a:off x="8007177" y="3303385"/>
                 <a:ext cx="661848" cy="382412"/>
               </a:xfrm>
               <a:prstGeom prst="rect">
@@ -16834,7 +21022,19 @@
               <a:bodyPr wrap="none" rtlCol="0">
                 <a:spAutoFit/>
               </a:bodyPr>
-              <a:lstStyle/>
+              <a:lstStyle>
+                <a:defPPr>
+                  <a:defRPr lang="en-US"/>
+                </a:defPPr>
+                <a:lvl1pPr>
+                  <a:defRPr b="0" i="1">
+                    <a:solidFill>
+                      <a:srgbClr val="FF0000"/>
+                    </a:solidFill>
+                    <a:latin typeface="Cambria Math" panose="02040503050406030204" pitchFamily="18" charset="0"/>
+                  </a:defRPr>
+                </a:lvl1pPr>
+              </a:lstStyle>
               <a:p>
                 <a:pPr/>
                 <a14:m>
@@ -16846,29 +21046,20 @@
                       <m:sSubSup>
                         <m:sSubSupPr>
                           <m:ctrlPr>
-                            <a:rPr lang="en-US" b="0" i="1" dirty="0" smtClean="0">
-                              <a:solidFill>
-                                <a:srgbClr val="FF0000"/>
-                              </a:solidFill>
+                            <a:rPr lang="en-US" i="1" dirty="0">
                               <a:latin typeface="Cambria Math" panose="02040503050406030204" pitchFamily="18" charset="0"/>
                             </a:rPr>
                           </m:ctrlPr>
                         </m:sSubSupPr>
                         <m:e>
                           <m:r>
-                            <a:rPr lang="en-US" b="0" i="1" dirty="0" smtClean="0">
-                              <a:solidFill>
-                                <a:srgbClr val="FF0000"/>
-                              </a:solidFill>
+                            <a:rPr lang="en-US" dirty="0">
                               <a:latin typeface="Cambria Math" panose="02040503050406030204" pitchFamily="18" charset="0"/>
                             </a:rPr>
                             <m:t>{</m:t>
                           </m:r>
                           <m:r>
-                            <a:rPr lang="en-US" i="1" dirty="0" smtClean="0">
-                              <a:solidFill>
-                                <a:srgbClr val="FF0000"/>
-                              </a:solidFill>
+                            <a:rPr lang="en-US" dirty="0">
                               <a:latin typeface="Cambria Math" panose="02040503050406030204" pitchFamily="18" charset="0"/>
                             </a:rPr>
                             <m:t>𝑉</m:t>
@@ -16876,10 +21067,7 @@
                         </m:e>
                         <m:sub>
                           <m:r>
-                            <a:rPr lang="en-US" b="0" i="1" dirty="0" smtClean="0">
-                              <a:solidFill>
-                                <a:srgbClr val="FF0000"/>
-                              </a:solidFill>
+                            <a:rPr lang="en-US" dirty="0">
                               <a:latin typeface="Cambria Math" panose="02040503050406030204" pitchFamily="18" charset="0"/>
                             </a:rPr>
                             <m:t>𝑖</m:t>
@@ -16887,10 +21075,7 @@
                         </m:sub>
                         <m:sup>
                           <m:r>
-                            <a:rPr lang="en-US" b="0" i="1" dirty="0" smtClean="0">
-                              <a:solidFill>
-                                <a:srgbClr val="FF0000"/>
-                              </a:solidFill>
+                            <a:rPr lang="en-US" dirty="0">
                               <a:latin typeface="Cambria Math" panose="02040503050406030204" pitchFamily="18" charset="0"/>
                             </a:rPr>
                             <m:t>𝑡</m:t>
@@ -16898,10 +21083,7 @@
                         </m:sup>
                       </m:sSubSup>
                       <m:r>
-                        <a:rPr lang="en-US" b="0" i="1" dirty="0" smtClean="0">
-                          <a:solidFill>
-                            <a:srgbClr val="FF0000"/>
-                          </a:solidFill>
+                        <a:rPr lang="en-US" dirty="0">
                           <a:latin typeface="Cambria Math" panose="02040503050406030204" pitchFamily="18" charset="0"/>
                         </a:rPr>
                         <m:t>}</m:t>
@@ -16909,11 +21091,7 @@
                     </m:oMath>
                   </m:oMathPara>
                 </a14:m>
-                <a:endParaRPr lang="en-US" dirty="0">
-                  <a:solidFill>
-                    <a:srgbClr val="FF0000"/>
-                  </a:solidFill>
-                </a:endParaRPr>
+                <a:endParaRPr lang="en-US" dirty="0"/>
               </a:p>
             </p:txBody>
           </p:sp>
@@ -16935,7 +21113,7 @@
             </p:nvSpPr>
             <p:spPr>
               <a:xfrm>
-                <a:off x="7384268" y="2916402"/>
+                <a:off x="8007177" y="3303385"/>
                 <a:ext cx="661848" cy="382412"/>
               </a:xfrm>
               <a:prstGeom prst="rect">
@@ -16944,7 +21122,7 @@
               <a:blipFill>
                 <a:blip r:embed="rId16"/>
                 <a:stretch>
-                  <a:fillRect b="-12308"/>
+                  <a:fillRect b="-13846"/>
                 </a:stretch>
               </a:blipFill>
               <a:ln>
@@ -16987,7 +21165,7 @@
         </p:nvCxnSpPr>
         <p:spPr>
           <a:xfrm>
-            <a:off x="7147985" y="3048685"/>
+            <a:off x="7770894" y="3435668"/>
             <a:ext cx="236283" cy="58923"/>
           </a:xfrm>
           <a:prstGeom prst="straightConnector1">
@@ -17031,8 +21209,8 @@
             </p:nvSpPr>
             <p:spPr>
               <a:xfrm>
-                <a:off x="8235191" y="3590097"/>
-                <a:ext cx="482312" cy="369332"/>
+                <a:off x="8858100" y="3977080"/>
+                <a:ext cx="485966" cy="396647"/>
               </a:xfrm>
               <a:prstGeom prst="rect">
                 <a:avLst/>
@@ -17080,15 +21258,40 @@
                           </m:r>
                         </m:e>
                         <m:sub>
-                          <m:r>
-                            <a:rPr lang="en-US" b="0" i="1" dirty="0" smtClean="0">
-                              <a:solidFill>
-                                <a:srgbClr val="FF0000"/>
-                              </a:solidFill>
-                              <a:latin typeface="Cambria Math" panose="02040503050406030204" pitchFamily="18" charset="0"/>
-                            </a:rPr>
-                            <m:t>𝑡</m:t>
-                          </m:r>
+                          <m:sSub>
+                            <m:sSubPr>
+                              <m:ctrlPr>
+                                <a:rPr lang="en-US" b="0" i="1" dirty="0" smtClean="0">
+                                  <a:solidFill>
+                                    <a:srgbClr val="FF0000"/>
+                                  </a:solidFill>
+                                  <a:latin typeface="Cambria Math" panose="02040503050406030204" pitchFamily="18" charset="0"/>
+                                </a:rPr>
+                              </m:ctrlPr>
+                            </m:sSubPr>
+                            <m:e>
+                              <m:r>
+                                <a:rPr lang="en-US" b="0" i="1" dirty="0" smtClean="0">
+                                  <a:solidFill>
+                                    <a:srgbClr val="FF0000"/>
+                                  </a:solidFill>
+                                  <a:latin typeface="Cambria Math" panose="02040503050406030204" pitchFamily="18" charset="0"/>
+                                </a:rPr>
+                                <m:t>𝑠</m:t>
+                              </m:r>
+                            </m:e>
+                            <m:sub>
+                              <m:r>
+                                <a:rPr lang="en-US" b="0" i="1" dirty="0" smtClean="0">
+                                  <a:solidFill>
+                                    <a:srgbClr val="FF0000"/>
+                                  </a:solidFill>
+                                  <a:latin typeface="Cambria Math" panose="02040503050406030204" pitchFamily="18" charset="0"/>
+                                </a:rPr>
+                                <m:t>𝑡</m:t>
+                              </m:r>
+                            </m:sub>
+                          </m:sSub>
                         </m:sub>
                         <m:sup>
                           <m:r>
@@ -17131,8 +21334,8 @@
             </p:nvSpPr>
             <p:spPr>
               <a:xfrm>
-                <a:off x="8235191" y="3590097"/>
-                <a:ext cx="482312" cy="369332"/>
+                <a:off x="8858100" y="3977080"/>
+                <a:ext cx="485966" cy="396647"/>
               </a:xfrm>
               <a:prstGeom prst="rect">
                 <a:avLst/>
@@ -17182,8 +21385,8 @@
         </p:nvCxnSpPr>
         <p:spPr>
           <a:xfrm>
-            <a:off x="8046116" y="3107608"/>
-            <a:ext cx="430231" cy="482489"/>
+            <a:off x="8669025" y="3494591"/>
+            <a:ext cx="432058" cy="482489"/>
           </a:xfrm>
           <a:prstGeom prst="straightConnector1">
             <a:avLst/>
@@ -17228,8 +21431,8 @@
         </p:nvCxnSpPr>
         <p:spPr>
           <a:xfrm>
-            <a:off x="7857670" y="2141437"/>
-            <a:ext cx="618677" cy="1448660"/>
+            <a:off x="8480579" y="2528420"/>
+            <a:ext cx="620504" cy="1448660"/>
           </a:xfrm>
           <a:prstGeom prst="straightConnector1">
             <a:avLst/>
@@ -17274,8 +21477,8 @@
         </p:nvCxnSpPr>
         <p:spPr>
           <a:xfrm flipH="1" flipV="1">
-            <a:off x="5493862" y="3232716"/>
-            <a:ext cx="2741329" cy="542047"/>
+            <a:off x="6116771" y="3619699"/>
+            <a:ext cx="2741329" cy="555705"/>
           </a:xfrm>
           <a:prstGeom prst="straightConnector1">
             <a:avLst/>
@@ -17303,163 +21506,84 @@
           </a:fontRef>
         </p:style>
       </p:cxnSp>
-      <mc:AlternateContent xmlns:mc="http://schemas.openxmlformats.org/markup-compatibility/2006">
-        <mc:Choice xmlns:a14="http://schemas.microsoft.com/office/drawing/2010/main" Requires="a14">
-          <p:sp>
-            <p:nvSpPr>
-              <p:cNvPr id="99" name="TextBox 98">
-                <a:extLst>
-                  <a:ext uri="{FF2B5EF4-FFF2-40B4-BE49-F238E27FC236}">
-                    <a16:creationId xmlns:a16="http://schemas.microsoft.com/office/drawing/2014/main" id="{705EC039-E9A1-4DD9-9EE9-F02C375A3EEC}"/>
-                  </a:ext>
-                </a:extLst>
-              </p:cNvPr>
-              <p:cNvSpPr txBox="1"/>
-              <p:nvPr/>
-            </p:nvSpPr>
-            <p:spPr>
-              <a:xfrm>
-                <a:off x="4798222" y="5754274"/>
-                <a:ext cx="425501" cy="369332"/>
-              </a:xfrm>
-              <a:prstGeom prst="rect">
-                <a:avLst/>
-              </a:prstGeom>
-              <a:noFill/>
-              <a:ln>
-                <a:solidFill>
-                  <a:schemeClr val="tx1"/>
-                </a:solidFill>
-                <a:prstDash val="dash"/>
-              </a:ln>
-            </p:spPr>
-            <p:txBody>
-              <a:bodyPr wrap="none" rtlCol="0">
-                <a:spAutoFit/>
-              </a:bodyPr>
-              <a:lstStyle>
-                <a:defPPr>
-                  <a:defRPr lang="en-US"/>
-                </a:defPPr>
-                <a:lvl1pPr>
-                  <a:defRPr b="0" i="1">
-                    <a:latin typeface="Cambria Math" panose="02040503050406030204" pitchFamily="18" charset="0"/>
-                  </a:defRPr>
-                </a:lvl1pPr>
-              </a:lstStyle>
-              <a:p>
-                <a:pPr/>
-                <a14:m>
-                  <m:oMathPara xmlns:m="http://schemas.openxmlformats.org/officeDocument/2006/math">
-                    <m:oMathParaPr>
-                      <m:jc m:val="centerGroup"/>
-                    </m:oMathParaPr>
-                    <m:oMath xmlns:m="http://schemas.openxmlformats.org/officeDocument/2006/math">
-                      <m:sSub>
-                        <m:sSubPr>
-                          <m:ctrlPr>
-                            <a:rPr lang="en-US" smtClean="0"/>
-                          </m:ctrlPr>
-                        </m:sSubPr>
-                        <m:e>
-                          <m:r>
-                            <a:rPr lang="en-US" b="0" i="1" smtClean="0">
-                              <a:latin typeface="Cambria Math" panose="02040503050406030204" pitchFamily="18" charset="0"/>
-                            </a:rPr>
-                            <m:t>𝑠</m:t>
-                          </m:r>
-                        </m:e>
-                        <m:sub>
-                          <m:r>
-                            <a:rPr lang="en-US"/>
-                            <m:t>𝑡</m:t>
-                          </m:r>
-                        </m:sub>
-                      </m:sSub>
-                    </m:oMath>
-                  </m:oMathPara>
-                </a14:m>
-                <a:endParaRPr lang="en-US" dirty="0"/>
-              </a:p>
-            </p:txBody>
-          </p:sp>
-        </mc:Choice>
-        <mc:Fallback>
-          <p:sp>
-            <p:nvSpPr>
-              <p:cNvPr id="99" name="TextBox 98">
-                <a:extLst>
-                  <a:ext uri="{FF2B5EF4-FFF2-40B4-BE49-F238E27FC236}">
-                    <a16:creationId xmlns:a16="http://schemas.microsoft.com/office/drawing/2014/main" id="{705EC039-E9A1-4DD9-9EE9-F02C375A3EEC}"/>
-                  </a:ext>
-                </a:extLst>
-              </p:cNvPr>
-              <p:cNvSpPr txBox="1">
-                <a:spLocks noRot="1" noChangeAspect="1" noMove="1" noResize="1" noEditPoints="1" noAdjustHandles="1" noChangeArrowheads="1" noChangeShapeType="1" noTextEdit="1"/>
-              </p:cNvSpPr>
-              <p:nvPr/>
-            </p:nvSpPr>
-            <p:spPr>
-              <a:xfrm>
-                <a:off x="4798222" y="5754274"/>
-                <a:ext cx="425501" cy="369332"/>
-              </a:xfrm>
-              <a:prstGeom prst="rect">
-                <a:avLst/>
-              </a:prstGeom>
-              <a:blipFill>
-                <a:blip r:embed="rId18"/>
-                <a:stretch>
-                  <a:fillRect/>
-                </a:stretch>
-              </a:blipFill>
-              <a:ln>
-                <a:solidFill>
-                  <a:schemeClr val="tx1"/>
-                </a:solidFill>
-                <a:prstDash val="dash"/>
-              </a:ln>
-            </p:spPr>
-            <p:txBody>
-              <a:bodyPr/>
-              <a:lstStyle/>
-              <a:p>
-                <a:r>
-                  <a:rPr lang="en-US">
-                    <a:noFill/>
-                  </a:rPr>
-                  <a:t> </a:t>
-                </a:r>
-              </a:p>
-            </p:txBody>
-          </p:sp>
-        </mc:Fallback>
-      </mc:AlternateContent>
+      <p:sp>
+        <p:nvSpPr>
+          <p:cNvPr id="99" name="TextBox 98">
+            <a:extLst>
+              <a:ext uri="{FF2B5EF4-FFF2-40B4-BE49-F238E27FC236}">
+                <a16:creationId xmlns:a16="http://schemas.microsoft.com/office/drawing/2014/main" id="{B02EBD72-F39F-4340-954A-8966EF18FC0F}"/>
+              </a:ext>
+            </a:extLst>
+          </p:cNvPr>
+          <p:cNvSpPr txBox="1"/>
+          <p:nvPr/>
+        </p:nvSpPr>
+        <p:spPr>
+          <a:xfrm>
+            <a:off x="123092" y="43412"/>
+            <a:ext cx="12068908" cy="523220"/>
+          </a:xfrm>
+          <a:prstGeom prst="rect">
+            <a:avLst/>
+          </a:prstGeom>
+          <a:noFill/>
+        </p:spPr>
+        <p:txBody>
+          <a:bodyPr wrap="square" rtlCol="0">
+            <a:spAutoFit/>
+          </a:bodyPr>
+          <a:lstStyle/>
+          <a:p>
+            <a:r>
+              <a:rPr lang="en-US" sz="1400" dirty="0"/>
+              <a:t>Note: dashed arrows mean that the element is used before updating (</a:t>
+            </a:r>
+            <a:r>
+              <a:rPr lang="en-US" sz="1400" dirty="0" err="1"/>
+              <a:t>i.e</a:t>
+            </a:r>
+            <a:r>
+              <a:rPr lang="en-US" sz="1400" dirty="0"/>
+              <a:t>: use instance at t-1).</a:t>
+            </a:r>
+          </a:p>
+          <a:p>
+            <a:r>
+              <a:rPr lang="en-US" sz="1400" dirty="0"/>
+              <a:t>Note: dashed boxes means the box is the same as another one with the same name. The solid box indicates where is the module calculated </a:t>
+            </a:r>
+          </a:p>
+        </p:txBody>
+      </p:sp>
       <p:cxnSp>
         <p:nvCxnSpPr>
           <p:cNvPr id="100" name="Straight Arrow Connector 99">
             <a:extLst>
               <a:ext uri="{FF2B5EF4-FFF2-40B4-BE49-F238E27FC236}">
-                <a16:creationId xmlns:a16="http://schemas.microsoft.com/office/drawing/2014/main" id="{A2664E92-2201-410F-90F2-FE60A92D6B83}"/>
+                <a16:creationId xmlns:a16="http://schemas.microsoft.com/office/drawing/2014/main" id="{083C4937-9407-462D-B454-BE8C4A73D10E}"/>
               </a:ext>
             </a:extLst>
           </p:cNvPr>
           <p:cNvCxnSpPr>
             <a:cxnSpLocks/>
-            <a:stCxn id="99" idx="3"/>
-            <a:endCxn id="263" idx="1"/>
+            <a:stCxn id="263" idx="0"/>
+            <a:endCxn id="251" idx="2"/>
           </p:cNvCxnSpPr>
           <p:nvPr/>
         </p:nvCxnSpPr>
         <p:spPr>
-          <a:xfrm flipV="1">
-            <a:off x="5223723" y="5485482"/>
-            <a:ext cx="628934" cy="453458"/>
+          <a:xfrm flipH="1" flipV="1">
+            <a:off x="6116771" y="3619699"/>
+            <a:ext cx="1086371" cy="2068100"/>
           </a:xfrm>
           <a:prstGeom prst="straightConnector1">
             <a:avLst/>
           </a:prstGeom>
-          <a:ln>
+          <a:ln w="22225">
+            <a:solidFill>
+              <a:srgbClr val="FF0000"/>
+            </a:solidFill>
+            <a:prstDash val="dash"/>
             <a:tailEnd type="triangle"/>
           </a:ln>
         </p:spPr>
@@ -17478,171 +21602,35 @@
           </a:fontRef>
         </p:style>
       </p:cxnSp>
-      <mc:AlternateContent xmlns:mc="http://schemas.openxmlformats.org/markup-compatibility/2006">
-        <mc:Choice xmlns:a14="http://schemas.microsoft.com/office/drawing/2010/main" Requires="a14">
-          <p:sp>
-            <p:nvSpPr>
-              <p:cNvPr id="103" name="TextBox 102">
-                <a:extLst>
-                  <a:ext uri="{FF2B5EF4-FFF2-40B4-BE49-F238E27FC236}">
-                    <a16:creationId xmlns:a16="http://schemas.microsoft.com/office/drawing/2014/main" id="{E57F57BB-D387-4473-9CCE-089B98EC683D}"/>
-                  </a:ext>
-                </a:extLst>
-              </p:cNvPr>
-              <p:cNvSpPr txBox="1"/>
-              <p:nvPr/>
-            </p:nvSpPr>
-            <p:spPr>
-              <a:xfrm>
-                <a:off x="1624069" y="5315173"/>
-                <a:ext cx="579710" cy="391646"/>
-              </a:xfrm>
-              <a:prstGeom prst="rect">
-                <a:avLst/>
-              </a:prstGeom>
-              <a:noFill/>
-              <a:ln>
-                <a:solidFill>
-                  <a:srgbClr val="FE0202"/>
-                </a:solidFill>
-                <a:prstDash val="dash"/>
-              </a:ln>
-            </p:spPr>
-            <p:txBody>
-              <a:bodyPr wrap="none" rtlCol="0">
-                <a:spAutoFit/>
-              </a:bodyPr>
-              <a:lstStyle/>
-              <a:p>
-                <a:pPr/>
-                <a14:m>
-                  <m:oMathPara xmlns:m="http://schemas.openxmlformats.org/officeDocument/2006/math">
-                    <m:oMathParaPr>
-                      <m:jc m:val="centerGroup"/>
-                    </m:oMathParaPr>
-                    <m:oMath xmlns:m="http://schemas.openxmlformats.org/officeDocument/2006/math">
-                      <m:sSub>
-                        <m:sSubPr>
-                          <m:ctrlPr>
-                            <a:rPr lang="en-US" b="0" i="1" smtClean="0">
-                              <a:solidFill>
-                                <a:srgbClr val="FE0202"/>
-                              </a:solidFill>
-                              <a:latin typeface="Cambria Math" panose="02040503050406030204" pitchFamily="18" charset="0"/>
-                            </a:rPr>
-                          </m:ctrlPr>
-                        </m:sSubPr>
-                        <m:e>
-                          <m:r>
-                            <a:rPr lang="en-US" b="0" i="1" smtClean="0">
-                              <a:solidFill>
-                                <a:srgbClr val="FE0202"/>
-                              </a:solidFill>
-                              <a:latin typeface="Cambria Math" panose="02040503050406030204" pitchFamily="18" charset="0"/>
-                            </a:rPr>
-                            <m:t>𝑊</m:t>
-                          </m:r>
-                        </m:e>
-                        <m:sub>
-                          <m:r>
-                            <a:rPr lang="en-US" b="0" i="1" smtClean="0">
-                              <a:solidFill>
-                                <a:srgbClr val="FE0202"/>
-                              </a:solidFill>
-                              <a:latin typeface="Cambria Math" panose="02040503050406030204" pitchFamily="18" charset="0"/>
-                            </a:rPr>
-                            <m:t>𝑖𝑗</m:t>
-                          </m:r>
-                        </m:sub>
-                      </m:sSub>
-                    </m:oMath>
-                  </m:oMathPara>
-                </a14:m>
-                <a:endParaRPr lang="en-US" dirty="0">
-                  <a:solidFill>
-                    <a:srgbClr val="FE0202"/>
-                  </a:solidFill>
-                </a:endParaRPr>
-              </a:p>
-            </p:txBody>
-          </p:sp>
-        </mc:Choice>
-        <mc:Fallback>
-          <p:sp>
-            <p:nvSpPr>
-              <p:cNvPr id="103" name="TextBox 102">
-                <a:extLst>
-                  <a:ext uri="{FF2B5EF4-FFF2-40B4-BE49-F238E27FC236}">
-                    <a16:creationId xmlns:a16="http://schemas.microsoft.com/office/drawing/2014/main" id="{E57F57BB-D387-4473-9CCE-089B98EC683D}"/>
-                  </a:ext>
-                </a:extLst>
-              </p:cNvPr>
-              <p:cNvSpPr txBox="1">
-                <a:spLocks noRot="1" noChangeAspect="1" noMove="1" noResize="1" noEditPoints="1" noAdjustHandles="1" noChangeArrowheads="1" noChangeShapeType="1" noTextEdit="1"/>
-              </p:cNvSpPr>
-              <p:nvPr/>
-            </p:nvSpPr>
-            <p:spPr>
-              <a:xfrm>
-                <a:off x="1624069" y="5315173"/>
-                <a:ext cx="579710" cy="391646"/>
-              </a:xfrm>
-              <a:prstGeom prst="rect">
-                <a:avLst/>
-              </a:prstGeom>
-              <a:blipFill>
-                <a:blip r:embed="rId19"/>
-                <a:stretch>
-                  <a:fillRect b="-6061"/>
-                </a:stretch>
-              </a:blipFill>
-              <a:ln>
-                <a:solidFill>
-                  <a:srgbClr val="FE0202"/>
-                </a:solidFill>
-                <a:prstDash val="dash"/>
-              </a:ln>
-            </p:spPr>
-            <p:txBody>
-              <a:bodyPr/>
-              <a:lstStyle/>
-              <a:p>
-                <a:r>
-                  <a:rPr lang="en-US">
-                    <a:noFill/>
-                  </a:rPr>
-                  <a:t> </a:t>
-                </a:r>
-              </a:p>
-            </p:txBody>
-          </p:sp>
-        </mc:Fallback>
-      </mc:AlternateContent>
       <p:cxnSp>
         <p:nvCxnSpPr>
           <p:cNvPr id="104" name="Straight Arrow Connector 103">
             <a:extLst>
               <a:ext uri="{FF2B5EF4-FFF2-40B4-BE49-F238E27FC236}">
-                <a16:creationId xmlns:a16="http://schemas.microsoft.com/office/drawing/2014/main" id="{EFC76B90-A2DB-431A-B709-ABCA58D5F72E}"/>
+                <a16:creationId xmlns:a16="http://schemas.microsoft.com/office/drawing/2014/main" id="{EE2116B7-52BA-4A59-9C4F-6E11A88E1940}"/>
               </a:ext>
             </a:extLst>
           </p:cNvPr>
           <p:cNvCxnSpPr>
             <a:cxnSpLocks/>
-            <a:stCxn id="103" idx="3"/>
-            <a:endCxn id="258" idx="1"/>
+            <a:stCxn id="247" idx="0"/>
+            <a:endCxn id="251" idx="2"/>
           </p:cNvCxnSpPr>
           <p:nvPr/>
         </p:nvCxnSpPr>
         <p:spPr>
           <a:xfrm flipV="1">
-            <a:off x="2203779" y="5490759"/>
-            <a:ext cx="417935" cy="20237"/>
+            <a:off x="4462159" y="3619699"/>
+            <a:ext cx="1654612" cy="1281087"/>
           </a:xfrm>
           <a:prstGeom prst="straightConnector1">
             <a:avLst/>
           </a:prstGeom>
-          <a:ln>
+          <a:ln w="22225">
+            <a:solidFill>
+              <a:srgbClr val="FF0000"/>
+            </a:solidFill>
+            <a:prstDash val="dash"/>
             <a:tailEnd type="triangle"/>
           </a:ln>
         </p:spPr>
@@ -17661,10 +21649,87 @@
           </a:fontRef>
         </p:style>
       </p:cxnSp>
+      <p:sp>
+        <p:nvSpPr>
+          <p:cNvPr id="113" name="TextBox 112">
+            <a:extLst>
+              <a:ext uri="{FF2B5EF4-FFF2-40B4-BE49-F238E27FC236}">
+                <a16:creationId xmlns:a16="http://schemas.microsoft.com/office/drawing/2014/main" id="{BBFFA4B1-D5BA-4A0E-8682-28C1E3ACDDB9}"/>
+              </a:ext>
+            </a:extLst>
+          </p:cNvPr>
+          <p:cNvSpPr txBox="1"/>
+          <p:nvPr/>
+        </p:nvSpPr>
+        <p:spPr>
+          <a:xfrm>
+            <a:off x="8514139" y="4887580"/>
+            <a:ext cx="2809271" cy="1384995"/>
+          </a:xfrm>
+          <a:prstGeom prst="rect">
+            <a:avLst/>
+          </a:prstGeom>
+          <a:noFill/>
+        </p:spPr>
+        <p:txBody>
+          <a:bodyPr wrap="square" rtlCol="0">
+            <a:spAutoFit/>
+          </a:bodyPr>
+          <a:lstStyle/>
+          <a:p>
+            <a:r>
+              <a:rPr lang="en-US" sz="1400" dirty="0"/>
+              <a:t>The max calculation was moved to the module which calculates the error.</a:t>
+            </a:r>
+          </a:p>
+          <a:p>
+            <a:r>
+              <a:rPr lang="en-US" sz="1400" dirty="0"/>
+              <a:t>Now, two different error signals are calculated.</a:t>
+            </a:r>
+          </a:p>
+          <a:p>
+            <a:r>
+              <a:rPr lang="en-US" sz="1400" dirty="0"/>
+              <a:t>Same for replay model.</a:t>
+            </a:r>
+          </a:p>
+        </p:txBody>
+      </p:sp>
     </p:spTree>
     <p:extLst>
       <p:ext uri="{BB962C8B-B14F-4D97-AF65-F5344CB8AC3E}">
-        <p14:creationId xmlns:p14="http://schemas.microsoft.com/office/powerpoint/2010/main" val="2615812936"/>
+        <p14:creationId xmlns:p14="http://schemas.microsoft.com/office/powerpoint/2010/main" val="4285028332"/>
+      </p:ext>
+    </p:extLst>
+  </p:cSld>
+  <p:clrMapOvr>
+    <a:masterClrMapping/>
+  </p:clrMapOvr>
+</p:sld>
+</file>
+
+<file path=ppt/slides/slide7.xml><?xml version="1.0" encoding="utf-8"?>
+<p:sld xmlns:a="http://schemas.openxmlformats.org/drawingml/2006/main" xmlns:r="http://schemas.openxmlformats.org/officeDocument/2006/relationships" xmlns:p="http://schemas.openxmlformats.org/presentationml/2006/main">
+  <p:cSld>
+    <p:spTree>
+      <p:nvGrpSpPr>
+        <p:cNvPr id="1" name=""/>
+        <p:cNvGrpSpPr/>
+        <p:nvPr/>
+      </p:nvGrpSpPr>
+      <p:grpSpPr>
+        <a:xfrm>
+          <a:off x="0" y="0"/>
+          <a:ext cx="0" cy="0"/>
+          <a:chOff x="0" y="0"/>
+          <a:chExt cx="0" cy="0"/>
+        </a:xfrm>
+      </p:grpSpPr>
+    </p:spTree>
+    <p:extLst>
+      <p:ext uri="{BB962C8B-B14F-4D97-AF65-F5344CB8AC3E}">
+        <p14:creationId xmlns:p14="http://schemas.microsoft.com/office/powerpoint/2010/main" val="1358532058"/>
       </p:ext>
     </p:extLst>
   </p:cSld>

--- a/multiscalemodel/src/edu/usf/ratsim/model/morris_replay/logging/issues.pptx
+++ b/multiscalemodel/src/edu/usf/ratsim/model/morris_replay/logging/issues.pptx
@@ -11,7 +11,8 @@
     <p:sldId id="259" r:id="rId5"/>
     <p:sldId id="260" r:id="rId6"/>
     <p:sldId id="262" r:id="rId7"/>
-    <p:sldId id="261" r:id="rId8"/>
+    <p:sldId id="263" r:id="rId8"/>
+    <p:sldId id="261" r:id="rId9"/>
   </p:sldIdLst>
   <p:sldSz cx="12192000" cy="6858000"/>
   <p:notesSz cx="6858000" cy="9144000"/>
@@ -17791,8 +17792,8 @@
           </a:p>
         </p:txBody>
       </p:sp>
-      <mc:AlternateContent xmlns:mc="http://schemas.openxmlformats.org/markup-compatibility/2006">
-        <mc:Choice xmlns:a14="http://schemas.microsoft.com/office/drawing/2010/main" Requires="a14">
+      <mc:AlternateContent xmlns:mc="http://schemas.openxmlformats.org/markup-compatibility/2006" xmlns:a14="http://schemas.microsoft.com/office/drawing/2010/main">
+        <mc:Choice Requires="a14">
           <p:sp>
             <p:nvSpPr>
               <p:cNvPr id="243" name="TextBox 242">
@@ -17866,7 +17867,7 @@
             </p:txBody>
           </p:sp>
         </mc:Choice>
-        <mc:Fallback>
+        <mc:Fallback xmlns="">
           <p:sp>
             <p:nvSpPr>
               <p:cNvPr id="243" name="TextBox 242">
@@ -17916,8 +17917,8 @@
           </p:sp>
         </mc:Fallback>
       </mc:AlternateContent>
-      <mc:AlternateContent xmlns:mc="http://schemas.openxmlformats.org/markup-compatibility/2006">
-        <mc:Choice xmlns:a14="http://schemas.microsoft.com/office/drawing/2010/main" Requires="a14">
+      <mc:AlternateContent xmlns:mc="http://schemas.openxmlformats.org/markup-compatibility/2006" xmlns:a14="http://schemas.microsoft.com/office/drawing/2010/main">
+        <mc:Choice Requires="a14">
           <p:sp>
             <p:nvSpPr>
               <p:cNvPr id="244" name="TextBox 243">
@@ -18017,7 +18018,7 @@
             </p:txBody>
           </p:sp>
         </mc:Choice>
-        <mc:Fallback>
+        <mc:Fallback xmlns="">
           <p:sp>
             <p:nvSpPr>
               <p:cNvPr id="244" name="TextBox 243">
@@ -18067,8 +18068,8 @@
           </p:sp>
         </mc:Fallback>
       </mc:AlternateContent>
-      <mc:AlternateContent xmlns:mc="http://schemas.openxmlformats.org/markup-compatibility/2006">
-        <mc:Choice xmlns:a14="http://schemas.microsoft.com/office/drawing/2010/main" Requires="a14">
+      <mc:AlternateContent xmlns:mc="http://schemas.openxmlformats.org/markup-compatibility/2006" xmlns:a14="http://schemas.microsoft.com/office/drawing/2010/main">
+        <mc:Choice Requires="a14">
           <p:sp>
             <p:nvSpPr>
               <p:cNvPr id="245" name="TextBox 244">
@@ -18175,7 +18176,7 @@
             </p:txBody>
           </p:sp>
         </mc:Choice>
-        <mc:Fallback>
+        <mc:Fallback xmlns="">
           <p:sp>
             <p:nvSpPr>
               <p:cNvPr id="245" name="TextBox 244">
@@ -18226,8 +18227,8 @@
           </p:sp>
         </mc:Fallback>
       </mc:AlternateContent>
-      <mc:AlternateContent xmlns:mc="http://schemas.openxmlformats.org/markup-compatibility/2006">
-        <mc:Choice xmlns:a14="http://schemas.microsoft.com/office/drawing/2010/main" Requires="a14">
+      <mc:AlternateContent xmlns:mc="http://schemas.openxmlformats.org/markup-compatibility/2006" xmlns:a14="http://schemas.microsoft.com/office/drawing/2010/main">
+        <mc:Choice Requires="a14">
           <p:sp>
             <p:nvSpPr>
               <p:cNvPr id="246" name="TextBox 245">
@@ -18344,7 +18345,7 @@
             </p:txBody>
           </p:sp>
         </mc:Choice>
-        <mc:Fallback>
+        <mc:Fallback xmlns="">
           <p:sp>
             <p:nvSpPr>
               <p:cNvPr id="246" name="TextBox 245">
@@ -18395,8 +18396,8 @@
           </p:sp>
         </mc:Fallback>
       </mc:AlternateContent>
-      <mc:AlternateContent xmlns:mc="http://schemas.openxmlformats.org/markup-compatibility/2006">
-        <mc:Choice xmlns:a14="http://schemas.microsoft.com/office/drawing/2010/main" Requires="a14">
+      <mc:AlternateContent xmlns:mc="http://schemas.openxmlformats.org/markup-compatibility/2006" xmlns:a14="http://schemas.microsoft.com/office/drawing/2010/main">
+        <mc:Choice Requires="a14">
           <p:sp>
             <p:nvSpPr>
               <p:cNvPr id="247" name="TextBox 246">
@@ -18497,7 +18498,7 @@
             </p:txBody>
           </p:sp>
         </mc:Choice>
-        <mc:Fallback>
+        <mc:Fallback xmlns="">
           <p:sp>
             <p:nvSpPr>
               <p:cNvPr id="247" name="TextBox 246">
@@ -18547,8 +18548,8 @@
           </p:sp>
         </mc:Fallback>
       </mc:AlternateContent>
-      <mc:AlternateContent xmlns:mc="http://schemas.openxmlformats.org/markup-compatibility/2006">
-        <mc:Choice xmlns:a14="http://schemas.microsoft.com/office/drawing/2010/main" Requires="a14">
+      <mc:AlternateContent xmlns:mc="http://schemas.openxmlformats.org/markup-compatibility/2006" xmlns:a14="http://schemas.microsoft.com/office/drawing/2010/main">
+        <mc:Choice Requires="a14">
           <p:sp>
             <p:nvSpPr>
               <p:cNvPr id="248" name="TextBox 247">
@@ -18680,7 +18681,7 @@
             </p:txBody>
           </p:sp>
         </mc:Choice>
-        <mc:Fallback>
+        <mc:Fallback xmlns="">
           <p:sp>
             <p:nvSpPr>
               <p:cNvPr id="248" name="TextBox 247">
@@ -18730,8 +18731,8 @@
           </p:sp>
         </mc:Fallback>
       </mc:AlternateContent>
-      <mc:AlternateContent xmlns:mc="http://schemas.openxmlformats.org/markup-compatibility/2006">
-        <mc:Choice xmlns:a14="http://schemas.microsoft.com/office/drawing/2010/main" Requires="a14">
+      <mc:AlternateContent xmlns:mc="http://schemas.openxmlformats.org/markup-compatibility/2006" xmlns:a14="http://schemas.microsoft.com/office/drawing/2010/main">
+        <mc:Choice Requires="a14">
           <p:sp>
             <p:nvSpPr>
               <p:cNvPr id="249" name="TextBox 248">
@@ -18817,7 +18818,7 @@
             </p:txBody>
           </p:sp>
         </mc:Choice>
-        <mc:Fallback>
+        <mc:Fallback xmlns="">
           <p:sp>
             <p:nvSpPr>
               <p:cNvPr id="249" name="TextBox 248">
@@ -18867,8 +18868,8 @@
           </p:sp>
         </mc:Fallback>
       </mc:AlternateContent>
-      <mc:AlternateContent xmlns:mc="http://schemas.openxmlformats.org/markup-compatibility/2006">
-        <mc:Choice xmlns:a14="http://schemas.microsoft.com/office/drawing/2010/main" Requires="a14">
+      <mc:AlternateContent xmlns:mc="http://schemas.openxmlformats.org/markup-compatibility/2006" xmlns:a14="http://schemas.microsoft.com/office/drawing/2010/main">
+        <mc:Choice Requires="a14">
           <p:sp>
             <p:nvSpPr>
               <p:cNvPr id="250" name="TextBox 249">
@@ -18948,7 +18949,7 @@
             </p:txBody>
           </p:sp>
         </mc:Choice>
-        <mc:Fallback>
+        <mc:Fallback xmlns="">
           <p:sp>
             <p:nvSpPr>
               <p:cNvPr id="250" name="TextBox 249">
@@ -18998,8 +18999,8 @@
           </p:sp>
         </mc:Fallback>
       </mc:AlternateContent>
-      <mc:AlternateContent xmlns:mc="http://schemas.openxmlformats.org/markup-compatibility/2006">
-        <mc:Choice xmlns:a14="http://schemas.microsoft.com/office/drawing/2010/main" Requires="a14">
+      <mc:AlternateContent xmlns:mc="http://schemas.openxmlformats.org/markup-compatibility/2006" xmlns:a14="http://schemas.microsoft.com/office/drawing/2010/main">
+        <mc:Choice Requires="a14">
           <p:sp>
             <p:nvSpPr>
               <p:cNvPr id="251" name="TextBox 250">
@@ -19079,7 +19080,7 @@
             </p:txBody>
           </p:sp>
         </mc:Choice>
-        <mc:Fallback>
+        <mc:Fallback xmlns="">
           <p:sp>
             <p:nvSpPr>
               <p:cNvPr id="251" name="TextBox 250">
@@ -19129,8 +19130,8 @@
           </p:sp>
         </mc:Fallback>
       </mc:AlternateContent>
-      <mc:AlternateContent xmlns:mc="http://schemas.openxmlformats.org/markup-compatibility/2006">
-        <mc:Choice xmlns:a14="http://schemas.microsoft.com/office/drawing/2010/main" Requires="a14">
+      <mc:AlternateContent xmlns:mc="http://schemas.openxmlformats.org/markup-compatibility/2006" xmlns:a14="http://schemas.microsoft.com/office/drawing/2010/main">
+        <mc:Choice Requires="a14">
           <p:sp>
             <p:nvSpPr>
               <p:cNvPr id="252" name="TextBox 251">
@@ -19194,7 +19195,7 @@
             </p:txBody>
           </p:sp>
         </mc:Choice>
-        <mc:Fallback>
+        <mc:Fallback xmlns="">
           <p:sp>
             <p:nvSpPr>
               <p:cNvPr id="252" name="TextBox 251">
@@ -19680,8 +19681,8 @@
           </a:p>
         </p:txBody>
       </p:sp>
-      <mc:AlternateContent xmlns:mc="http://schemas.openxmlformats.org/markup-compatibility/2006">
-        <mc:Choice xmlns:a14="http://schemas.microsoft.com/office/drawing/2010/main" Requires="a14">
+      <mc:AlternateContent xmlns:mc="http://schemas.openxmlformats.org/markup-compatibility/2006" xmlns:a14="http://schemas.microsoft.com/office/drawing/2010/main">
+        <mc:Choice Requires="a14">
           <p:sp>
             <p:nvSpPr>
               <p:cNvPr id="263" name="TextBox 262">
@@ -19755,7 +19756,7 @@
             </p:txBody>
           </p:sp>
         </mc:Choice>
-        <mc:Fallback>
+        <mc:Fallback xmlns="">
           <p:sp>
             <p:nvSpPr>
               <p:cNvPr id="263" name="TextBox 262">
@@ -20367,8 +20368,8 @@
           </a:fontRef>
         </p:style>
       </p:cxnSp>
-      <mc:AlternateContent xmlns:mc="http://schemas.openxmlformats.org/markup-compatibility/2006">
-        <mc:Choice xmlns:a14="http://schemas.microsoft.com/office/drawing/2010/main" Requires="a14">
+      <mc:AlternateContent xmlns:mc="http://schemas.openxmlformats.org/markup-compatibility/2006" xmlns:a14="http://schemas.microsoft.com/office/drawing/2010/main">
+        <mc:Choice Requires="a14">
           <p:sp>
             <p:nvSpPr>
               <p:cNvPr id="277" name="TextBox 276">
@@ -20463,7 +20464,7 @@
             </p:txBody>
           </p:sp>
         </mc:Choice>
-        <mc:Fallback>
+        <mc:Fallback xmlns="">
           <p:sp>
             <p:nvSpPr>
               <p:cNvPr id="277" name="TextBox 276">
@@ -20514,8 +20515,8 @@
           </p:sp>
         </mc:Fallback>
       </mc:AlternateContent>
-      <mc:AlternateContent xmlns:mc="http://schemas.openxmlformats.org/markup-compatibility/2006">
-        <mc:Choice xmlns:a14="http://schemas.microsoft.com/office/drawing/2010/main" Requires="a14">
+      <mc:AlternateContent xmlns:mc="http://schemas.openxmlformats.org/markup-compatibility/2006" xmlns:a14="http://schemas.microsoft.com/office/drawing/2010/main">
+        <mc:Choice Requires="a14">
           <p:sp>
             <p:nvSpPr>
               <p:cNvPr id="278" name="TextBox 277">
@@ -20610,7 +20611,7 @@
             </p:txBody>
           </p:sp>
         </mc:Choice>
-        <mc:Fallback>
+        <mc:Fallback xmlns="">
           <p:sp>
             <p:nvSpPr>
               <p:cNvPr id="278" name="TextBox 277">
@@ -20704,8 +20705,8 @@
           </a:fontRef>
         </p:style>
       </p:cxnSp>
-      <mc:AlternateContent xmlns:mc="http://schemas.openxmlformats.org/markup-compatibility/2006">
-        <mc:Choice xmlns:a14="http://schemas.microsoft.com/office/drawing/2010/main" Requires="a14">
+      <mc:AlternateContent xmlns:mc="http://schemas.openxmlformats.org/markup-compatibility/2006" xmlns:a14="http://schemas.microsoft.com/office/drawing/2010/main">
+        <mc:Choice Requires="a14">
           <p:sp>
             <p:nvSpPr>
               <p:cNvPr id="280" name="TextBox 279">
@@ -20806,7 +20807,7 @@
             </p:txBody>
           </p:sp>
         </mc:Choice>
-        <mc:Fallback>
+        <mc:Fallback xmlns="">
           <p:sp>
             <p:nvSpPr>
               <p:cNvPr id="280" name="TextBox 279">
@@ -20988,8 +20989,8 @@
           </a:fontRef>
         </p:style>
       </p:cxnSp>
-      <mc:AlternateContent xmlns:mc="http://schemas.openxmlformats.org/markup-compatibility/2006">
-        <mc:Choice xmlns:a14="http://schemas.microsoft.com/office/drawing/2010/main" Requires="a14">
+      <mc:AlternateContent xmlns:mc="http://schemas.openxmlformats.org/markup-compatibility/2006" xmlns:a14="http://schemas.microsoft.com/office/drawing/2010/main">
+        <mc:Choice Requires="a14">
           <p:sp>
             <p:nvSpPr>
               <p:cNvPr id="325" name="TextBox 324">
@@ -21096,7 +21097,7 @@
             </p:txBody>
           </p:sp>
         </mc:Choice>
-        <mc:Fallback>
+        <mc:Fallback xmlns="">
           <p:sp>
             <p:nvSpPr>
               <p:cNvPr id="325" name="TextBox 324">
@@ -21193,8 +21194,8 @@
           </a:fontRef>
         </p:style>
       </p:cxnSp>
-      <mc:AlternateContent xmlns:mc="http://schemas.openxmlformats.org/markup-compatibility/2006">
-        <mc:Choice xmlns:a14="http://schemas.microsoft.com/office/drawing/2010/main" Requires="a14">
+      <mc:AlternateContent xmlns:mc="http://schemas.openxmlformats.org/markup-compatibility/2006" xmlns:a14="http://schemas.microsoft.com/office/drawing/2010/main">
+        <mc:Choice Requires="a14">
           <p:sp>
             <p:nvSpPr>
               <p:cNvPr id="335" name="TextBox 334">
@@ -21317,7 +21318,7 @@
             </p:txBody>
           </p:sp>
         </mc:Choice>
-        <mc:Fallback>
+        <mc:Fallback xmlns="">
           <p:sp>
             <p:nvSpPr>
               <p:cNvPr id="335" name="TextBox 334">
@@ -21710,6 +21711,208 @@
 </file>
 
 <file path=ppt/slides/slide7.xml><?xml version="1.0" encoding="utf-8"?>
+<p:sld xmlns:a="http://schemas.openxmlformats.org/drawingml/2006/main" xmlns:r="http://schemas.openxmlformats.org/officeDocument/2006/relationships" xmlns:p="http://schemas.openxmlformats.org/presentationml/2006/main">
+  <p:cSld>
+    <p:spTree>
+      <p:nvGrpSpPr>
+        <p:cNvPr id="1" name=""/>
+        <p:cNvGrpSpPr/>
+        <p:nvPr/>
+      </p:nvGrpSpPr>
+      <p:grpSpPr>
+        <a:xfrm>
+          <a:off x="0" y="0"/>
+          <a:ext cx="0" cy="0"/>
+          <a:chOff x="0" y="0"/>
+          <a:chExt cx="0" cy="0"/>
+        </a:xfrm>
+      </p:grpSpPr>
+      <p:sp>
+        <p:nvSpPr>
+          <p:cNvPr id="3" name="Content Placeholder 2">
+            <a:extLst>
+              <a:ext uri="{FF2B5EF4-FFF2-40B4-BE49-F238E27FC236}">
+                <a16:creationId xmlns:a16="http://schemas.microsoft.com/office/drawing/2014/main" id="{FB080C32-5C6D-4680-809D-EB1E99F8F5F7}"/>
+              </a:ext>
+            </a:extLst>
+          </p:cNvPr>
+          <p:cNvSpPr>
+            <a:spLocks noGrp="1"/>
+          </p:cNvSpPr>
+          <p:nvPr>
+            <p:ph idx="1"/>
+          </p:nvPr>
+        </p:nvSpPr>
+        <p:spPr/>
+        <p:txBody>
+          <a:bodyPr/>
+          <a:lstStyle/>
+          <a:p>
+            <a:endParaRPr lang="en-US"/>
+          </a:p>
+        </p:txBody>
+      </p:sp>
+      <p:pic>
+        <p:nvPicPr>
+          <p:cNvPr id="4" name="Picture 3">
+            <a:extLst>
+              <a:ext uri="{FF2B5EF4-FFF2-40B4-BE49-F238E27FC236}">
+                <a16:creationId xmlns:a16="http://schemas.microsoft.com/office/drawing/2014/main" id="{1BE3D0E4-C2CB-45A3-94C1-0DA5658C55A2}"/>
+              </a:ext>
+            </a:extLst>
+          </p:cNvPr>
+          <p:cNvPicPr>
+            <a:picLocks noChangeAspect="1"/>
+          </p:cNvPicPr>
+          <p:nvPr/>
+        </p:nvPicPr>
+        <p:blipFill>
+          <a:blip r:embed="rId2"/>
+          <a:stretch>
+            <a:fillRect/>
+          </a:stretch>
+        </p:blipFill>
+        <p:spPr>
+          <a:xfrm>
+            <a:off x="1328467" y="1883443"/>
+            <a:ext cx="8508353" cy="4609432"/>
+          </a:xfrm>
+          <a:prstGeom prst="rect">
+            <a:avLst/>
+          </a:prstGeom>
+        </p:spPr>
+      </p:pic>
+      <p:sp>
+        <p:nvSpPr>
+          <p:cNvPr id="5" name="Title 1">
+            <a:extLst>
+              <a:ext uri="{FF2B5EF4-FFF2-40B4-BE49-F238E27FC236}">
+                <a16:creationId xmlns:a16="http://schemas.microsoft.com/office/drawing/2014/main" id="{83EB3E82-1171-44AB-8F4F-90321C5E363C}"/>
+              </a:ext>
+            </a:extLst>
+          </p:cNvPr>
+          <p:cNvSpPr>
+            <a:spLocks noGrp="1"/>
+          </p:cNvSpPr>
+          <p:nvPr>
+            <p:ph type="title"/>
+          </p:nvPr>
+        </p:nvSpPr>
+        <p:spPr>
+          <a:xfrm>
+            <a:off x="838200" y="365125"/>
+            <a:ext cx="10515600" cy="1325563"/>
+          </a:xfrm>
+        </p:spPr>
+        <p:txBody>
+          <a:bodyPr>
+            <a:normAutofit fontScale="90000"/>
+          </a:bodyPr>
+          <a:lstStyle/>
+          <a:p>
+            <a:r>
+              <a:rPr lang="en-US" sz="2400" dirty="0"/>
+              <a:t>Issue 4 – For better performance HD cells are required, otherwise it is difficult to distinguish between different scenarios. Take for example the point near the food, that point may end up having a preference for all directions since Radial basis functions generalize the policy value to all vicinity.</a:t>
+            </a:r>
+          </a:p>
+        </p:txBody>
+      </p:sp>
+      <p:cxnSp>
+        <p:nvCxnSpPr>
+          <p:cNvPr id="7" name="Straight Arrow Connector 6">
+            <a:extLst>
+              <a:ext uri="{FF2B5EF4-FFF2-40B4-BE49-F238E27FC236}">
+                <a16:creationId xmlns:a16="http://schemas.microsoft.com/office/drawing/2014/main" id="{7603C0BC-3753-4B8D-84E5-DCD552CA6CB7}"/>
+              </a:ext>
+            </a:extLst>
+          </p:cNvPr>
+          <p:cNvCxnSpPr>
+            <a:cxnSpLocks/>
+          </p:cNvCxnSpPr>
+          <p:nvPr/>
+        </p:nvCxnSpPr>
+        <p:spPr>
+          <a:xfrm>
+            <a:off x="2165230" y="1607105"/>
+            <a:ext cx="0" cy="980820"/>
+          </a:xfrm>
+          <a:prstGeom prst="straightConnector1">
+            <a:avLst/>
+          </a:prstGeom>
+          <a:ln w="69850">
+            <a:tailEnd type="triangle"/>
+          </a:ln>
+        </p:spPr>
+        <p:style>
+          <a:lnRef idx="1">
+            <a:schemeClr val="accent1"/>
+          </a:lnRef>
+          <a:fillRef idx="0">
+            <a:schemeClr val="accent1"/>
+          </a:fillRef>
+          <a:effectRef idx="0">
+            <a:schemeClr val="accent1"/>
+          </a:effectRef>
+          <a:fontRef idx="minor">
+            <a:schemeClr val="tx1"/>
+          </a:fontRef>
+        </p:style>
+      </p:cxnSp>
+      <p:cxnSp>
+        <p:nvCxnSpPr>
+          <p:cNvPr id="10" name="Straight Arrow Connector 9">
+            <a:extLst>
+              <a:ext uri="{FF2B5EF4-FFF2-40B4-BE49-F238E27FC236}">
+                <a16:creationId xmlns:a16="http://schemas.microsoft.com/office/drawing/2014/main" id="{36B47610-B3C2-4E3D-81FE-5A1747934FC7}"/>
+              </a:ext>
+            </a:extLst>
+          </p:cNvPr>
+          <p:cNvCxnSpPr>
+            <a:cxnSpLocks/>
+          </p:cNvCxnSpPr>
+          <p:nvPr/>
+        </p:nvCxnSpPr>
+        <p:spPr>
+          <a:xfrm>
+            <a:off x="2294626" y="1607105"/>
+            <a:ext cx="4986068" cy="1299997"/>
+          </a:xfrm>
+          <a:prstGeom prst="straightConnector1">
+            <a:avLst/>
+          </a:prstGeom>
+          <a:ln w="69850">
+            <a:tailEnd type="triangle"/>
+          </a:ln>
+        </p:spPr>
+        <p:style>
+          <a:lnRef idx="1">
+            <a:schemeClr val="accent1"/>
+          </a:lnRef>
+          <a:fillRef idx="0">
+            <a:schemeClr val="accent1"/>
+          </a:fillRef>
+          <a:effectRef idx="0">
+            <a:schemeClr val="accent1"/>
+          </a:effectRef>
+          <a:fontRef idx="minor">
+            <a:schemeClr val="tx1"/>
+          </a:fontRef>
+        </p:style>
+      </p:cxnSp>
+    </p:spTree>
+    <p:extLst>
+      <p:ext uri="{BB962C8B-B14F-4D97-AF65-F5344CB8AC3E}">
+        <p14:creationId xmlns:p14="http://schemas.microsoft.com/office/powerpoint/2010/main" val="2287479354"/>
+      </p:ext>
+    </p:extLst>
+  </p:cSld>
+  <p:clrMapOvr>
+    <a:masterClrMapping/>
+  </p:clrMapOvr>
+</p:sld>
+</file>
+
+<file path=ppt/slides/slide8.xml><?xml version="1.0" encoding="utf-8"?>
 <p:sld xmlns:a="http://schemas.openxmlformats.org/drawingml/2006/main" xmlns:r="http://schemas.openxmlformats.org/officeDocument/2006/relationships" xmlns:p="http://schemas.openxmlformats.org/presentationml/2006/main">
   <p:cSld>
     <p:spTree>

--- a/multiscalemodel/src/edu/usf/ratsim/model/morris_replay/logging/issues.pptx
+++ b/multiscalemodel/src/edu/usf/ratsim/model/morris_replay/logging/issues.pptx
@@ -13,6 +13,7 @@
     <p:sldId id="262" r:id="rId7"/>
     <p:sldId id="263" r:id="rId8"/>
     <p:sldId id="261" r:id="rId9"/>
+    <p:sldId id="264" r:id="rId10"/>
   </p:sldIdLst>
   <p:sldSz cx="12192000" cy="6858000"/>
   <p:notesSz cx="6858000" cy="9144000"/>
@@ -266,7 +267,7 @@
           <a:p>
             <a:fld id="{2DC27D8E-51E4-4162-86B4-7AB8E00F03B0}" type="datetimeFigureOut">
               <a:rPr lang="en-US" smtClean="0"/>
-              <a:t>7/10/2018</a:t>
+              <a:t>7/11/2018</a:t>
             </a:fld>
             <a:endParaRPr lang="en-US"/>
           </a:p>
@@ -464,7 +465,7 @@
           <a:p>
             <a:fld id="{2DC27D8E-51E4-4162-86B4-7AB8E00F03B0}" type="datetimeFigureOut">
               <a:rPr lang="en-US" smtClean="0"/>
-              <a:t>7/10/2018</a:t>
+              <a:t>7/11/2018</a:t>
             </a:fld>
             <a:endParaRPr lang="en-US"/>
           </a:p>
@@ -672,7 +673,7 @@
           <a:p>
             <a:fld id="{2DC27D8E-51E4-4162-86B4-7AB8E00F03B0}" type="datetimeFigureOut">
               <a:rPr lang="en-US" smtClean="0"/>
-              <a:t>7/10/2018</a:t>
+              <a:t>7/11/2018</a:t>
             </a:fld>
             <a:endParaRPr lang="en-US"/>
           </a:p>
@@ -870,7 +871,7 @@
           <a:p>
             <a:fld id="{2DC27D8E-51E4-4162-86B4-7AB8E00F03B0}" type="datetimeFigureOut">
               <a:rPr lang="en-US" smtClean="0"/>
-              <a:t>7/10/2018</a:t>
+              <a:t>7/11/2018</a:t>
             </a:fld>
             <a:endParaRPr lang="en-US"/>
           </a:p>
@@ -1145,7 +1146,7 @@
           <a:p>
             <a:fld id="{2DC27D8E-51E4-4162-86B4-7AB8E00F03B0}" type="datetimeFigureOut">
               <a:rPr lang="en-US" smtClean="0"/>
-              <a:t>7/10/2018</a:t>
+              <a:t>7/11/2018</a:t>
             </a:fld>
             <a:endParaRPr lang="en-US"/>
           </a:p>
@@ -1410,7 +1411,7 @@
           <a:p>
             <a:fld id="{2DC27D8E-51E4-4162-86B4-7AB8E00F03B0}" type="datetimeFigureOut">
               <a:rPr lang="en-US" smtClean="0"/>
-              <a:t>7/10/2018</a:t>
+              <a:t>7/11/2018</a:t>
             </a:fld>
             <a:endParaRPr lang="en-US"/>
           </a:p>
@@ -1822,7 +1823,7 @@
           <a:p>
             <a:fld id="{2DC27D8E-51E4-4162-86B4-7AB8E00F03B0}" type="datetimeFigureOut">
               <a:rPr lang="en-US" smtClean="0"/>
-              <a:t>7/10/2018</a:t>
+              <a:t>7/11/2018</a:t>
             </a:fld>
             <a:endParaRPr lang="en-US"/>
           </a:p>
@@ -1963,7 +1964,7 @@
           <a:p>
             <a:fld id="{2DC27D8E-51E4-4162-86B4-7AB8E00F03B0}" type="datetimeFigureOut">
               <a:rPr lang="en-US" smtClean="0"/>
-              <a:t>7/10/2018</a:t>
+              <a:t>7/11/2018</a:t>
             </a:fld>
             <a:endParaRPr lang="en-US"/>
           </a:p>
@@ -2076,7 +2077,7 @@
           <a:p>
             <a:fld id="{2DC27D8E-51E4-4162-86B4-7AB8E00F03B0}" type="datetimeFigureOut">
               <a:rPr lang="en-US" smtClean="0"/>
-              <a:t>7/10/2018</a:t>
+              <a:t>7/11/2018</a:t>
             </a:fld>
             <a:endParaRPr lang="en-US"/>
           </a:p>
@@ -2387,7 +2388,7 @@
           <a:p>
             <a:fld id="{2DC27D8E-51E4-4162-86B4-7AB8E00F03B0}" type="datetimeFigureOut">
               <a:rPr lang="en-US" smtClean="0"/>
-              <a:t>7/10/2018</a:t>
+              <a:t>7/11/2018</a:t>
             </a:fld>
             <a:endParaRPr lang="en-US"/>
           </a:p>
@@ -2675,7 +2676,7 @@
           <a:p>
             <a:fld id="{2DC27D8E-51E4-4162-86B4-7AB8E00F03B0}" type="datetimeFigureOut">
               <a:rPr lang="en-US" smtClean="0"/>
-              <a:t>7/10/2018</a:t>
+              <a:t>7/11/2018</a:t>
             </a:fld>
             <a:endParaRPr lang="en-US"/>
           </a:p>
@@ -2916,7 +2917,7 @@
           <a:p>
             <a:fld id="{2DC27D8E-51E4-4162-86B4-7AB8E00F03B0}" type="datetimeFigureOut">
               <a:rPr lang="en-US" smtClean="0"/>
-              <a:t>7/10/2018</a:t>
+              <a:t>7/11/2018</a:t>
             </a:fld>
             <a:endParaRPr lang="en-US"/>
           </a:p>
@@ -21929,10 +21930,318 @@
           <a:chExt cx="0" cy="0"/>
         </a:xfrm>
       </p:grpSpPr>
+      <p:pic>
+        <p:nvPicPr>
+          <p:cNvPr id="5" name="Picture 4">
+            <a:extLst>
+              <a:ext uri="{FF2B5EF4-FFF2-40B4-BE49-F238E27FC236}">
+                <a16:creationId xmlns:a16="http://schemas.microsoft.com/office/drawing/2014/main" id="{E4A03D9F-7214-48A1-9AEE-EC3A73777711}"/>
+              </a:ext>
+            </a:extLst>
+          </p:cNvPr>
+          <p:cNvPicPr>
+            <a:picLocks noChangeAspect="1"/>
+          </p:cNvPicPr>
+          <p:nvPr/>
+        </p:nvPicPr>
+        <p:blipFill>
+          <a:blip r:embed="rId2"/>
+          <a:stretch>
+            <a:fillRect/>
+          </a:stretch>
+        </p:blipFill>
+        <p:spPr>
+          <a:xfrm>
+            <a:off x="263824" y="1429044"/>
+            <a:ext cx="11664351" cy="3173436"/>
+          </a:xfrm>
+          <a:prstGeom prst="rect">
+            <a:avLst/>
+          </a:prstGeom>
+        </p:spPr>
+      </p:pic>
+      <p:sp>
+        <p:nvSpPr>
+          <p:cNvPr id="2" name="Title 1">
+            <a:extLst>
+              <a:ext uri="{FF2B5EF4-FFF2-40B4-BE49-F238E27FC236}">
+                <a16:creationId xmlns:a16="http://schemas.microsoft.com/office/drawing/2014/main" id="{22A11268-C10D-4CF9-84BE-160B8EB6E289}"/>
+              </a:ext>
+            </a:extLst>
+          </p:cNvPr>
+          <p:cNvSpPr>
+            <a:spLocks noGrp="1"/>
+          </p:cNvSpPr>
+          <p:nvPr>
+            <p:ph type="title"/>
+          </p:nvPr>
+        </p:nvSpPr>
+        <p:spPr>
+          <a:xfrm>
+            <a:off x="838200" y="365125"/>
+            <a:ext cx="10515600" cy="1325563"/>
+          </a:xfrm>
+        </p:spPr>
+        <p:txBody>
+          <a:bodyPr>
+            <a:normAutofit fontScale="90000"/>
+          </a:bodyPr>
+          <a:lstStyle/>
+          <a:p>
+            <a:r>
+              <a:rPr lang="en-US" sz="2400" dirty="0"/>
+              <a:t>Skipped issue 5 – Matrix update equation, see log</a:t>
+            </a:r>
+            <a:br>
+              <a:rPr lang="en-US" sz="2400" dirty="0"/>
+            </a:br>
+            <a:r>
+              <a:rPr lang="en-US" sz="2400" dirty="0"/>
+              <a:t>Issue 6 – When running in async mode speed at which threads are created is bigger than speed at which they are closed. See following profiler data plots:</a:t>
+            </a:r>
+            <a:br>
+              <a:rPr lang="en-US" sz="2400" dirty="0"/>
+            </a:br>
+            <a:r>
+              <a:rPr lang="en-US" sz="2400" dirty="0"/>
+              <a:t>Cause: plotters and loggers</a:t>
+            </a:r>
+            <a:br>
+              <a:rPr lang="en-US" sz="2400" dirty="0"/>
+            </a:br>
+            <a:endParaRPr lang="en-US" sz="2400" dirty="0"/>
+          </a:p>
+        </p:txBody>
+      </p:sp>
+      <p:pic>
+        <p:nvPicPr>
+          <p:cNvPr id="4" name="Picture 3">
+            <a:extLst>
+              <a:ext uri="{FF2B5EF4-FFF2-40B4-BE49-F238E27FC236}">
+                <a16:creationId xmlns:a16="http://schemas.microsoft.com/office/drawing/2014/main" id="{43D59247-E8FB-434A-8D41-D97170DDE978}"/>
+              </a:ext>
+            </a:extLst>
+          </p:cNvPr>
+          <p:cNvPicPr>
+            <a:picLocks noChangeAspect="1"/>
+          </p:cNvPicPr>
+          <p:nvPr/>
+        </p:nvPicPr>
+        <p:blipFill>
+          <a:blip r:embed="rId3"/>
+          <a:stretch>
+            <a:fillRect/>
+          </a:stretch>
+        </p:blipFill>
+        <p:spPr>
+          <a:xfrm>
+            <a:off x="4267144" y="3033613"/>
+            <a:ext cx="7661031" cy="3824387"/>
+          </a:xfrm>
+          <a:prstGeom prst="rect">
+            <a:avLst/>
+          </a:prstGeom>
+        </p:spPr>
+      </p:pic>
+      <p:sp>
+        <p:nvSpPr>
+          <p:cNvPr id="6" name="Title 1">
+            <a:extLst>
+              <a:ext uri="{FF2B5EF4-FFF2-40B4-BE49-F238E27FC236}">
+                <a16:creationId xmlns:a16="http://schemas.microsoft.com/office/drawing/2014/main" id="{66726E51-4DEF-4453-97DC-366A6A62A4D4}"/>
+              </a:ext>
+            </a:extLst>
+          </p:cNvPr>
+          <p:cNvSpPr txBox="1">
+            <a:spLocks/>
+          </p:cNvSpPr>
+          <p:nvPr/>
+        </p:nvSpPr>
+        <p:spPr>
+          <a:xfrm>
+            <a:off x="263824" y="5282623"/>
+            <a:ext cx="3842350" cy="1325563"/>
+          </a:xfrm>
+          <a:prstGeom prst="rect">
+            <a:avLst/>
+          </a:prstGeom>
+        </p:spPr>
+        <p:txBody>
+          <a:bodyPr vert="horz" lIns="91440" tIns="45720" rIns="91440" bIns="45720" rtlCol="0" anchor="ctr">
+            <a:normAutofit fontScale="97500" lnSpcReduction="10000"/>
+          </a:bodyPr>
+          <a:lstStyle>
+            <a:lvl1pPr algn="l" defTabSz="914400" rtl="0" eaLnBrk="1" latinLnBrk="0" hangingPunct="1">
+              <a:lnSpc>
+                <a:spcPct val="90000"/>
+              </a:lnSpc>
+              <a:spcBef>
+                <a:spcPct val="0"/>
+              </a:spcBef>
+              <a:buNone/>
+              <a:defRPr sz="4400" kern="1200">
+                <a:solidFill>
+                  <a:schemeClr val="tx1"/>
+                </a:solidFill>
+                <a:latin typeface="+mj-lt"/>
+                <a:ea typeface="+mj-ea"/>
+                <a:cs typeface="+mj-cs"/>
+              </a:defRPr>
+            </a:lvl1pPr>
+          </a:lstStyle>
+          <a:p>
+            <a:r>
+              <a:rPr lang="en-US" sz="2400" dirty="0"/>
+              <a:t>Current solution: do not use current logs and plots</a:t>
+            </a:r>
+          </a:p>
+          <a:p>
+            <a:r>
+              <a:rPr lang="en-US" sz="2400" dirty="0"/>
+              <a:t>Future solution: reimplement logging and plotting.</a:t>
+            </a:r>
+          </a:p>
+        </p:txBody>
+      </p:sp>
     </p:spTree>
     <p:extLst>
       <p:ext uri="{BB962C8B-B14F-4D97-AF65-F5344CB8AC3E}">
         <p14:creationId xmlns:p14="http://schemas.microsoft.com/office/powerpoint/2010/main" val="1358532058"/>
+      </p:ext>
+    </p:extLst>
+  </p:cSld>
+  <p:clrMapOvr>
+    <a:masterClrMapping/>
+  </p:clrMapOvr>
+</p:sld>
+</file>
+
+<file path=ppt/slides/slide9.xml><?xml version="1.0" encoding="utf-8"?>
+<p:sld xmlns:a="http://schemas.openxmlformats.org/drawingml/2006/main" xmlns:r="http://schemas.openxmlformats.org/officeDocument/2006/relationships" xmlns:p="http://schemas.openxmlformats.org/presentationml/2006/main">
+  <p:cSld>
+    <p:spTree>
+      <p:nvGrpSpPr>
+        <p:cNvPr id="1" name=""/>
+        <p:cNvGrpSpPr/>
+        <p:nvPr/>
+      </p:nvGrpSpPr>
+      <p:grpSpPr>
+        <a:xfrm>
+          <a:off x="0" y="0"/>
+          <a:ext cx="0" cy="0"/>
+          <a:chOff x="0" y="0"/>
+          <a:chExt cx="0" cy="0"/>
+        </a:xfrm>
+      </p:grpSpPr>
+      <p:sp>
+        <p:nvSpPr>
+          <p:cNvPr id="4" name="Title 1">
+            <a:extLst>
+              <a:ext uri="{FF2B5EF4-FFF2-40B4-BE49-F238E27FC236}">
+                <a16:creationId xmlns:a16="http://schemas.microsoft.com/office/drawing/2014/main" id="{C724AB56-479D-4973-95BA-A576691B4CBA}"/>
+              </a:ext>
+            </a:extLst>
+          </p:cNvPr>
+          <p:cNvSpPr txBox="1">
+            <a:spLocks/>
+          </p:cNvSpPr>
+          <p:nvPr/>
+        </p:nvSpPr>
+        <p:spPr>
+          <a:xfrm>
+            <a:off x="990600" y="517525"/>
+            <a:ext cx="10515600" cy="1325563"/>
+          </a:xfrm>
+          <a:prstGeom prst="rect">
+            <a:avLst/>
+          </a:prstGeom>
+        </p:spPr>
+        <p:txBody>
+          <a:bodyPr vert="horz" lIns="91440" tIns="45720" rIns="91440" bIns="45720" rtlCol="0" anchor="ctr">
+            <a:normAutofit fontScale="97500"/>
+          </a:bodyPr>
+          <a:lstStyle>
+            <a:lvl1pPr algn="l" defTabSz="914400" rtl="0" eaLnBrk="1" latinLnBrk="0" hangingPunct="1">
+              <a:lnSpc>
+                <a:spcPct val="90000"/>
+              </a:lnSpc>
+              <a:spcBef>
+                <a:spcPct val="0"/>
+              </a:spcBef>
+              <a:buNone/>
+              <a:defRPr sz="4400" kern="1200">
+                <a:solidFill>
+                  <a:schemeClr val="tx1"/>
+                </a:solidFill>
+                <a:latin typeface="+mj-lt"/>
+                <a:ea typeface="+mj-ea"/>
+                <a:cs typeface="+mj-cs"/>
+              </a:defRPr>
+            </a:lvl1pPr>
+          </a:lstStyle>
+          <a:p>
+            <a:r>
+              <a:rPr lang="en-US" sz="2400" dirty="0"/>
+              <a:t>Reproducing issue 6:</a:t>
+            </a:r>
+            <a:br>
+              <a:rPr lang="en-US" sz="2400" dirty="0"/>
+            </a:br>
+            <a:r>
+              <a:rPr lang="en-US" sz="2400" dirty="0"/>
+              <a:t>Go to branch v2.1 commit#: (will be added after commit)</a:t>
+            </a:r>
+          </a:p>
+          <a:p>
+            <a:r>
+              <a:rPr lang="en-US" sz="2400" dirty="0"/>
+              <a:t>Run </a:t>
+            </a:r>
+            <a:r>
+              <a:rPr lang="en-US" sz="2400"/>
+              <a:t>following configuration</a:t>
+            </a:r>
+            <a:endParaRPr lang="en-US" sz="2400" dirty="0"/>
+          </a:p>
+          <a:p>
+            <a:endParaRPr lang="en-US" sz="2400" dirty="0"/>
+          </a:p>
+        </p:txBody>
+      </p:sp>
+      <p:pic>
+        <p:nvPicPr>
+          <p:cNvPr id="5" name="Picture 4">
+            <a:extLst>
+              <a:ext uri="{FF2B5EF4-FFF2-40B4-BE49-F238E27FC236}">
+                <a16:creationId xmlns:a16="http://schemas.microsoft.com/office/drawing/2014/main" id="{8BFD2A75-B433-4576-88F5-1CC960305F84}"/>
+              </a:ext>
+            </a:extLst>
+          </p:cNvPr>
+          <p:cNvPicPr>
+            <a:picLocks noChangeAspect="1"/>
+          </p:cNvPicPr>
+          <p:nvPr/>
+        </p:nvPicPr>
+        <p:blipFill>
+          <a:blip r:embed="rId2"/>
+          <a:stretch>
+            <a:fillRect/>
+          </a:stretch>
+        </p:blipFill>
+        <p:spPr>
+          <a:xfrm>
+            <a:off x="2677514" y="1984075"/>
+            <a:ext cx="5119666" cy="4557353"/>
+          </a:xfrm>
+          <a:prstGeom prst="rect">
+            <a:avLst/>
+          </a:prstGeom>
+        </p:spPr>
+      </p:pic>
+    </p:spTree>
+    <p:extLst>
+      <p:ext uri="{BB962C8B-B14F-4D97-AF65-F5344CB8AC3E}">
+        <p14:creationId xmlns:p14="http://schemas.microsoft.com/office/powerpoint/2010/main" val="456694159"/>
       </p:ext>
     </p:extLst>
   </p:cSld>

--- a/multiscalemodel/src/edu/usf/ratsim/model/morris_replay/logging/issues.pptx
+++ b/multiscalemodel/src/edu/usf/ratsim/model/morris_replay/logging/issues.pptx
@@ -22158,7 +22158,7 @@
         </p:spPr>
         <p:txBody>
           <a:bodyPr vert="horz" lIns="91440" tIns="45720" rIns="91440" bIns="45720" rtlCol="0" anchor="ctr">
-            <a:normAutofit fontScale="97500"/>
+            <a:normAutofit fontScale="97500" lnSpcReduction="10000"/>
           </a:bodyPr>
           <a:lstStyle>
             <a:lvl1pPr algn="l" defTabSz="914400" rtl="0" eaLnBrk="1" latinLnBrk="0" hangingPunct="1">
@@ -22189,19 +22189,26 @@
             </a:br>
             <a:r>
               <a:rPr lang="en-US" sz="2400" dirty="0"/>
-              <a:t>Go to branch v2.1 commit#: (will be added after commit)</a:t>
+              <a:t>Go to branch v2.1 commit</a:t>
             </a:r>
+            <a:r>
+              <a:rPr lang="en-US" sz="2400"/>
+              <a:t>#: 2fd3db47247e46e1500a200db25eca5cf861346c</a:t>
+            </a:r>
+            <a:br>
+              <a:rPr lang="en-US" sz="2400"/>
+            </a:br>
+            <a:r>
+              <a:rPr lang="en-US" sz="2400"/>
+              <a:t>of date: 07/11/2018</a:t>
+            </a:r>
+            <a:endParaRPr lang="en-US" sz="2400" dirty="0"/>
           </a:p>
           <a:p>
             <a:r>
               <a:rPr lang="en-US" sz="2400" dirty="0"/>
-              <a:t>Run </a:t>
+              <a:t>Run following configuration</a:t>
             </a:r>
-            <a:r>
-              <a:rPr lang="en-US" sz="2400"/>
-              <a:t>following configuration</a:t>
-            </a:r>
-            <a:endParaRPr lang="en-US" sz="2400" dirty="0"/>
           </a:p>
           <a:p>
             <a:endParaRPr lang="en-US" sz="2400" dirty="0"/>
